--- a/Final Project Blue Team -.pptx
+++ b/Final Project Blue Team -.pptx
@@ -1,37 +1,37 @@
 
 <file path=ppt/presentation.xml><?xml version="1.0" encoding="utf-8"?>
-<p:presentation xmlns:a="http://schemas.openxmlformats.org/drawingml/2006/main" xmlns:r="http://schemas.openxmlformats.org/officeDocument/2006/relationships" xmlns:mc="http://schemas.openxmlformats.org/markup-compatibility/2006" xmlns:mv="urn:schemas-microsoft-com:mac:vml" xmlns:p="http://schemas.openxmlformats.org/presentationml/2006/main" xmlns:c="http://schemas.openxmlformats.org/drawingml/2006/chart" xmlns:dgm="http://schemas.openxmlformats.org/drawingml/2006/diagram" xmlns:o="urn:schemas-microsoft-com:office:office" xmlns:v="urn:schemas-microsoft-com:vml" xmlns:pvml="urn:schemas-microsoft-com:office:powerpoint" xmlns:com="http://schemas.openxmlformats.org/drawingml/2006/compatibility" xmlns:p14="http://schemas.microsoft.com/office/powerpoint/2010/main" xmlns:p15="http://schemas.microsoft.com/office/powerpoint/2012/main" xmlns:ahyp="http://schemas.microsoft.com/office/drawing/2018/hyperlinkcolor" autoCompressPictures="0" embedTrueTypeFonts="1" strictFirstAndLastChars="0" saveSubsetFonts="1">
+<p:presentation xmlns:a="http://schemas.openxmlformats.org/drawingml/2006/main" xmlns:r="http://schemas.openxmlformats.org/officeDocument/2006/relationships" xmlns:p="http://schemas.openxmlformats.org/presentationml/2006/main" strictFirstAndLastChars="0" embedTrueTypeFonts="1" saveSubsetFonts="1" autoCompressPictures="0">
   <p:sldMasterIdLst>
-    <p:sldMasterId id="2147483659" r:id="rId4"/>
+    <p:sldMasterId id="2147483659" r:id="rId1"/>
   </p:sldMasterIdLst>
   <p:notesMasterIdLst>
-    <p:notesMasterId r:id="rId5"/>
+    <p:notesMasterId r:id="rId7"/>
   </p:notesMasterIdLst>
   <p:sldIdLst>
-    <p:sldId id="256" r:id="rId6"/>
-    <p:sldId id="257" r:id="rId7"/>
-    <p:sldId id="258" r:id="rId8"/>
-    <p:sldId id="259" r:id="rId9"/>
-    <p:sldId id="260" r:id="rId10"/>
+    <p:sldId id="256" r:id="rId2"/>
+    <p:sldId id="257" r:id="rId3"/>
+    <p:sldId id="258" r:id="rId4"/>
+    <p:sldId id="259" r:id="rId5"/>
+    <p:sldId id="260" r:id="rId6"/>
   </p:sldIdLst>
-  <p:sldSz cy="5143500" cx="9144000"/>
+  <p:sldSz cx="9144000" cy="5143500" type="screen16x9"/>
   <p:notesSz cx="6858000" cy="9144000"/>
   <p:embeddedFontLst>
     <p:embeddedFont>
-      <p:font typeface="Roboto Slab"/>
-      <p:regular r:id="rId11"/>
-      <p:bold r:id="rId12"/>
+      <p:font typeface="Roboto" panose="02000000000000000000" pitchFamily="2" charset="0"/>
+      <p:regular r:id="rId8"/>
+      <p:bold r:id="rId9"/>
+      <p:italic r:id="rId10"/>
+      <p:boldItalic r:id="rId11"/>
     </p:embeddedFont>
     <p:embeddedFont>
-      <p:font typeface="Roboto"/>
-      <p:regular r:id="rId13"/>
-      <p:bold r:id="rId14"/>
-      <p:italic r:id="rId15"/>
-      <p:boldItalic r:id="rId16"/>
+      <p:font typeface="Roboto Slab" pitchFamily="2" charset="0"/>
+      <p:regular r:id="rId12"/>
+      <p:bold r:id="rId13"/>
     </p:embeddedFont>
   </p:embeddedFontLst>
   <p:defaultTextStyle>
-    <a:defPPr lvl="0" marR="0" rtl="0" algn="l">
+    <a:defPPr marR="0" lvl="0" algn="l" rtl="0">
       <a:lnSpc>
         <a:spcPct val="100000"/>
       </a:lnSpc>
@@ -42,7 +42,7 @@
         <a:spcPts val="0"/>
       </a:spcAft>
     </a:defPPr>
-    <a:lvl1pPr lvl="0" marR="0" rtl="0" algn="l">
+    <a:lvl1pPr marR="0" lvl="0" algn="l" rtl="0">
       <a:lnSpc>
         <a:spcPct val="100000"/>
       </a:lnSpc>
@@ -56,7 +56,7 @@
         <a:srgbClr val="000000"/>
       </a:buClr>
       <a:buFont typeface="Arial"/>
-      <a:defRPr b="0" i="0" sz="1400" u="none" cap="none" strike="noStrike">
+      <a:defRPr sz="1400" b="0" i="0" u="none" strike="noStrike" cap="none">
         <a:solidFill>
           <a:srgbClr val="000000"/>
         </a:solidFill>
@@ -66,7 +66,7 @@
         <a:sym typeface="Arial"/>
       </a:defRPr>
     </a:lvl1pPr>
-    <a:lvl2pPr lvl="1" marR="0" rtl="0" algn="l">
+    <a:lvl2pPr marR="0" lvl="1" algn="l" rtl="0">
       <a:lnSpc>
         <a:spcPct val="100000"/>
       </a:lnSpc>
@@ -80,7 +80,7 @@
         <a:srgbClr val="000000"/>
       </a:buClr>
       <a:buFont typeface="Arial"/>
-      <a:defRPr b="0" i="0" sz="1400" u="none" cap="none" strike="noStrike">
+      <a:defRPr sz="1400" b="0" i="0" u="none" strike="noStrike" cap="none">
         <a:solidFill>
           <a:srgbClr val="000000"/>
         </a:solidFill>
@@ -90,7 +90,7 @@
         <a:sym typeface="Arial"/>
       </a:defRPr>
     </a:lvl2pPr>
-    <a:lvl3pPr lvl="2" marR="0" rtl="0" algn="l">
+    <a:lvl3pPr marR="0" lvl="2" algn="l" rtl="0">
       <a:lnSpc>
         <a:spcPct val="100000"/>
       </a:lnSpc>
@@ -104,7 +104,7 @@
         <a:srgbClr val="000000"/>
       </a:buClr>
       <a:buFont typeface="Arial"/>
-      <a:defRPr b="0" i="0" sz="1400" u="none" cap="none" strike="noStrike">
+      <a:defRPr sz="1400" b="0" i="0" u="none" strike="noStrike" cap="none">
         <a:solidFill>
           <a:srgbClr val="000000"/>
         </a:solidFill>
@@ -114,7 +114,7 @@
         <a:sym typeface="Arial"/>
       </a:defRPr>
     </a:lvl3pPr>
-    <a:lvl4pPr lvl="3" marR="0" rtl="0" algn="l">
+    <a:lvl4pPr marR="0" lvl="3" algn="l" rtl="0">
       <a:lnSpc>
         <a:spcPct val="100000"/>
       </a:lnSpc>
@@ -128,7 +128,7 @@
         <a:srgbClr val="000000"/>
       </a:buClr>
       <a:buFont typeface="Arial"/>
-      <a:defRPr b="0" i="0" sz="1400" u="none" cap="none" strike="noStrike">
+      <a:defRPr sz="1400" b="0" i="0" u="none" strike="noStrike" cap="none">
         <a:solidFill>
           <a:srgbClr val="000000"/>
         </a:solidFill>
@@ -138,7 +138,7 @@
         <a:sym typeface="Arial"/>
       </a:defRPr>
     </a:lvl4pPr>
-    <a:lvl5pPr lvl="4" marR="0" rtl="0" algn="l">
+    <a:lvl5pPr marR="0" lvl="4" algn="l" rtl="0">
       <a:lnSpc>
         <a:spcPct val="100000"/>
       </a:lnSpc>
@@ -152,7 +152,7 @@
         <a:srgbClr val="000000"/>
       </a:buClr>
       <a:buFont typeface="Arial"/>
-      <a:defRPr b="0" i="0" sz="1400" u="none" cap="none" strike="noStrike">
+      <a:defRPr sz="1400" b="0" i="0" u="none" strike="noStrike" cap="none">
         <a:solidFill>
           <a:srgbClr val="000000"/>
         </a:solidFill>
@@ -162,7 +162,7 @@
         <a:sym typeface="Arial"/>
       </a:defRPr>
     </a:lvl5pPr>
-    <a:lvl6pPr lvl="5" marR="0" rtl="0" algn="l">
+    <a:lvl6pPr marR="0" lvl="5" algn="l" rtl="0">
       <a:lnSpc>
         <a:spcPct val="100000"/>
       </a:lnSpc>
@@ -176,7 +176,7 @@
         <a:srgbClr val="000000"/>
       </a:buClr>
       <a:buFont typeface="Arial"/>
-      <a:defRPr b="0" i="0" sz="1400" u="none" cap="none" strike="noStrike">
+      <a:defRPr sz="1400" b="0" i="0" u="none" strike="noStrike" cap="none">
         <a:solidFill>
           <a:srgbClr val="000000"/>
         </a:solidFill>
@@ -186,7 +186,7 @@
         <a:sym typeface="Arial"/>
       </a:defRPr>
     </a:lvl6pPr>
-    <a:lvl7pPr lvl="6" marR="0" rtl="0" algn="l">
+    <a:lvl7pPr marR="0" lvl="6" algn="l" rtl="0">
       <a:lnSpc>
         <a:spcPct val="100000"/>
       </a:lnSpc>
@@ -200,7 +200,7 @@
         <a:srgbClr val="000000"/>
       </a:buClr>
       <a:buFont typeface="Arial"/>
-      <a:defRPr b="0" i="0" sz="1400" u="none" cap="none" strike="noStrike">
+      <a:defRPr sz="1400" b="0" i="0" u="none" strike="noStrike" cap="none">
         <a:solidFill>
           <a:srgbClr val="000000"/>
         </a:solidFill>
@@ -210,7 +210,7 @@
         <a:sym typeface="Arial"/>
       </a:defRPr>
     </a:lvl7pPr>
-    <a:lvl8pPr lvl="7" marR="0" rtl="0" algn="l">
+    <a:lvl8pPr marR="0" lvl="7" algn="l" rtl="0">
       <a:lnSpc>
         <a:spcPct val="100000"/>
       </a:lnSpc>
@@ -224,7 +224,7 @@
         <a:srgbClr val="000000"/>
       </a:buClr>
       <a:buFont typeface="Arial"/>
-      <a:defRPr b="0" i="0" sz="1400" u="none" cap="none" strike="noStrike">
+      <a:defRPr sz="1400" b="0" i="0" u="none" strike="noStrike" cap="none">
         <a:solidFill>
           <a:srgbClr val="000000"/>
         </a:solidFill>
@@ -234,7 +234,7 @@
         <a:sym typeface="Arial"/>
       </a:defRPr>
     </a:lvl8pPr>
-    <a:lvl9pPr lvl="8" marR="0" rtl="0" algn="l">
+    <a:lvl9pPr marR="0" lvl="8" algn="l" rtl="0">
       <a:lnSpc>
         <a:spcPct val="100000"/>
       </a:lnSpc>
@@ -248,7 +248,7 @@
         <a:srgbClr val="000000"/>
       </a:buClr>
       <a:buFont typeface="Arial"/>
-      <a:defRPr b="0" i="0" sz="1400" u="none" cap="none" strike="noStrike">
+      <a:defRPr sz="1400" b="0" i="0" u="none" strike="noStrike" cap="none">
         <a:solidFill>
           <a:srgbClr val="000000"/>
         </a:solidFill>
@@ -261,7 +261,7 @@
   </p:defaultTextStyle>
   <p:extLst>
     <p:ext uri="{EFAFB233-063F-42B5-8137-9DF3F51BA10A}">
-      <p15:sldGuideLst>
+      <p15:sldGuideLst xmlns:p15="http://schemas.microsoft.com/office/powerpoint/2012/main">
         <p15:guide id="1" orient="horz" pos="1620">
           <p15:clr>
             <a:srgbClr val="A4A3A4"/>
@@ -279,11 +279,16 @@
 </file>
 
 <file path=ppt/notesMasters/notesMaster1.xml><?xml version="1.0" encoding="utf-8"?>
-<p:notesMaster xmlns:a="http://schemas.openxmlformats.org/drawingml/2006/main" xmlns:r="http://schemas.openxmlformats.org/officeDocument/2006/relationships" xmlns:mc="http://schemas.openxmlformats.org/markup-compatibility/2006" xmlns:mv="urn:schemas-microsoft-com:mac:vml" xmlns:p="http://schemas.openxmlformats.org/presentationml/2006/main" xmlns:c="http://schemas.openxmlformats.org/drawingml/2006/chart" xmlns:dgm="http://schemas.openxmlformats.org/drawingml/2006/diagram" xmlns:o="urn:schemas-microsoft-com:office:office" xmlns:v="urn:schemas-microsoft-com:vml" xmlns:pvml="urn:schemas-microsoft-com:office:powerpoint" xmlns:com="http://schemas.openxmlformats.org/drawingml/2006/compatibility" xmlns:p14="http://schemas.microsoft.com/office/powerpoint/2010/main" xmlns:p15="http://schemas.microsoft.com/office/powerpoint/2012/main" xmlns:ahyp="http://schemas.microsoft.com/office/drawing/2018/hyperlinkcolor">
+<p:notesMaster xmlns:a="http://schemas.openxmlformats.org/drawingml/2006/main" xmlns:r="http://schemas.openxmlformats.org/officeDocument/2006/relationships" xmlns:p="http://schemas.openxmlformats.org/presentationml/2006/main">
   <p:cSld>
+    <p:bg>
+      <p:bgRef idx="1001">
+        <a:schemeClr val="bg1"/>
+      </p:bgRef>
+    </p:bg>
     <p:spTree>
       <p:nvGrpSpPr>
-        <p:cNvPr id="2" name="Shape 2"/>
+        <p:cNvPr id="1" name="Shape 2"/>
         <p:cNvGrpSpPr/>
         <p:nvPr/>
       </p:nvGrpSpPr>
@@ -298,9 +303,11 @@
       <p:sp>
         <p:nvSpPr>
           <p:cNvPr id="3" name="Google Shape;3;n"/>
-          <p:cNvSpPr/>
+          <p:cNvSpPr>
+            <a:spLocks noGrp="1" noRot="1" noChangeAspect="1"/>
+          </p:cNvSpPr>
           <p:nvPr>
-            <p:ph idx="2" type="sldImg"/>
+            <p:ph type="sldImg" idx="2"/>
           </p:nvPr>
         </p:nvSpPr>
         <p:spPr>
@@ -309,9 +316,13 @@
             <a:ext cx="6096075" cy="3429000"/>
           </a:xfrm>
           <a:custGeom>
-            <a:rect b="b" l="l" r="r" t="t"/>
+            <a:avLst/>
+            <a:gdLst/>
+            <a:ahLst/>
+            <a:cxnLst/>
+            <a:rect l="l" t="t" r="r" b="b"/>
             <a:pathLst>
-              <a:path extrusionOk="0" h="120000" w="120000">
+              <a:path w="120000" h="120000" extrusionOk="0">
                 <a:moveTo>
                   <a:pt x="0" y="0"/>
                 </a:moveTo>
@@ -329,23 +340,25 @@
             </a:pathLst>
           </a:custGeom>
           <a:noFill/>
-          <a:ln cap="flat" cmpd="sng" w="9525">
+          <a:ln w="9525" cap="flat" cmpd="sng">
             <a:solidFill>
               <a:srgbClr val="000000"/>
             </a:solidFill>
             <a:prstDash val="solid"/>
             <a:round/>
-            <a:headEnd len="sm" w="sm" type="none"/>
-            <a:tailEnd len="sm" w="sm" type="none"/>
+            <a:headEnd type="none" w="sm" len="sm"/>
+            <a:tailEnd type="none" w="sm" len="sm"/>
           </a:ln>
         </p:spPr>
       </p:sp>
       <p:sp>
         <p:nvSpPr>
           <p:cNvPr id="4" name="Google Shape;4;n"/>
-          <p:cNvSpPr txBox="1"/>
+          <p:cNvSpPr txBox="1">
+            <a:spLocks noGrp="1"/>
+          </p:cNvSpPr>
           <p:nvPr>
-            <p:ph idx="1" type="body"/>
+            <p:ph type="body" idx="1"/>
           </p:nvPr>
         </p:nvSpPr>
         <p:spPr>
@@ -362,11 +375,11 @@
           </a:ln>
         </p:spPr>
         <p:txBody>
-          <a:bodyPr anchorCtr="0" anchor="t" bIns="91425" lIns="91425" spcFirstLastPara="1" rIns="91425" wrap="square" tIns="91425">
+          <a:bodyPr spcFirstLastPara="1" wrap="square" lIns="91425" tIns="91425" rIns="91425" bIns="91425" anchor="t" anchorCtr="0">
             <a:noAutofit/>
           </a:bodyPr>
           <a:lstStyle>
-            <a:lvl1pPr indent="-298450" lvl="0" marL="457200">
+            <a:lvl1pPr marL="457200" lvl="0" indent="-298450">
               <a:spcBef>
                 <a:spcPts val="0"/>
               </a:spcBef>
@@ -377,7 +390,7 @@
               <a:buChar char="●"/>
               <a:defRPr sz="1100"/>
             </a:lvl1pPr>
-            <a:lvl2pPr indent="-298450" lvl="1" marL="914400">
+            <a:lvl2pPr marL="914400" lvl="1" indent="-298450">
               <a:spcBef>
                 <a:spcPts val="0"/>
               </a:spcBef>
@@ -388,7 +401,7 @@
               <a:buChar char="○"/>
               <a:defRPr sz="1100"/>
             </a:lvl2pPr>
-            <a:lvl3pPr indent="-298450" lvl="2" marL="1371600">
+            <a:lvl3pPr marL="1371600" lvl="2" indent="-298450">
               <a:spcBef>
                 <a:spcPts val="0"/>
               </a:spcBef>
@@ -399,7 +412,7 @@
               <a:buChar char="■"/>
               <a:defRPr sz="1100"/>
             </a:lvl3pPr>
-            <a:lvl4pPr indent="-298450" lvl="3" marL="1828800">
+            <a:lvl4pPr marL="1828800" lvl="3" indent="-298450">
               <a:spcBef>
                 <a:spcPts val="0"/>
               </a:spcBef>
@@ -410,7 +423,7 @@
               <a:buChar char="●"/>
               <a:defRPr sz="1100"/>
             </a:lvl4pPr>
-            <a:lvl5pPr indent="-298450" lvl="4" marL="2286000">
+            <a:lvl5pPr marL="2286000" lvl="4" indent="-298450">
               <a:spcBef>
                 <a:spcPts val="0"/>
               </a:spcBef>
@@ -421,7 +434,7 @@
               <a:buChar char="○"/>
               <a:defRPr sz="1100"/>
             </a:lvl5pPr>
-            <a:lvl6pPr indent="-298450" lvl="5" marL="2743200">
+            <a:lvl6pPr marL="2743200" lvl="5" indent="-298450">
               <a:spcBef>
                 <a:spcPts val="0"/>
               </a:spcBef>
@@ -432,7 +445,7 @@
               <a:buChar char="■"/>
               <a:defRPr sz="1100"/>
             </a:lvl6pPr>
-            <a:lvl7pPr indent="-298450" lvl="6" marL="3200400">
+            <a:lvl7pPr marL="3200400" lvl="6" indent="-298450">
               <a:spcBef>
                 <a:spcPts val="0"/>
               </a:spcBef>
@@ -443,7 +456,7 @@
               <a:buChar char="●"/>
               <a:defRPr sz="1100"/>
             </a:lvl7pPr>
-            <a:lvl8pPr indent="-298450" lvl="7" marL="3657600">
+            <a:lvl8pPr marL="3657600" lvl="7" indent="-298450">
               <a:spcBef>
                 <a:spcPts val="0"/>
               </a:spcBef>
@@ -454,7 +467,7 @@
               <a:buChar char="○"/>
               <a:defRPr sz="1100"/>
             </a:lvl8pPr>
-            <a:lvl9pPr indent="-298450" lvl="8" marL="4114800">
+            <a:lvl9pPr marL="4114800" lvl="8" indent="-298450">
               <a:spcBef>
                 <a:spcPts val="0"/>
               </a:spcBef>
@@ -466,14 +479,16 @@
               <a:defRPr sz="1100"/>
             </a:lvl9pPr>
           </a:lstStyle>
-          <a:p/>
+          <a:p>
+            <a:endParaRPr/>
+          </a:p>
         </p:txBody>
       </p:sp>
     </p:spTree>
   </p:cSld>
-  <p:clrMap accent1="accent1" accent2="accent2" accent3="accent3" accent4="accent4" accent5="accent5" accent6="accent6" bg1="lt1" bg2="dk2" tx1="dk1" tx2="lt2" folHlink="folHlink" hlink="hlink"/>
+  <p:clrMap bg1="lt1" tx1="dk1" bg2="dk2" tx2="lt2" accent1="accent1" accent2="accent2" accent3="accent3" accent4="accent4" accent5="accent5" accent6="accent6" hlink="hlink" folHlink="folHlink"/>
   <p:notesStyle>
-    <a:defPPr lvl="0" marR="0" rtl="0" algn="l">
+    <a:defPPr marR="0" lvl="0" algn="l" rtl="0">
       <a:lnSpc>
         <a:spcPct val="100000"/>
       </a:lnSpc>
@@ -484,7 +499,7 @@
         <a:spcPts val="0"/>
       </a:spcAft>
     </a:defPPr>
-    <a:lvl1pPr lvl="0" marR="0" rtl="0" algn="l">
+    <a:lvl1pPr marR="0" lvl="0" algn="l" rtl="0">
       <a:lnSpc>
         <a:spcPct val="100000"/>
       </a:lnSpc>
@@ -498,7 +513,7 @@
         <a:srgbClr val="000000"/>
       </a:buClr>
       <a:buFont typeface="Arial"/>
-      <a:defRPr b="0" i="0" sz="1400" u="none" cap="none" strike="noStrike">
+      <a:defRPr sz="1400" b="0" i="0" u="none" strike="noStrike" cap="none">
         <a:solidFill>
           <a:srgbClr val="000000"/>
         </a:solidFill>
@@ -508,7 +523,7 @@
         <a:sym typeface="Arial"/>
       </a:defRPr>
     </a:lvl1pPr>
-    <a:lvl2pPr lvl="1" marR="0" rtl="0" algn="l">
+    <a:lvl2pPr marR="0" lvl="1" algn="l" rtl="0">
       <a:lnSpc>
         <a:spcPct val="100000"/>
       </a:lnSpc>
@@ -522,7 +537,7 @@
         <a:srgbClr val="000000"/>
       </a:buClr>
       <a:buFont typeface="Arial"/>
-      <a:defRPr b="0" i="0" sz="1400" u="none" cap="none" strike="noStrike">
+      <a:defRPr sz="1400" b="0" i="0" u="none" strike="noStrike" cap="none">
         <a:solidFill>
           <a:srgbClr val="000000"/>
         </a:solidFill>
@@ -532,7 +547,7 @@
         <a:sym typeface="Arial"/>
       </a:defRPr>
     </a:lvl2pPr>
-    <a:lvl3pPr lvl="2" marR="0" rtl="0" algn="l">
+    <a:lvl3pPr marR="0" lvl="2" algn="l" rtl="0">
       <a:lnSpc>
         <a:spcPct val="100000"/>
       </a:lnSpc>
@@ -546,7 +561,7 @@
         <a:srgbClr val="000000"/>
       </a:buClr>
       <a:buFont typeface="Arial"/>
-      <a:defRPr b="0" i="0" sz="1400" u="none" cap="none" strike="noStrike">
+      <a:defRPr sz="1400" b="0" i="0" u="none" strike="noStrike" cap="none">
         <a:solidFill>
           <a:srgbClr val="000000"/>
         </a:solidFill>
@@ -556,7 +571,7 @@
         <a:sym typeface="Arial"/>
       </a:defRPr>
     </a:lvl3pPr>
-    <a:lvl4pPr lvl="3" marR="0" rtl="0" algn="l">
+    <a:lvl4pPr marR="0" lvl="3" algn="l" rtl="0">
       <a:lnSpc>
         <a:spcPct val="100000"/>
       </a:lnSpc>
@@ -570,7 +585,7 @@
         <a:srgbClr val="000000"/>
       </a:buClr>
       <a:buFont typeface="Arial"/>
-      <a:defRPr b="0" i="0" sz="1400" u="none" cap="none" strike="noStrike">
+      <a:defRPr sz="1400" b="0" i="0" u="none" strike="noStrike" cap="none">
         <a:solidFill>
           <a:srgbClr val="000000"/>
         </a:solidFill>
@@ -580,7 +595,7 @@
         <a:sym typeface="Arial"/>
       </a:defRPr>
     </a:lvl4pPr>
-    <a:lvl5pPr lvl="4" marR="0" rtl="0" algn="l">
+    <a:lvl5pPr marR="0" lvl="4" algn="l" rtl="0">
       <a:lnSpc>
         <a:spcPct val="100000"/>
       </a:lnSpc>
@@ -594,7 +609,7 @@
         <a:srgbClr val="000000"/>
       </a:buClr>
       <a:buFont typeface="Arial"/>
-      <a:defRPr b="0" i="0" sz="1400" u="none" cap="none" strike="noStrike">
+      <a:defRPr sz="1400" b="0" i="0" u="none" strike="noStrike" cap="none">
         <a:solidFill>
           <a:srgbClr val="000000"/>
         </a:solidFill>
@@ -604,7 +619,7 @@
         <a:sym typeface="Arial"/>
       </a:defRPr>
     </a:lvl5pPr>
-    <a:lvl6pPr lvl="5" marR="0" rtl="0" algn="l">
+    <a:lvl6pPr marR="0" lvl="5" algn="l" rtl="0">
       <a:lnSpc>
         <a:spcPct val="100000"/>
       </a:lnSpc>
@@ -618,7 +633,7 @@
         <a:srgbClr val="000000"/>
       </a:buClr>
       <a:buFont typeface="Arial"/>
-      <a:defRPr b="0" i="0" sz="1400" u="none" cap="none" strike="noStrike">
+      <a:defRPr sz="1400" b="0" i="0" u="none" strike="noStrike" cap="none">
         <a:solidFill>
           <a:srgbClr val="000000"/>
         </a:solidFill>
@@ -628,7 +643,7 @@
         <a:sym typeface="Arial"/>
       </a:defRPr>
     </a:lvl6pPr>
-    <a:lvl7pPr lvl="6" marR="0" rtl="0" algn="l">
+    <a:lvl7pPr marR="0" lvl="6" algn="l" rtl="0">
       <a:lnSpc>
         <a:spcPct val="100000"/>
       </a:lnSpc>
@@ -642,7 +657,7 @@
         <a:srgbClr val="000000"/>
       </a:buClr>
       <a:buFont typeface="Arial"/>
-      <a:defRPr b="0" i="0" sz="1400" u="none" cap="none" strike="noStrike">
+      <a:defRPr sz="1400" b="0" i="0" u="none" strike="noStrike" cap="none">
         <a:solidFill>
           <a:srgbClr val="000000"/>
         </a:solidFill>
@@ -652,7 +667,7 @@
         <a:sym typeface="Arial"/>
       </a:defRPr>
     </a:lvl7pPr>
-    <a:lvl8pPr lvl="7" marR="0" rtl="0" algn="l">
+    <a:lvl8pPr marR="0" lvl="7" algn="l" rtl="0">
       <a:lnSpc>
         <a:spcPct val="100000"/>
       </a:lnSpc>
@@ -666,7 +681,7 @@
         <a:srgbClr val="000000"/>
       </a:buClr>
       <a:buFont typeface="Arial"/>
-      <a:defRPr b="0" i="0" sz="1400" u="none" cap="none" strike="noStrike">
+      <a:defRPr sz="1400" b="0" i="0" u="none" strike="noStrike" cap="none">
         <a:solidFill>
           <a:srgbClr val="000000"/>
         </a:solidFill>
@@ -676,7 +691,7 @@
         <a:sym typeface="Arial"/>
       </a:defRPr>
     </a:lvl8pPr>
-    <a:lvl9pPr lvl="8" marR="0" rtl="0" algn="l">
+    <a:lvl9pPr marR="0" lvl="8" algn="l" rtl="0">
       <a:lnSpc>
         <a:spcPct val="100000"/>
       </a:lnSpc>
@@ -690,7 +705,7 @@
         <a:srgbClr val="000000"/>
       </a:buClr>
       <a:buFont typeface="Arial"/>
-      <a:defRPr b="0" i="0" sz="1400" u="none" cap="none" strike="noStrike">
+      <a:defRPr sz="1400" b="0" i="0" u="none" strike="noStrike" cap="none">
         <a:solidFill>
           <a:srgbClr val="000000"/>
         </a:solidFill>
@@ -705,11 +720,11 @@
 </file>
 
 <file path=ppt/notesSlides/notesSlide1.xml><?xml version="1.0" encoding="utf-8"?>
-<p:notes xmlns:a="http://schemas.openxmlformats.org/drawingml/2006/main" xmlns:r="http://schemas.openxmlformats.org/officeDocument/2006/relationships" xmlns:mc="http://schemas.openxmlformats.org/markup-compatibility/2006" xmlns:mv="urn:schemas-microsoft-com:mac:vml" xmlns:p="http://schemas.openxmlformats.org/presentationml/2006/main" xmlns:c="http://schemas.openxmlformats.org/drawingml/2006/chart" xmlns:dgm="http://schemas.openxmlformats.org/drawingml/2006/diagram" xmlns:o="urn:schemas-microsoft-com:office:office" xmlns:v="urn:schemas-microsoft-com:vml" xmlns:pvml="urn:schemas-microsoft-com:office:powerpoint" xmlns:com="http://schemas.openxmlformats.org/drawingml/2006/compatibility" xmlns:p14="http://schemas.microsoft.com/office/powerpoint/2010/main" xmlns:p15="http://schemas.microsoft.com/office/powerpoint/2012/main" xmlns:ahyp="http://schemas.microsoft.com/office/drawing/2018/hyperlinkcolor" showMasterPhAnim="0" showMasterSp="0">
+<p:notes xmlns:a="http://schemas.openxmlformats.org/drawingml/2006/main" xmlns:r="http://schemas.openxmlformats.org/officeDocument/2006/relationships" xmlns:p="http://schemas.openxmlformats.org/presentationml/2006/main" showMasterSp="0" showMasterPhAnim="0">
   <p:cSld>
     <p:spTree>
       <p:nvGrpSpPr>
-        <p:cNvPr id="59" name="Shape 59"/>
+        <p:cNvPr id="1" name="Shape 59"/>
         <p:cNvGrpSpPr/>
         <p:nvPr/>
       </p:nvGrpSpPr>
@@ -724,9 +739,11 @@
       <p:sp>
         <p:nvSpPr>
           <p:cNvPr id="60" name="Google Shape;60;p:notes"/>
-          <p:cNvSpPr/>
+          <p:cNvSpPr>
+            <a:spLocks noGrp="1" noRot="1" noChangeAspect="1"/>
+          </p:cNvSpPr>
           <p:nvPr>
-            <p:ph idx="2" type="sldImg"/>
+            <p:ph type="sldImg" idx="2"/>
           </p:nvPr>
         </p:nvSpPr>
         <p:spPr>
@@ -735,9 +752,13 @@
             <a:ext cx="6096075" cy="3429000"/>
           </a:xfrm>
           <a:custGeom>
-            <a:rect b="b" l="l" r="r" t="t"/>
+            <a:avLst/>
+            <a:gdLst/>
+            <a:ahLst/>
+            <a:cxnLst/>
+            <a:rect l="l" t="t" r="r" b="b"/>
             <a:pathLst>
-              <a:path extrusionOk="0" h="120000" w="120000">
+              <a:path w="120000" h="120000" extrusionOk="0">
                 <a:moveTo>
                   <a:pt x="0" y="0"/>
                 </a:moveTo>
@@ -759,9 +780,11 @@
       <p:sp>
         <p:nvSpPr>
           <p:cNvPr id="61" name="Google Shape;61;p:notes"/>
-          <p:cNvSpPr txBox="1"/>
+          <p:cNvSpPr txBox="1">
+            <a:spLocks noGrp="1"/>
+          </p:cNvSpPr>
           <p:nvPr>
-            <p:ph idx="1" type="body"/>
+            <p:ph type="body" idx="1"/>
           </p:nvPr>
         </p:nvSpPr>
         <p:spPr>
@@ -774,12 +797,12 @@
           </a:prstGeom>
         </p:spPr>
         <p:txBody>
-          <a:bodyPr anchorCtr="0" anchor="t" bIns="91425" lIns="91425" spcFirstLastPara="1" rIns="91425" wrap="square" tIns="91425">
+          <a:bodyPr spcFirstLastPara="1" wrap="square" lIns="91425" tIns="91425" rIns="91425" bIns="91425" anchor="t" anchorCtr="0">
             <a:noAutofit/>
           </a:bodyPr>
           <a:lstStyle/>
           <a:p>
-            <a:pPr indent="0" lvl="0" marL="0" rtl="0" algn="l">
+            <a:pPr marL="0" lvl="0" indent="0" algn="l" rtl="0">
               <a:spcBef>
                 <a:spcPts val="0"/>
               </a:spcBef>
@@ -788,9 +811,6 @@
               </a:spcAft>
               <a:buNone/>
             </a:pPr>
-            <a:r>
-              <a:t/>
-            </a:r>
             <a:endParaRPr/>
           </a:p>
         </p:txBody>
@@ -804,11 +824,11 @@
 </file>
 
 <file path=ppt/notesSlides/notesSlide2.xml><?xml version="1.0" encoding="utf-8"?>
-<p:notes xmlns:a="http://schemas.openxmlformats.org/drawingml/2006/main" xmlns:r="http://schemas.openxmlformats.org/officeDocument/2006/relationships" xmlns:mc="http://schemas.openxmlformats.org/markup-compatibility/2006" xmlns:mv="urn:schemas-microsoft-com:mac:vml" xmlns:p="http://schemas.openxmlformats.org/presentationml/2006/main" xmlns:c="http://schemas.openxmlformats.org/drawingml/2006/chart" xmlns:dgm="http://schemas.openxmlformats.org/drawingml/2006/diagram" xmlns:o="urn:schemas-microsoft-com:office:office" xmlns:v="urn:schemas-microsoft-com:vml" xmlns:pvml="urn:schemas-microsoft-com:office:powerpoint" xmlns:com="http://schemas.openxmlformats.org/drawingml/2006/compatibility" xmlns:p14="http://schemas.microsoft.com/office/powerpoint/2010/main" xmlns:p15="http://schemas.microsoft.com/office/powerpoint/2012/main" xmlns:ahyp="http://schemas.microsoft.com/office/drawing/2018/hyperlinkcolor" showMasterPhAnim="0" showMasterSp="0">
+<p:notes xmlns:a="http://schemas.openxmlformats.org/drawingml/2006/main" xmlns:r="http://schemas.openxmlformats.org/officeDocument/2006/relationships" xmlns:p="http://schemas.openxmlformats.org/presentationml/2006/main" showMasterSp="0" showMasterPhAnim="0">
   <p:cSld>
     <p:spTree>
       <p:nvGrpSpPr>
-        <p:cNvPr id="65" name="Shape 65"/>
+        <p:cNvPr id="1" name="Shape 65"/>
         <p:cNvGrpSpPr/>
         <p:nvPr/>
       </p:nvGrpSpPr>
@@ -823,9 +843,11 @@
       <p:sp>
         <p:nvSpPr>
           <p:cNvPr id="66" name="Google Shape;66;ge3e6252569_1_54:notes"/>
-          <p:cNvSpPr/>
+          <p:cNvSpPr>
+            <a:spLocks noGrp="1" noRot="1" noChangeAspect="1"/>
+          </p:cNvSpPr>
           <p:nvPr>
-            <p:ph idx="2" type="sldImg"/>
+            <p:ph type="sldImg" idx="2"/>
           </p:nvPr>
         </p:nvSpPr>
         <p:spPr>
@@ -834,9 +856,13 @@
             <a:ext cx="6096000" cy="3429000"/>
           </a:xfrm>
           <a:custGeom>
-            <a:rect b="b" l="l" r="r" t="t"/>
+            <a:avLst/>
+            <a:gdLst/>
+            <a:ahLst/>
+            <a:cxnLst/>
+            <a:rect l="l" t="t" r="r" b="b"/>
             <a:pathLst>
-              <a:path extrusionOk="0" h="120000" w="120000">
+              <a:path w="120000" h="120000" extrusionOk="0">
                 <a:moveTo>
                   <a:pt x="0" y="0"/>
                 </a:moveTo>
@@ -858,9 +884,11 @@
       <p:sp>
         <p:nvSpPr>
           <p:cNvPr id="67" name="Google Shape;67;ge3e6252569_1_54:notes"/>
-          <p:cNvSpPr txBox="1"/>
+          <p:cNvSpPr txBox="1">
+            <a:spLocks noGrp="1"/>
+          </p:cNvSpPr>
           <p:nvPr>
-            <p:ph idx="1" type="body"/>
+            <p:ph type="body" idx="1"/>
           </p:nvPr>
         </p:nvSpPr>
         <p:spPr>
@@ -873,12 +901,12 @@
           </a:prstGeom>
         </p:spPr>
         <p:txBody>
-          <a:bodyPr anchorCtr="0" anchor="t" bIns="91425" lIns="91425" spcFirstLastPara="1" rIns="91425" wrap="square" tIns="91425">
+          <a:bodyPr spcFirstLastPara="1" wrap="square" lIns="91425" tIns="91425" rIns="91425" bIns="91425" anchor="t" anchorCtr="0">
             <a:noAutofit/>
           </a:bodyPr>
           <a:lstStyle/>
           <a:p>
-            <a:pPr indent="0" lvl="0" marL="0" rtl="0" algn="l">
+            <a:pPr marL="0" lvl="0" indent="0" algn="l" rtl="0">
               <a:spcBef>
                 <a:spcPts val="0"/>
               </a:spcBef>
@@ -887,9 +915,6 @@
               </a:spcAft>
               <a:buNone/>
             </a:pPr>
-            <a:r>
-              <a:t/>
-            </a:r>
             <a:endParaRPr/>
           </a:p>
         </p:txBody>
@@ -903,11 +928,11 @@
 </file>
 
 <file path=ppt/notesSlides/notesSlide3.xml><?xml version="1.0" encoding="utf-8"?>
-<p:notes xmlns:a="http://schemas.openxmlformats.org/drawingml/2006/main" xmlns:r="http://schemas.openxmlformats.org/officeDocument/2006/relationships" xmlns:mc="http://schemas.openxmlformats.org/markup-compatibility/2006" xmlns:mv="urn:schemas-microsoft-com:mac:vml" xmlns:p="http://schemas.openxmlformats.org/presentationml/2006/main" xmlns:c="http://schemas.openxmlformats.org/drawingml/2006/chart" xmlns:dgm="http://schemas.openxmlformats.org/drawingml/2006/diagram" xmlns:o="urn:schemas-microsoft-com:office:office" xmlns:v="urn:schemas-microsoft-com:vml" xmlns:pvml="urn:schemas-microsoft-com:office:powerpoint" xmlns:com="http://schemas.openxmlformats.org/drawingml/2006/compatibility" xmlns:p14="http://schemas.microsoft.com/office/powerpoint/2010/main" xmlns:p15="http://schemas.microsoft.com/office/powerpoint/2012/main" xmlns:ahyp="http://schemas.microsoft.com/office/drawing/2018/hyperlinkcolor" showMasterPhAnim="0" showMasterSp="0">
+<p:notes xmlns:a="http://schemas.openxmlformats.org/drawingml/2006/main" xmlns:r="http://schemas.openxmlformats.org/officeDocument/2006/relationships" xmlns:p="http://schemas.openxmlformats.org/presentationml/2006/main" showMasterSp="0" showMasterPhAnim="0">
   <p:cSld>
     <p:spTree>
       <p:nvGrpSpPr>
-        <p:cNvPr id="71" name="Shape 71"/>
+        <p:cNvPr id="1" name="Shape 71"/>
         <p:cNvGrpSpPr/>
         <p:nvPr/>
       </p:nvGrpSpPr>
@@ -922,9 +947,11 @@
       <p:sp>
         <p:nvSpPr>
           <p:cNvPr id="72" name="Google Shape;72;ge3e6252569_1_62:notes"/>
-          <p:cNvSpPr/>
+          <p:cNvSpPr>
+            <a:spLocks noGrp="1" noRot="1" noChangeAspect="1"/>
+          </p:cNvSpPr>
           <p:nvPr>
-            <p:ph idx="2" type="sldImg"/>
+            <p:ph type="sldImg" idx="2"/>
           </p:nvPr>
         </p:nvSpPr>
         <p:spPr>
@@ -933,9 +960,13 @@
             <a:ext cx="6096000" cy="3429000"/>
           </a:xfrm>
           <a:custGeom>
-            <a:rect b="b" l="l" r="r" t="t"/>
+            <a:avLst/>
+            <a:gdLst/>
+            <a:ahLst/>
+            <a:cxnLst/>
+            <a:rect l="l" t="t" r="r" b="b"/>
             <a:pathLst>
-              <a:path extrusionOk="0" h="120000" w="120000">
+              <a:path w="120000" h="120000" extrusionOk="0">
                 <a:moveTo>
                   <a:pt x="0" y="0"/>
                 </a:moveTo>
@@ -957,9 +988,11 @@
       <p:sp>
         <p:nvSpPr>
           <p:cNvPr id="73" name="Google Shape;73;ge3e6252569_1_62:notes"/>
-          <p:cNvSpPr txBox="1"/>
+          <p:cNvSpPr txBox="1">
+            <a:spLocks noGrp="1"/>
+          </p:cNvSpPr>
           <p:nvPr>
-            <p:ph idx="1" type="body"/>
+            <p:ph type="body" idx="1"/>
           </p:nvPr>
         </p:nvSpPr>
         <p:spPr>
@@ -972,12 +1005,12 @@
           </a:prstGeom>
         </p:spPr>
         <p:txBody>
-          <a:bodyPr anchorCtr="0" anchor="t" bIns="91425" lIns="91425" spcFirstLastPara="1" rIns="91425" wrap="square" tIns="91425">
+          <a:bodyPr spcFirstLastPara="1" wrap="square" lIns="91425" tIns="91425" rIns="91425" bIns="91425" anchor="t" anchorCtr="0">
             <a:noAutofit/>
           </a:bodyPr>
           <a:lstStyle/>
           <a:p>
-            <a:pPr indent="0" lvl="0" marL="0" rtl="0" algn="l">
+            <a:pPr marL="0" lvl="0" indent="0" algn="l" rtl="0">
               <a:spcBef>
                 <a:spcPts val="0"/>
               </a:spcBef>
@@ -986,9 +1019,6 @@
               </a:spcAft>
               <a:buNone/>
             </a:pPr>
-            <a:r>
-              <a:t/>
-            </a:r>
             <a:endParaRPr/>
           </a:p>
         </p:txBody>
@@ -1002,11 +1032,11 @@
 </file>
 
 <file path=ppt/notesSlides/notesSlide4.xml><?xml version="1.0" encoding="utf-8"?>
-<p:notes xmlns:a="http://schemas.openxmlformats.org/drawingml/2006/main" xmlns:r="http://schemas.openxmlformats.org/officeDocument/2006/relationships" xmlns:mc="http://schemas.openxmlformats.org/markup-compatibility/2006" xmlns:mv="urn:schemas-microsoft-com:mac:vml" xmlns:p="http://schemas.openxmlformats.org/presentationml/2006/main" xmlns:c="http://schemas.openxmlformats.org/drawingml/2006/chart" xmlns:dgm="http://schemas.openxmlformats.org/drawingml/2006/diagram" xmlns:o="urn:schemas-microsoft-com:office:office" xmlns:v="urn:schemas-microsoft-com:vml" xmlns:pvml="urn:schemas-microsoft-com:office:powerpoint" xmlns:com="http://schemas.openxmlformats.org/drawingml/2006/compatibility" xmlns:p14="http://schemas.microsoft.com/office/powerpoint/2010/main" xmlns:p15="http://schemas.microsoft.com/office/powerpoint/2012/main" xmlns:ahyp="http://schemas.microsoft.com/office/drawing/2018/hyperlinkcolor" showMasterPhAnim="0" showMasterSp="0">
+<p:notes xmlns:a="http://schemas.openxmlformats.org/drawingml/2006/main" xmlns:r="http://schemas.openxmlformats.org/officeDocument/2006/relationships" xmlns:p="http://schemas.openxmlformats.org/presentationml/2006/main" showMasterSp="0" showMasterPhAnim="0">
   <p:cSld>
     <p:spTree>
       <p:nvGrpSpPr>
-        <p:cNvPr id="77" name="Shape 77"/>
+        <p:cNvPr id="1" name="Shape 77"/>
         <p:cNvGrpSpPr/>
         <p:nvPr/>
       </p:nvGrpSpPr>
@@ -1021,20 +1051,26 @@
       <p:sp>
         <p:nvSpPr>
           <p:cNvPr id="78" name="Google Shape;78;ge3e6252569_1_73:notes"/>
-          <p:cNvSpPr/>
+          <p:cNvSpPr>
+            <a:spLocks noGrp="1" noRot="1" noChangeAspect="1"/>
+          </p:cNvSpPr>
           <p:nvPr>
-            <p:ph idx="2" type="sldImg"/>
+            <p:ph type="sldImg" idx="2"/>
           </p:nvPr>
         </p:nvSpPr>
         <p:spPr>
           <a:xfrm>
-            <a:off x="381300" y="685800"/>
+            <a:off x="381000" y="685800"/>
             <a:ext cx="6096000" cy="3429000"/>
           </a:xfrm>
           <a:custGeom>
-            <a:rect b="b" l="l" r="r" t="t"/>
+            <a:avLst/>
+            <a:gdLst/>
+            <a:ahLst/>
+            <a:cxnLst/>
+            <a:rect l="l" t="t" r="r" b="b"/>
             <a:pathLst>
-              <a:path extrusionOk="0" h="120000" w="120000">
+              <a:path w="120000" h="120000" extrusionOk="0">
                 <a:moveTo>
                   <a:pt x="0" y="0"/>
                 </a:moveTo>
@@ -1056,9 +1092,11 @@
       <p:sp>
         <p:nvSpPr>
           <p:cNvPr id="79" name="Google Shape;79;ge3e6252569_1_73:notes"/>
-          <p:cNvSpPr txBox="1"/>
+          <p:cNvSpPr txBox="1">
+            <a:spLocks noGrp="1"/>
+          </p:cNvSpPr>
           <p:nvPr>
-            <p:ph idx="1" type="body"/>
+            <p:ph type="body" idx="1"/>
           </p:nvPr>
         </p:nvSpPr>
         <p:spPr>
@@ -1071,12 +1109,12 @@
           </a:prstGeom>
         </p:spPr>
         <p:txBody>
-          <a:bodyPr anchorCtr="0" anchor="t" bIns="91425" lIns="91425" spcFirstLastPara="1" rIns="91425" wrap="square" tIns="91425">
+          <a:bodyPr spcFirstLastPara="1" wrap="square" lIns="91425" tIns="91425" rIns="91425" bIns="91425" anchor="t" anchorCtr="0">
             <a:noAutofit/>
           </a:bodyPr>
           <a:lstStyle/>
           <a:p>
-            <a:pPr indent="0" lvl="0" marL="0" rtl="0" algn="l">
+            <a:pPr marL="0" lvl="0" indent="0" algn="l" rtl="0">
               <a:spcBef>
                 <a:spcPts val="0"/>
               </a:spcBef>
@@ -1085,9 +1123,6 @@
               </a:spcAft>
               <a:buNone/>
             </a:pPr>
-            <a:r>
-              <a:t/>
-            </a:r>
             <a:endParaRPr/>
           </a:p>
         </p:txBody>
@@ -1101,11 +1136,11 @@
 </file>
 
 <file path=ppt/notesSlides/notesSlide5.xml><?xml version="1.0" encoding="utf-8"?>
-<p:notes xmlns:a="http://schemas.openxmlformats.org/drawingml/2006/main" xmlns:r="http://schemas.openxmlformats.org/officeDocument/2006/relationships" xmlns:mc="http://schemas.openxmlformats.org/markup-compatibility/2006" xmlns:mv="urn:schemas-microsoft-com:mac:vml" xmlns:p="http://schemas.openxmlformats.org/presentationml/2006/main" xmlns:c="http://schemas.openxmlformats.org/drawingml/2006/chart" xmlns:dgm="http://schemas.openxmlformats.org/drawingml/2006/diagram" xmlns:o="urn:schemas-microsoft-com:office:office" xmlns:v="urn:schemas-microsoft-com:vml" xmlns:pvml="urn:schemas-microsoft-com:office:powerpoint" xmlns:com="http://schemas.openxmlformats.org/drawingml/2006/compatibility" xmlns:p14="http://schemas.microsoft.com/office/powerpoint/2010/main" xmlns:p15="http://schemas.microsoft.com/office/powerpoint/2012/main" xmlns:ahyp="http://schemas.microsoft.com/office/drawing/2018/hyperlinkcolor" showMasterPhAnim="0" showMasterSp="0">
+<p:notes xmlns:a="http://schemas.openxmlformats.org/drawingml/2006/main" xmlns:r="http://schemas.openxmlformats.org/officeDocument/2006/relationships" xmlns:p="http://schemas.openxmlformats.org/presentationml/2006/main" showMasterSp="0" showMasterPhAnim="0">
   <p:cSld>
     <p:spTree>
       <p:nvGrpSpPr>
-        <p:cNvPr id="83" name="Shape 83"/>
+        <p:cNvPr id="1" name="Shape 83"/>
         <p:cNvGrpSpPr/>
         <p:nvPr/>
       </p:nvGrpSpPr>
@@ -1120,9 +1155,11 @@
       <p:sp>
         <p:nvSpPr>
           <p:cNvPr id="84" name="Google Shape;84;ge3e6252569_1_79:notes"/>
-          <p:cNvSpPr/>
+          <p:cNvSpPr>
+            <a:spLocks noGrp="1" noRot="1" noChangeAspect="1"/>
+          </p:cNvSpPr>
           <p:nvPr>
-            <p:ph idx="2" type="sldImg"/>
+            <p:ph type="sldImg" idx="2"/>
           </p:nvPr>
         </p:nvSpPr>
         <p:spPr>
@@ -1131,9 +1168,13 @@
             <a:ext cx="6096000" cy="3429000"/>
           </a:xfrm>
           <a:custGeom>
-            <a:rect b="b" l="l" r="r" t="t"/>
+            <a:avLst/>
+            <a:gdLst/>
+            <a:ahLst/>
+            <a:cxnLst/>
+            <a:rect l="l" t="t" r="r" b="b"/>
             <a:pathLst>
-              <a:path extrusionOk="0" h="120000" w="120000">
+              <a:path w="120000" h="120000" extrusionOk="0">
                 <a:moveTo>
                   <a:pt x="0" y="0"/>
                 </a:moveTo>
@@ -1155,9 +1196,11 @@
       <p:sp>
         <p:nvSpPr>
           <p:cNvPr id="85" name="Google Shape;85;ge3e6252569_1_79:notes"/>
-          <p:cNvSpPr txBox="1"/>
+          <p:cNvSpPr txBox="1">
+            <a:spLocks noGrp="1"/>
+          </p:cNvSpPr>
           <p:nvPr>
-            <p:ph idx="1" type="body"/>
+            <p:ph type="body" idx="1"/>
           </p:nvPr>
         </p:nvSpPr>
         <p:spPr>
@@ -1170,12 +1213,12 @@
           </a:prstGeom>
         </p:spPr>
         <p:txBody>
-          <a:bodyPr anchorCtr="0" anchor="t" bIns="91425" lIns="91425" spcFirstLastPara="1" rIns="91425" wrap="square" tIns="91425">
+          <a:bodyPr spcFirstLastPara="1" wrap="square" lIns="91425" tIns="91425" rIns="91425" bIns="91425" anchor="t" anchorCtr="0">
             <a:noAutofit/>
           </a:bodyPr>
           <a:lstStyle/>
           <a:p>
-            <a:pPr indent="0" lvl="0" marL="0" rtl="0" algn="l">
+            <a:pPr marL="0" lvl="0" indent="0" algn="l" rtl="0">
               <a:spcBef>
                 <a:spcPts val="0"/>
               </a:spcBef>
@@ -1184,9 +1227,6 @@
               </a:spcAft>
               <a:buNone/>
             </a:pPr>
-            <a:r>
-              <a:t/>
-            </a:r>
             <a:endParaRPr/>
           </a:p>
         </p:txBody>
@@ -1200,11 +1240,11 @@
 </file>
 
 <file path=ppt/slideLayouts/slideLayout1.xml><?xml version="1.0" encoding="utf-8"?>
-<p:sldLayout xmlns:a="http://schemas.openxmlformats.org/drawingml/2006/main" xmlns:r="http://schemas.openxmlformats.org/officeDocument/2006/relationships" xmlns:mc="http://schemas.openxmlformats.org/markup-compatibility/2006" xmlns:mv="urn:schemas-microsoft-com:mac:vml" xmlns:p="http://schemas.openxmlformats.org/presentationml/2006/main" xmlns:c="http://schemas.openxmlformats.org/drawingml/2006/chart" xmlns:dgm="http://schemas.openxmlformats.org/drawingml/2006/diagram" xmlns:o="urn:schemas-microsoft-com:office:office" xmlns:v="urn:schemas-microsoft-com:vml" xmlns:pvml="urn:schemas-microsoft-com:office:powerpoint" xmlns:com="http://schemas.openxmlformats.org/drawingml/2006/compatibility" xmlns:p14="http://schemas.microsoft.com/office/powerpoint/2010/main" xmlns:p15="http://schemas.microsoft.com/office/powerpoint/2012/main" xmlns:ahyp="http://schemas.microsoft.com/office/drawing/2018/hyperlinkcolor" matchingName="Title slide" type="title">
+<p:sldLayout xmlns:a="http://schemas.openxmlformats.org/drawingml/2006/main" xmlns:r="http://schemas.openxmlformats.org/officeDocument/2006/relationships" xmlns:p="http://schemas.openxmlformats.org/presentationml/2006/main" matchingName="Title slide" type="title">
   <p:cSld name="TITLE">
     <p:spTree>
       <p:nvGrpSpPr>
-        <p:cNvPr id="9" name="Shape 9"/>
+        <p:cNvPr id="1" name="Shape 9"/>
         <p:cNvGrpSpPr/>
         <p:nvPr/>
       </p:nvGrpSpPr>
@@ -1228,9 +1268,13 @@
             <a:ext cx="1081625" cy="1124950"/>
           </a:xfrm>
           <a:custGeom>
-            <a:rect b="b" l="l" r="r" t="t"/>
+            <a:avLst/>
+            <a:gdLst/>
+            <a:ahLst/>
+            <a:cxnLst/>
+            <a:rect l="l" t="t" r="r" b="b"/>
             <a:pathLst>
-              <a:path extrusionOk="0" h="44998" w="43265">
+              <a:path w="43265" h="44998" extrusionOk="0">
                 <a:moveTo>
                   <a:pt x="0" y="44998"/>
                 </a:moveTo>
@@ -1244,14 +1288,14 @@
             </a:pathLst>
           </a:custGeom>
           <a:noFill/>
-          <a:ln cap="flat" cmpd="sng" w="28575">
+          <a:ln w="28575" cap="flat" cmpd="sng">
             <a:solidFill>
               <a:schemeClr val="accent5"/>
             </a:solidFill>
             <a:prstDash val="solid"/>
             <a:miter lim="8000"/>
-            <a:headEnd len="sm" w="sm" type="none"/>
-            <a:tailEnd len="sm" w="sm" type="none"/>
+            <a:headEnd type="none" w="sm" len="sm"/>
+            <a:tailEnd type="none" w="sm" len="sm"/>
           </a:ln>
         </p:spPr>
       </p:sp>
@@ -1267,9 +1311,13 @@
             <a:ext cx="1081625" cy="1124950"/>
           </a:xfrm>
           <a:custGeom>
-            <a:rect b="b" l="l" r="r" t="t"/>
+            <a:avLst/>
+            <a:gdLst/>
+            <a:ahLst/>
+            <a:cxnLst/>
+            <a:rect l="l" t="t" r="r" b="b"/>
             <a:pathLst>
-              <a:path extrusionOk="0" h="44998" w="43265">
+              <a:path w="43265" h="44998" extrusionOk="0">
                 <a:moveTo>
                   <a:pt x="0" y="44998"/>
                 </a:moveTo>
@@ -1283,14 +1331,14 @@
             </a:pathLst>
           </a:custGeom>
           <a:noFill/>
-          <a:ln cap="flat" cmpd="sng" w="28575">
+          <a:ln w="28575" cap="flat" cmpd="sng">
             <a:solidFill>
               <a:schemeClr val="accent5"/>
             </a:solidFill>
             <a:prstDash val="solid"/>
             <a:miter lim="8000"/>
-            <a:headEnd len="sm" w="sm" type="none"/>
-            <a:tailEnd len="sm" w="sm" type="none"/>
+            <a:headEnd type="none" w="sm" len="sm"/>
+            <a:tailEnd type="none" w="sm" len="sm"/>
           </a:ln>
         </p:spPr>
       </p:sp>
@@ -1309,21 +1357,23 @@
             <a:avLst/>
           </a:prstGeom>
           <a:noFill/>
-          <a:ln cap="flat" cmpd="sng" w="38100">
+          <a:ln w="38100" cap="flat" cmpd="sng">
             <a:solidFill>
               <a:schemeClr val="accent4"/>
             </a:solidFill>
             <a:prstDash val="solid"/>
             <a:round/>
-            <a:headEnd len="sm" w="sm" type="none"/>
-            <a:tailEnd len="sm" w="sm" type="none"/>
+            <a:headEnd type="none" w="sm" len="sm"/>
+            <a:tailEnd type="none" w="sm" len="sm"/>
           </a:ln>
         </p:spPr>
       </p:cxnSp>
       <p:sp>
         <p:nvSpPr>
           <p:cNvPr id="13" name="Google Shape;13;p2"/>
-          <p:cNvSpPr txBox="1"/>
+          <p:cNvSpPr txBox="1">
+            <a:spLocks noGrp="1"/>
+          </p:cNvSpPr>
           <p:nvPr>
             <p:ph type="ctrTitle"/>
           </p:nvPr>
@@ -1338,7 +1388,7 @@
           </a:prstGeom>
         </p:spPr>
         <p:txBody>
-          <a:bodyPr anchorCtr="0" anchor="b" bIns="91425" lIns="91425" spcFirstLastPara="1" rIns="91425" wrap="square" tIns="91425">
+          <a:bodyPr spcFirstLastPara="1" wrap="square" lIns="91425" tIns="91425" rIns="91425" bIns="91425" anchor="b" anchorCtr="0">
             <a:normAutofit/>
           </a:bodyPr>
           <a:lstStyle>
@@ -1442,15 +1492,19 @@
               <a:defRPr sz="4000"/>
             </a:lvl9pPr>
           </a:lstStyle>
-          <a:p/>
+          <a:p>
+            <a:endParaRPr/>
+          </a:p>
         </p:txBody>
       </p:sp>
       <p:sp>
         <p:nvSpPr>
           <p:cNvPr id="14" name="Google Shape;14;p2"/>
-          <p:cNvSpPr txBox="1"/>
+          <p:cNvSpPr txBox="1">
+            <a:spLocks noGrp="1"/>
+          </p:cNvSpPr>
           <p:nvPr>
-            <p:ph idx="1" type="subTitle"/>
+            <p:ph type="subTitle" idx="1"/>
           </p:nvPr>
         </p:nvSpPr>
         <p:spPr>
@@ -1463,7 +1517,7 @@
           </a:prstGeom>
         </p:spPr>
         <p:txBody>
-          <a:bodyPr anchorCtr="0" anchor="t" bIns="91425" lIns="91425" spcFirstLastPara="1" rIns="91425" wrap="square" tIns="91425">
+          <a:bodyPr spcFirstLastPara="1" wrap="square" lIns="91425" tIns="91425" rIns="91425" bIns="91425" anchor="t" anchorCtr="0">
             <a:normAutofit/>
           </a:bodyPr>
           <a:lstStyle>
@@ -1702,15 +1756,19 @@
               </a:defRPr>
             </a:lvl9pPr>
           </a:lstStyle>
-          <a:p/>
+          <a:p>
+            <a:endParaRPr/>
+          </a:p>
         </p:txBody>
       </p:sp>
       <p:sp>
         <p:nvSpPr>
           <p:cNvPr id="15" name="Google Shape;15;p2"/>
-          <p:cNvSpPr txBox="1"/>
+          <p:cNvSpPr txBox="1">
+            <a:spLocks noGrp="1"/>
+          </p:cNvSpPr>
           <p:nvPr>
-            <p:ph idx="12" type="sldNum"/>
+            <p:ph type="sldNum" idx="12"/>
           </p:nvPr>
         </p:nvSpPr>
         <p:spPr>
@@ -1723,7 +1781,7 @@
           </a:prstGeom>
         </p:spPr>
         <p:txBody>
-          <a:bodyPr anchorCtr="0" anchor="ctr" bIns="91425" lIns="91425" spcFirstLastPara="1" rIns="91425" wrap="square" tIns="91425">
+          <a:bodyPr spcFirstLastPara="1" wrap="square" lIns="91425" tIns="91425" rIns="91425" bIns="91425" anchor="ctr" anchorCtr="0">
             <a:normAutofit/>
           </a:bodyPr>
           <a:lstStyle>
@@ -1765,7 +1823,7 @@
             </a:lvl9pPr>
           </a:lstStyle>
           <a:p>
-            <a:pPr indent="0" lvl="0" marL="0" rtl="0" algn="r">
+            <a:pPr marL="0" lvl="0" indent="0" algn="r" rtl="0">
               <a:spcBef>
                 <a:spcPts val="0"/>
               </a:spcBef>
@@ -1791,11 +1849,11 @@
 </file>
 
 <file path=ppt/slideLayouts/slideLayout10.xml><?xml version="1.0" encoding="utf-8"?>
-<p:sldLayout xmlns:a="http://schemas.openxmlformats.org/drawingml/2006/main" xmlns:r="http://schemas.openxmlformats.org/officeDocument/2006/relationships" xmlns:mc="http://schemas.openxmlformats.org/markup-compatibility/2006" xmlns:mv="urn:schemas-microsoft-com:mac:vml" xmlns:p="http://schemas.openxmlformats.org/presentationml/2006/main" xmlns:c="http://schemas.openxmlformats.org/drawingml/2006/chart" xmlns:dgm="http://schemas.openxmlformats.org/drawingml/2006/diagram" xmlns:o="urn:schemas-microsoft-com:office:office" xmlns:v="urn:schemas-microsoft-com:vml" xmlns:pvml="urn:schemas-microsoft-com:office:powerpoint" xmlns:com="http://schemas.openxmlformats.org/drawingml/2006/compatibility" xmlns:p14="http://schemas.microsoft.com/office/powerpoint/2010/main" xmlns:p15="http://schemas.microsoft.com/office/powerpoint/2012/main" xmlns:ahyp="http://schemas.microsoft.com/office/drawing/2018/hyperlinkcolor" matchingName="Big number">
+<p:sldLayout xmlns:a="http://schemas.openxmlformats.org/drawingml/2006/main" xmlns:r="http://schemas.openxmlformats.org/officeDocument/2006/relationships" xmlns:p="http://schemas.openxmlformats.org/presentationml/2006/main" matchingName="Big number">
   <p:cSld name="BIG_NUMBER">
     <p:spTree>
       <p:nvGrpSpPr>
-        <p:cNvPr id="52" name="Shape 52"/>
+        <p:cNvPr id="1" name="Shape 52"/>
         <p:cNvGrpSpPr/>
         <p:nvPr/>
       </p:nvGrpSpPr>
@@ -1829,12 +1887,12 @@
           </a:ln>
         </p:spPr>
         <p:txBody>
-          <a:bodyPr anchorCtr="0" anchor="ctr" bIns="91425" lIns="91425" spcFirstLastPara="1" rIns="91425" wrap="square" tIns="91425">
+          <a:bodyPr spcFirstLastPara="1" wrap="square" lIns="91425" tIns="91425" rIns="91425" bIns="91425" anchor="ctr" anchorCtr="0">
             <a:noAutofit/>
           </a:bodyPr>
           <a:lstStyle/>
           <a:p>
-            <a:pPr indent="0" lvl="0" marL="0" rtl="0" algn="l">
+            <a:pPr marL="0" lvl="0" indent="0" algn="l" rtl="0">
               <a:spcBef>
                 <a:spcPts val="0"/>
               </a:spcBef>
@@ -1843,9 +1901,6 @@
               </a:spcAft>
               <a:buNone/>
             </a:pPr>
-            <a:r>
-              <a:t/>
-            </a:r>
             <a:endParaRPr/>
           </a:p>
         </p:txBody>
@@ -1853,9 +1908,11 @@
       <p:sp>
         <p:nvSpPr>
           <p:cNvPr id="54" name="Google Shape;54;p11"/>
-          <p:cNvSpPr txBox="1"/>
+          <p:cNvSpPr txBox="1">
+            <a:spLocks noGrp="1"/>
+          </p:cNvSpPr>
           <p:nvPr>
-            <p:ph hasCustomPrompt="1" type="title"/>
+            <p:ph type="title" hasCustomPrompt="1"/>
           </p:nvPr>
         </p:nvSpPr>
         <p:spPr>
@@ -1868,7 +1925,7 @@
           </a:prstGeom>
         </p:spPr>
         <p:txBody>
-          <a:bodyPr anchorCtr="0" anchor="ctr" bIns="91425" lIns="91425" spcFirstLastPara="1" rIns="91425" wrap="square" tIns="91425">
+          <a:bodyPr spcFirstLastPara="1" wrap="square" lIns="91425" tIns="91425" rIns="91425" bIns="91425" anchor="ctr" anchorCtr="0">
             <a:normAutofit/>
           </a:bodyPr>
           <a:lstStyle>
@@ -2045,9 +2102,11 @@
       <p:sp>
         <p:nvSpPr>
           <p:cNvPr id="55" name="Google Shape;55;p11"/>
-          <p:cNvSpPr txBox="1"/>
+          <p:cNvSpPr txBox="1">
+            <a:spLocks noGrp="1"/>
+          </p:cNvSpPr>
           <p:nvPr>
-            <p:ph idx="1" type="body"/>
+            <p:ph type="body" idx="1"/>
           </p:nvPr>
         </p:nvSpPr>
         <p:spPr>
@@ -2060,11 +2119,11 @@
           </a:prstGeom>
         </p:spPr>
         <p:txBody>
-          <a:bodyPr anchorCtr="0" anchor="t" bIns="91425" lIns="91425" spcFirstLastPara="1" rIns="91425" wrap="square" tIns="91425">
+          <a:bodyPr spcFirstLastPara="1" wrap="square" lIns="91425" tIns="91425" rIns="91425" bIns="91425" anchor="t" anchorCtr="0">
             <a:normAutofit/>
           </a:bodyPr>
           <a:lstStyle>
-            <a:lvl1pPr indent="-342900" lvl="0" marL="457200" algn="ctr">
+            <a:lvl1pPr marL="457200" lvl="0" indent="-342900" algn="ctr">
               <a:spcBef>
                 <a:spcPts val="0"/>
               </a:spcBef>
@@ -2075,7 +2134,7 @@
               <a:buChar char="●"/>
               <a:defRPr/>
             </a:lvl1pPr>
-            <a:lvl2pPr indent="-317500" lvl="1" marL="914400" algn="ctr">
+            <a:lvl2pPr marL="914400" lvl="1" indent="-317500" algn="ctr">
               <a:spcBef>
                 <a:spcPts val="0"/>
               </a:spcBef>
@@ -2086,7 +2145,7 @@
               <a:buChar char="○"/>
               <a:defRPr/>
             </a:lvl2pPr>
-            <a:lvl3pPr indent="-317500" lvl="2" marL="1371600" algn="ctr">
+            <a:lvl3pPr marL="1371600" lvl="2" indent="-317500" algn="ctr">
               <a:spcBef>
                 <a:spcPts val="0"/>
               </a:spcBef>
@@ -2097,7 +2156,7 @@
               <a:buChar char="■"/>
               <a:defRPr/>
             </a:lvl3pPr>
-            <a:lvl4pPr indent="-317500" lvl="3" marL="1828800" algn="ctr">
+            <a:lvl4pPr marL="1828800" lvl="3" indent="-317500" algn="ctr">
               <a:spcBef>
                 <a:spcPts val="0"/>
               </a:spcBef>
@@ -2108,7 +2167,7 @@
               <a:buChar char="●"/>
               <a:defRPr/>
             </a:lvl4pPr>
-            <a:lvl5pPr indent="-317500" lvl="4" marL="2286000" algn="ctr">
+            <a:lvl5pPr marL="2286000" lvl="4" indent="-317500" algn="ctr">
               <a:spcBef>
                 <a:spcPts val="0"/>
               </a:spcBef>
@@ -2119,7 +2178,7 @@
               <a:buChar char="○"/>
               <a:defRPr/>
             </a:lvl5pPr>
-            <a:lvl6pPr indent="-317500" lvl="5" marL="2743200" algn="ctr">
+            <a:lvl6pPr marL="2743200" lvl="5" indent="-317500" algn="ctr">
               <a:spcBef>
                 <a:spcPts val="0"/>
               </a:spcBef>
@@ -2130,7 +2189,7 @@
               <a:buChar char="■"/>
               <a:defRPr/>
             </a:lvl6pPr>
-            <a:lvl7pPr indent="-317500" lvl="6" marL="3200400" algn="ctr">
+            <a:lvl7pPr marL="3200400" lvl="6" indent="-317500" algn="ctr">
               <a:spcBef>
                 <a:spcPts val="0"/>
               </a:spcBef>
@@ -2141,7 +2200,7 @@
               <a:buChar char="●"/>
               <a:defRPr/>
             </a:lvl7pPr>
-            <a:lvl8pPr indent="-317500" lvl="7" marL="3657600" algn="ctr">
+            <a:lvl8pPr marL="3657600" lvl="7" indent="-317500" algn="ctr">
               <a:spcBef>
                 <a:spcPts val="0"/>
               </a:spcBef>
@@ -2152,7 +2211,7 @@
               <a:buChar char="○"/>
               <a:defRPr/>
             </a:lvl8pPr>
-            <a:lvl9pPr indent="-317500" lvl="8" marL="4114800" algn="ctr">
+            <a:lvl9pPr marL="4114800" lvl="8" indent="-317500" algn="ctr">
               <a:spcBef>
                 <a:spcPts val="0"/>
               </a:spcBef>
@@ -2164,15 +2223,19 @@
               <a:defRPr/>
             </a:lvl9pPr>
           </a:lstStyle>
-          <a:p/>
+          <a:p>
+            <a:endParaRPr/>
+          </a:p>
         </p:txBody>
       </p:sp>
       <p:sp>
         <p:nvSpPr>
           <p:cNvPr id="56" name="Google Shape;56;p11"/>
-          <p:cNvSpPr txBox="1"/>
+          <p:cNvSpPr txBox="1">
+            <a:spLocks noGrp="1"/>
+          </p:cNvSpPr>
           <p:nvPr>
-            <p:ph idx="12" type="sldNum"/>
+            <p:ph type="sldNum" idx="12"/>
           </p:nvPr>
         </p:nvSpPr>
         <p:spPr>
@@ -2185,7 +2248,7 @@
           </a:prstGeom>
         </p:spPr>
         <p:txBody>
-          <a:bodyPr anchorCtr="0" anchor="ctr" bIns="91425" lIns="91425" spcFirstLastPara="1" rIns="91425" wrap="square" tIns="91425">
+          <a:bodyPr spcFirstLastPara="1" wrap="square" lIns="91425" tIns="91425" rIns="91425" bIns="91425" anchor="ctr" anchorCtr="0">
             <a:normAutofit/>
           </a:bodyPr>
           <a:lstStyle>
@@ -2227,7 +2290,7 @@
             </a:lvl9pPr>
           </a:lstStyle>
           <a:p>
-            <a:pPr indent="0" lvl="0" marL="0" rtl="0" algn="r">
+            <a:pPr marL="0" lvl="0" indent="0" algn="r" rtl="0">
               <a:spcBef>
                 <a:spcPts val="0"/>
               </a:spcBef>
@@ -2253,11 +2316,11 @@
 </file>
 
 <file path=ppt/slideLayouts/slideLayout11.xml><?xml version="1.0" encoding="utf-8"?>
-<p:sldLayout xmlns:a="http://schemas.openxmlformats.org/drawingml/2006/main" xmlns:r="http://schemas.openxmlformats.org/officeDocument/2006/relationships" xmlns:mc="http://schemas.openxmlformats.org/markup-compatibility/2006" xmlns:mv="urn:schemas-microsoft-com:mac:vml" xmlns:p="http://schemas.openxmlformats.org/presentationml/2006/main" xmlns:c="http://schemas.openxmlformats.org/drawingml/2006/chart" xmlns:dgm="http://schemas.openxmlformats.org/drawingml/2006/diagram" xmlns:o="urn:schemas-microsoft-com:office:office" xmlns:v="urn:schemas-microsoft-com:vml" xmlns:pvml="urn:schemas-microsoft-com:office:powerpoint" xmlns:com="http://schemas.openxmlformats.org/drawingml/2006/compatibility" xmlns:p14="http://schemas.microsoft.com/office/powerpoint/2010/main" xmlns:p15="http://schemas.microsoft.com/office/powerpoint/2012/main" xmlns:ahyp="http://schemas.microsoft.com/office/drawing/2018/hyperlinkcolor" matchingName="Blank" type="blank">
+<p:sldLayout xmlns:a="http://schemas.openxmlformats.org/drawingml/2006/main" xmlns:r="http://schemas.openxmlformats.org/officeDocument/2006/relationships" xmlns:p="http://schemas.openxmlformats.org/presentationml/2006/main" matchingName="Blank" type="blank">
   <p:cSld name="BLANK">
     <p:spTree>
       <p:nvGrpSpPr>
-        <p:cNvPr id="57" name="Shape 57"/>
+        <p:cNvPr id="1" name="Shape 57"/>
         <p:cNvGrpSpPr/>
         <p:nvPr/>
       </p:nvGrpSpPr>
@@ -2272,9 +2335,11 @@
       <p:sp>
         <p:nvSpPr>
           <p:cNvPr id="58" name="Google Shape;58;p12"/>
-          <p:cNvSpPr txBox="1"/>
+          <p:cNvSpPr txBox="1">
+            <a:spLocks noGrp="1"/>
+          </p:cNvSpPr>
           <p:nvPr>
-            <p:ph idx="12" type="sldNum"/>
+            <p:ph type="sldNum" idx="12"/>
           </p:nvPr>
         </p:nvSpPr>
         <p:spPr>
@@ -2287,7 +2352,7 @@
           </a:prstGeom>
         </p:spPr>
         <p:txBody>
-          <a:bodyPr anchorCtr="0" anchor="ctr" bIns="91425" lIns="91425" spcFirstLastPara="1" rIns="91425" wrap="square" tIns="91425">
+          <a:bodyPr spcFirstLastPara="1" wrap="square" lIns="91425" tIns="91425" rIns="91425" bIns="91425" anchor="ctr" anchorCtr="0">
             <a:normAutofit/>
           </a:bodyPr>
           <a:lstStyle>
@@ -2329,7 +2394,7 @@
             </a:lvl9pPr>
           </a:lstStyle>
           <a:p>
-            <a:pPr indent="0" lvl="0" marL="0" rtl="0" algn="r">
+            <a:pPr marL="0" lvl="0" indent="0" algn="r" rtl="0">
               <a:spcBef>
                 <a:spcPts val="0"/>
               </a:spcBef>
@@ -2355,11 +2420,11 @@
 </file>
 
 <file path=ppt/slideLayouts/slideLayout2.xml><?xml version="1.0" encoding="utf-8"?>
-<p:sldLayout xmlns:a="http://schemas.openxmlformats.org/drawingml/2006/main" xmlns:r="http://schemas.openxmlformats.org/officeDocument/2006/relationships" xmlns:mc="http://schemas.openxmlformats.org/markup-compatibility/2006" xmlns:mv="urn:schemas-microsoft-com:mac:vml" xmlns:p="http://schemas.openxmlformats.org/presentationml/2006/main" xmlns:c="http://schemas.openxmlformats.org/drawingml/2006/chart" xmlns:dgm="http://schemas.openxmlformats.org/drawingml/2006/diagram" xmlns:o="urn:schemas-microsoft-com:office:office" xmlns:v="urn:schemas-microsoft-com:vml" xmlns:pvml="urn:schemas-microsoft-com:office:powerpoint" xmlns:com="http://schemas.openxmlformats.org/drawingml/2006/compatibility" xmlns:p14="http://schemas.microsoft.com/office/powerpoint/2010/main" xmlns:p15="http://schemas.microsoft.com/office/powerpoint/2012/main" xmlns:ahyp="http://schemas.microsoft.com/office/drawing/2018/hyperlinkcolor" matchingName="Section header" type="secHead">
+<p:sldLayout xmlns:a="http://schemas.openxmlformats.org/drawingml/2006/main" xmlns:r="http://schemas.openxmlformats.org/officeDocument/2006/relationships" xmlns:p="http://schemas.openxmlformats.org/presentationml/2006/main" matchingName="Section header" type="secHead">
   <p:cSld name="SECTION_HEADER">
     <p:spTree>
       <p:nvGrpSpPr>
-        <p:cNvPr id="16" name="Shape 16"/>
+        <p:cNvPr id="1" name="Shape 16"/>
         <p:cNvGrpSpPr/>
         <p:nvPr/>
       </p:nvGrpSpPr>
@@ -2386,21 +2451,23 @@
             <a:avLst/>
           </a:prstGeom>
           <a:noFill/>
-          <a:ln cap="flat" cmpd="sng" w="38100">
+          <a:ln w="38100" cap="flat" cmpd="sng">
             <a:solidFill>
               <a:schemeClr val="accent4"/>
             </a:solidFill>
             <a:prstDash val="solid"/>
             <a:round/>
-            <a:headEnd len="sm" w="sm" type="none"/>
-            <a:tailEnd len="sm" w="sm" type="none"/>
+            <a:headEnd type="none" w="sm" len="sm"/>
+            <a:tailEnd type="none" w="sm" len="sm"/>
           </a:ln>
         </p:spPr>
       </p:cxnSp>
       <p:sp>
         <p:nvSpPr>
           <p:cNvPr id="18" name="Google Shape;18;p3"/>
-          <p:cNvSpPr txBox="1"/>
+          <p:cNvSpPr txBox="1">
+            <a:spLocks noGrp="1"/>
+          </p:cNvSpPr>
           <p:nvPr>
             <p:ph type="title"/>
           </p:nvPr>
@@ -2415,7 +2482,7 @@
           </a:prstGeom>
         </p:spPr>
         <p:txBody>
-          <a:bodyPr anchorCtr="0" anchor="b" bIns="91425" lIns="91425" spcFirstLastPara="1" rIns="91425" wrap="square" tIns="91425">
+          <a:bodyPr spcFirstLastPara="1" wrap="square" lIns="91425" tIns="91425" rIns="91425" bIns="91425" anchor="b" anchorCtr="0">
             <a:normAutofit/>
           </a:bodyPr>
           <a:lstStyle>
@@ -2519,15 +2586,19 @@
               <a:defRPr sz="4800"/>
             </a:lvl9pPr>
           </a:lstStyle>
-          <a:p/>
+          <a:p>
+            <a:endParaRPr/>
+          </a:p>
         </p:txBody>
       </p:sp>
       <p:sp>
         <p:nvSpPr>
           <p:cNvPr id="19" name="Google Shape;19;p3"/>
-          <p:cNvSpPr txBox="1"/>
+          <p:cNvSpPr txBox="1">
+            <a:spLocks noGrp="1"/>
+          </p:cNvSpPr>
           <p:nvPr>
-            <p:ph idx="12" type="sldNum"/>
+            <p:ph type="sldNum" idx="12"/>
           </p:nvPr>
         </p:nvSpPr>
         <p:spPr>
@@ -2540,7 +2611,7 @@
           </a:prstGeom>
         </p:spPr>
         <p:txBody>
-          <a:bodyPr anchorCtr="0" anchor="ctr" bIns="91425" lIns="91425" spcFirstLastPara="1" rIns="91425" wrap="square" tIns="91425">
+          <a:bodyPr spcFirstLastPara="1" wrap="square" lIns="91425" tIns="91425" rIns="91425" bIns="91425" anchor="ctr" anchorCtr="0">
             <a:normAutofit/>
           </a:bodyPr>
           <a:lstStyle>
@@ -2582,7 +2653,7 @@
             </a:lvl9pPr>
           </a:lstStyle>
           <a:p>
-            <a:pPr indent="0" lvl="0" marL="0" rtl="0" algn="r">
+            <a:pPr marL="0" lvl="0" indent="0" algn="r" rtl="0">
               <a:spcBef>
                 <a:spcPts val="0"/>
               </a:spcBef>
@@ -2608,11 +2679,11 @@
 </file>
 
 <file path=ppt/slideLayouts/slideLayout3.xml><?xml version="1.0" encoding="utf-8"?>
-<p:sldLayout xmlns:a="http://schemas.openxmlformats.org/drawingml/2006/main" xmlns:r="http://schemas.openxmlformats.org/officeDocument/2006/relationships" xmlns:mc="http://schemas.openxmlformats.org/markup-compatibility/2006" xmlns:mv="urn:schemas-microsoft-com:mac:vml" xmlns:p="http://schemas.openxmlformats.org/presentationml/2006/main" xmlns:c="http://schemas.openxmlformats.org/drawingml/2006/chart" xmlns:dgm="http://schemas.openxmlformats.org/drawingml/2006/diagram" xmlns:o="urn:schemas-microsoft-com:office:office" xmlns:v="urn:schemas-microsoft-com:vml" xmlns:pvml="urn:schemas-microsoft-com:office:powerpoint" xmlns:com="http://schemas.openxmlformats.org/drawingml/2006/compatibility" xmlns:p14="http://schemas.microsoft.com/office/powerpoint/2010/main" xmlns:p15="http://schemas.microsoft.com/office/powerpoint/2012/main" xmlns:ahyp="http://schemas.microsoft.com/office/drawing/2018/hyperlinkcolor" matchingName="Title and body" type="tx">
+<p:sldLayout xmlns:a="http://schemas.openxmlformats.org/drawingml/2006/main" xmlns:r="http://schemas.openxmlformats.org/officeDocument/2006/relationships" xmlns:p="http://schemas.openxmlformats.org/presentationml/2006/main" matchingName="Title and body" type="tx">
   <p:cSld name="TITLE_AND_BODY">
     <p:spTree>
       <p:nvGrpSpPr>
-        <p:cNvPr id="20" name="Shape 20"/>
+        <p:cNvPr id="1" name="Shape 20"/>
         <p:cNvGrpSpPr/>
         <p:nvPr/>
       </p:nvGrpSpPr>
@@ -2639,21 +2710,23 @@
             <a:avLst/>
           </a:prstGeom>
           <a:noFill/>
-          <a:ln cap="flat" cmpd="sng" w="38100">
+          <a:ln w="38100" cap="flat" cmpd="sng">
             <a:solidFill>
               <a:schemeClr val="accent4"/>
             </a:solidFill>
             <a:prstDash val="solid"/>
             <a:round/>
-            <a:headEnd len="sm" w="sm" type="none"/>
-            <a:tailEnd len="sm" w="sm" type="none"/>
+            <a:headEnd type="none" w="sm" len="sm"/>
+            <a:tailEnd type="none" w="sm" len="sm"/>
           </a:ln>
         </p:spPr>
       </p:cxnSp>
       <p:sp>
         <p:nvSpPr>
           <p:cNvPr id="22" name="Google Shape;22;p4"/>
-          <p:cNvSpPr txBox="1"/>
+          <p:cNvSpPr txBox="1">
+            <a:spLocks noGrp="1"/>
+          </p:cNvSpPr>
           <p:nvPr>
             <p:ph type="title"/>
           </p:nvPr>
@@ -2668,7 +2741,7 @@
           </a:prstGeom>
         </p:spPr>
         <p:txBody>
-          <a:bodyPr anchorCtr="0" anchor="b" bIns="91425" lIns="91425" spcFirstLastPara="1" rIns="91425" wrap="square" tIns="91425">
+          <a:bodyPr spcFirstLastPara="1" wrap="square" lIns="91425" tIns="91425" rIns="91425" bIns="91425" anchor="b" anchorCtr="0">
             <a:normAutofit/>
           </a:bodyPr>
           <a:lstStyle>
@@ -2772,15 +2845,19 @@
               <a:defRPr/>
             </a:lvl9pPr>
           </a:lstStyle>
-          <a:p/>
+          <a:p>
+            <a:endParaRPr/>
+          </a:p>
         </p:txBody>
       </p:sp>
       <p:sp>
         <p:nvSpPr>
           <p:cNvPr id="23" name="Google Shape;23;p4"/>
-          <p:cNvSpPr txBox="1"/>
+          <p:cNvSpPr txBox="1">
+            <a:spLocks noGrp="1"/>
+          </p:cNvSpPr>
           <p:nvPr>
-            <p:ph idx="1" type="body"/>
+            <p:ph type="body" idx="1"/>
           </p:nvPr>
         </p:nvSpPr>
         <p:spPr>
@@ -2793,11 +2870,11 @@
           </a:prstGeom>
         </p:spPr>
         <p:txBody>
-          <a:bodyPr anchorCtr="0" anchor="t" bIns="91425" lIns="91425" spcFirstLastPara="1" rIns="91425" wrap="square" tIns="91425">
+          <a:bodyPr spcFirstLastPara="1" wrap="square" lIns="91425" tIns="91425" rIns="91425" bIns="91425" anchor="t" anchorCtr="0">
             <a:normAutofit/>
           </a:bodyPr>
           <a:lstStyle>
-            <a:lvl1pPr indent="-342900" lvl="0" marL="457200">
+            <a:lvl1pPr marL="457200" lvl="0" indent="-342900">
               <a:spcBef>
                 <a:spcPts val="0"/>
               </a:spcBef>
@@ -2808,7 +2885,7 @@
               <a:buChar char="●"/>
               <a:defRPr/>
             </a:lvl1pPr>
-            <a:lvl2pPr indent="-317500" lvl="1" marL="914400">
+            <a:lvl2pPr marL="914400" lvl="1" indent="-317500">
               <a:spcBef>
                 <a:spcPts val="0"/>
               </a:spcBef>
@@ -2819,7 +2896,7 @@
               <a:buChar char="○"/>
               <a:defRPr/>
             </a:lvl2pPr>
-            <a:lvl3pPr indent="-317500" lvl="2" marL="1371600">
+            <a:lvl3pPr marL="1371600" lvl="2" indent="-317500">
               <a:spcBef>
                 <a:spcPts val="0"/>
               </a:spcBef>
@@ -2830,7 +2907,7 @@
               <a:buChar char="■"/>
               <a:defRPr/>
             </a:lvl3pPr>
-            <a:lvl4pPr indent="-317500" lvl="3" marL="1828800">
+            <a:lvl4pPr marL="1828800" lvl="3" indent="-317500">
               <a:spcBef>
                 <a:spcPts val="0"/>
               </a:spcBef>
@@ -2841,7 +2918,7 @@
               <a:buChar char="●"/>
               <a:defRPr/>
             </a:lvl4pPr>
-            <a:lvl5pPr indent="-317500" lvl="4" marL="2286000">
+            <a:lvl5pPr marL="2286000" lvl="4" indent="-317500">
               <a:spcBef>
                 <a:spcPts val="0"/>
               </a:spcBef>
@@ -2852,7 +2929,7 @@
               <a:buChar char="○"/>
               <a:defRPr/>
             </a:lvl5pPr>
-            <a:lvl6pPr indent="-317500" lvl="5" marL="2743200">
+            <a:lvl6pPr marL="2743200" lvl="5" indent="-317500">
               <a:spcBef>
                 <a:spcPts val="0"/>
               </a:spcBef>
@@ -2863,7 +2940,7 @@
               <a:buChar char="■"/>
               <a:defRPr/>
             </a:lvl6pPr>
-            <a:lvl7pPr indent="-317500" lvl="6" marL="3200400">
+            <a:lvl7pPr marL="3200400" lvl="6" indent="-317500">
               <a:spcBef>
                 <a:spcPts val="0"/>
               </a:spcBef>
@@ -2874,7 +2951,7 @@
               <a:buChar char="●"/>
               <a:defRPr/>
             </a:lvl7pPr>
-            <a:lvl8pPr indent="-317500" lvl="7" marL="3657600">
+            <a:lvl8pPr marL="3657600" lvl="7" indent="-317500">
               <a:spcBef>
                 <a:spcPts val="0"/>
               </a:spcBef>
@@ -2885,7 +2962,7 @@
               <a:buChar char="○"/>
               <a:defRPr/>
             </a:lvl8pPr>
-            <a:lvl9pPr indent="-317500" lvl="8" marL="4114800">
+            <a:lvl9pPr marL="4114800" lvl="8" indent="-317500">
               <a:spcBef>
                 <a:spcPts val="0"/>
               </a:spcBef>
@@ -2897,15 +2974,19 @@
               <a:defRPr/>
             </a:lvl9pPr>
           </a:lstStyle>
-          <a:p/>
+          <a:p>
+            <a:endParaRPr/>
+          </a:p>
         </p:txBody>
       </p:sp>
       <p:sp>
         <p:nvSpPr>
           <p:cNvPr id="24" name="Google Shape;24;p4"/>
-          <p:cNvSpPr txBox="1"/>
+          <p:cNvSpPr txBox="1">
+            <a:spLocks noGrp="1"/>
+          </p:cNvSpPr>
           <p:nvPr>
-            <p:ph idx="12" type="sldNum"/>
+            <p:ph type="sldNum" idx="12"/>
           </p:nvPr>
         </p:nvSpPr>
         <p:spPr>
@@ -2918,7 +2999,7 @@
           </a:prstGeom>
         </p:spPr>
         <p:txBody>
-          <a:bodyPr anchorCtr="0" anchor="ctr" bIns="91425" lIns="91425" spcFirstLastPara="1" rIns="91425" wrap="square" tIns="91425">
+          <a:bodyPr spcFirstLastPara="1" wrap="square" lIns="91425" tIns="91425" rIns="91425" bIns="91425" anchor="ctr" anchorCtr="0">
             <a:normAutofit/>
           </a:bodyPr>
           <a:lstStyle>
@@ -2960,7 +3041,7 @@
             </a:lvl9pPr>
           </a:lstStyle>
           <a:p>
-            <a:pPr indent="0" lvl="0" marL="0" rtl="0" algn="r">
+            <a:pPr marL="0" lvl="0" indent="0" algn="r" rtl="0">
               <a:spcBef>
                 <a:spcPts val="0"/>
               </a:spcBef>
@@ -2986,11 +3067,11 @@
 </file>
 
 <file path=ppt/slideLayouts/slideLayout4.xml><?xml version="1.0" encoding="utf-8"?>
-<p:sldLayout xmlns:a="http://schemas.openxmlformats.org/drawingml/2006/main" xmlns:r="http://schemas.openxmlformats.org/officeDocument/2006/relationships" xmlns:mc="http://schemas.openxmlformats.org/markup-compatibility/2006" xmlns:mv="urn:schemas-microsoft-com:mac:vml" xmlns:p="http://schemas.openxmlformats.org/presentationml/2006/main" xmlns:c="http://schemas.openxmlformats.org/drawingml/2006/chart" xmlns:dgm="http://schemas.openxmlformats.org/drawingml/2006/diagram" xmlns:o="urn:schemas-microsoft-com:office:office" xmlns:v="urn:schemas-microsoft-com:vml" xmlns:pvml="urn:schemas-microsoft-com:office:powerpoint" xmlns:com="http://schemas.openxmlformats.org/drawingml/2006/compatibility" xmlns:p14="http://schemas.microsoft.com/office/powerpoint/2010/main" xmlns:p15="http://schemas.microsoft.com/office/powerpoint/2012/main" xmlns:ahyp="http://schemas.microsoft.com/office/drawing/2018/hyperlinkcolor" matchingName="Title and two columns" type="twoColTx">
+<p:sldLayout xmlns:a="http://schemas.openxmlformats.org/drawingml/2006/main" xmlns:r="http://schemas.openxmlformats.org/officeDocument/2006/relationships" xmlns:p="http://schemas.openxmlformats.org/presentationml/2006/main" matchingName="Title and two columns" type="twoColTx">
   <p:cSld name="TITLE_AND_TWO_COLUMNS">
     <p:spTree>
       <p:nvGrpSpPr>
-        <p:cNvPr id="25" name="Shape 25"/>
+        <p:cNvPr id="1" name="Shape 25"/>
         <p:cNvGrpSpPr/>
         <p:nvPr/>
       </p:nvGrpSpPr>
@@ -3017,21 +3098,23 @@
             <a:avLst/>
           </a:prstGeom>
           <a:noFill/>
-          <a:ln cap="flat" cmpd="sng" w="38100">
+          <a:ln w="38100" cap="flat" cmpd="sng">
             <a:solidFill>
               <a:schemeClr val="accent4"/>
             </a:solidFill>
             <a:prstDash val="solid"/>
             <a:round/>
-            <a:headEnd len="sm" w="sm" type="none"/>
-            <a:tailEnd len="sm" w="sm" type="none"/>
+            <a:headEnd type="none" w="sm" len="sm"/>
+            <a:tailEnd type="none" w="sm" len="sm"/>
           </a:ln>
         </p:spPr>
       </p:cxnSp>
       <p:sp>
         <p:nvSpPr>
           <p:cNvPr id="27" name="Google Shape;27;p5"/>
-          <p:cNvSpPr txBox="1"/>
+          <p:cNvSpPr txBox="1">
+            <a:spLocks noGrp="1"/>
+          </p:cNvSpPr>
           <p:nvPr>
             <p:ph type="title"/>
           </p:nvPr>
@@ -3046,7 +3129,7 @@
           </a:prstGeom>
         </p:spPr>
         <p:txBody>
-          <a:bodyPr anchorCtr="0" anchor="b" bIns="91425" lIns="91425" spcFirstLastPara="1" rIns="91425" wrap="square" tIns="91425">
+          <a:bodyPr spcFirstLastPara="1" wrap="square" lIns="91425" tIns="91425" rIns="91425" bIns="91425" anchor="b" anchorCtr="0">
             <a:normAutofit/>
           </a:bodyPr>
           <a:lstStyle>
@@ -3150,15 +3233,19 @@
               <a:defRPr/>
             </a:lvl9pPr>
           </a:lstStyle>
-          <a:p/>
+          <a:p>
+            <a:endParaRPr/>
+          </a:p>
         </p:txBody>
       </p:sp>
       <p:sp>
         <p:nvSpPr>
           <p:cNvPr id="28" name="Google Shape;28;p5"/>
-          <p:cNvSpPr txBox="1"/>
+          <p:cNvSpPr txBox="1">
+            <a:spLocks noGrp="1"/>
+          </p:cNvSpPr>
           <p:nvPr>
-            <p:ph idx="1" type="body"/>
+            <p:ph type="body" idx="1"/>
           </p:nvPr>
         </p:nvSpPr>
         <p:spPr>
@@ -3171,11 +3258,11 @@
           </a:prstGeom>
         </p:spPr>
         <p:txBody>
-          <a:bodyPr anchorCtr="0" anchor="t" bIns="91425" lIns="91425" spcFirstLastPara="1" rIns="91425" wrap="square" tIns="91425">
+          <a:bodyPr spcFirstLastPara="1" wrap="square" lIns="91425" tIns="91425" rIns="91425" bIns="91425" anchor="t" anchorCtr="0">
             <a:normAutofit/>
           </a:bodyPr>
           <a:lstStyle>
-            <a:lvl1pPr indent="-317500" lvl="0" marL="457200">
+            <a:lvl1pPr marL="457200" lvl="0" indent="-317500">
               <a:spcBef>
                 <a:spcPts val="0"/>
               </a:spcBef>
@@ -3186,7 +3273,7 @@
               <a:buChar char="●"/>
               <a:defRPr sz="1400"/>
             </a:lvl1pPr>
-            <a:lvl2pPr indent="-304800" lvl="1" marL="914400">
+            <a:lvl2pPr marL="914400" lvl="1" indent="-304800">
               <a:spcBef>
                 <a:spcPts val="0"/>
               </a:spcBef>
@@ -3197,7 +3284,7 @@
               <a:buChar char="○"/>
               <a:defRPr sz="1200"/>
             </a:lvl2pPr>
-            <a:lvl3pPr indent="-304800" lvl="2" marL="1371600">
+            <a:lvl3pPr marL="1371600" lvl="2" indent="-304800">
               <a:spcBef>
                 <a:spcPts val="0"/>
               </a:spcBef>
@@ -3208,7 +3295,7 @@
               <a:buChar char="■"/>
               <a:defRPr sz="1200"/>
             </a:lvl3pPr>
-            <a:lvl4pPr indent="-304800" lvl="3" marL="1828800">
+            <a:lvl4pPr marL="1828800" lvl="3" indent="-304800">
               <a:spcBef>
                 <a:spcPts val="0"/>
               </a:spcBef>
@@ -3219,7 +3306,7 @@
               <a:buChar char="●"/>
               <a:defRPr sz="1200"/>
             </a:lvl4pPr>
-            <a:lvl5pPr indent="-304800" lvl="4" marL="2286000">
+            <a:lvl5pPr marL="2286000" lvl="4" indent="-304800">
               <a:spcBef>
                 <a:spcPts val="0"/>
               </a:spcBef>
@@ -3230,7 +3317,7 @@
               <a:buChar char="○"/>
               <a:defRPr sz="1200"/>
             </a:lvl5pPr>
-            <a:lvl6pPr indent="-304800" lvl="5" marL="2743200">
+            <a:lvl6pPr marL="2743200" lvl="5" indent="-304800">
               <a:spcBef>
                 <a:spcPts val="0"/>
               </a:spcBef>
@@ -3241,7 +3328,7 @@
               <a:buChar char="■"/>
               <a:defRPr sz="1200"/>
             </a:lvl6pPr>
-            <a:lvl7pPr indent="-304800" lvl="6" marL="3200400">
+            <a:lvl7pPr marL="3200400" lvl="6" indent="-304800">
               <a:spcBef>
                 <a:spcPts val="0"/>
               </a:spcBef>
@@ -3252,7 +3339,7 @@
               <a:buChar char="●"/>
               <a:defRPr sz="1200"/>
             </a:lvl7pPr>
-            <a:lvl8pPr indent="-304800" lvl="7" marL="3657600">
+            <a:lvl8pPr marL="3657600" lvl="7" indent="-304800">
               <a:spcBef>
                 <a:spcPts val="0"/>
               </a:spcBef>
@@ -3263,7 +3350,7 @@
               <a:buChar char="○"/>
               <a:defRPr sz="1200"/>
             </a:lvl8pPr>
-            <a:lvl9pPr indent="-304800" lvl="8" marL="4114800">
+            <a:lvl9pPr marL="4114800" lvl="8" indent="-304800">
               <a:spcBef>
                 <a:spcPts val="0"/>
               </a:spcBef>
@@ -3275,15 +3362,19 @@
               <a:defRPr sz="1200"/>
             </a:lvl9pPr>
           </a:lstStyle>
-          <a:p/>
+          <a:p>
+            <a:endParaRPr/>
+          </a:p>
         </p:txBody>
       </p:sp>
       <p:sp>
         <p:nvSpPr>
           <p:cNvPr id="29" name="Google Shape;29;p5"/>
-          <p:cNvSpPr txBox="1"/>
+          <p:cNvSpPr txBox="1">
+            <a:spLocks noGrp="1"/>
+          </p:cNvSpPr>
           <p:nvPr>
-            <p:ph idx="2" type="body"/>
+            <p:ph type="body" idx="2"/>
           </p:nvPr>
         </p:nvSpPr>
         <p:spPr>
@@ -3296,11 +3387,11 @@
           </a:prstGeom>
         </p:spPr>
         <p:txBody>
-          <a:bodyPr anchorCtr="0" anchor="t" bIns="91425" lIns="91425" spcFirstLastPara="1" rIns="91425" wrap="square" tIns="91425">
+          <a:bodyPr spcFirstLastPara="1" wrap="square" lIns="91425" tIns="91425" rIns="91425" bIns="91425" anchor="t" anchorCtr="0">
             <a:normAutofit/>
           </a:bodyPr>
           <a:lstStyle>
-            <a:lvl1pPr indent="-317500" lvl="0" marL="457200">
+            <a:lvl1pPr marL="457200" lvl="0" indent="-317500">
               <a:spcBef>
                 <a:spcPts val="0"/>
               </a:spcBef>
@@ -3311,7 +3402,7 @@
               <a:buChar char="●"/>
               <a:defRPr sz="1400"/>
             </a:lvl1pPr>
-            <a:lvl2pPr indent="-304800" lvl="1" marL="914400">
+            <a:lvl2pPr marL="914400" lvl="1" indent="-304800">
               <a:spcBef>
                 <a:spcPts val="0"/>
               </a:spcBef>
@@ -3322,7 +3413,7 @@
               <a:buChar char="○"/>
               <a:defRPr sz="1200"/>
             </a:lvl2pPr>
-            <a:lvl3pPr indent="-304800" lvl="2" marL="1371600">
+            <a:lvl3pPr marL="1371600" lvl="2" indent="-304800">
               <a:spcBef>
                 <a:spcPts val="0"/>
               </a:spcBef>
@@ -3333,7 +3424,7 @@
               <a:buChar char="■"/>
               <a:defRPr sz="1200"/>
             </a:lvl3pPr>
-            <a:lvl4pPr indent="-304800" lvl="3" marL="1828800">
+            <a:lvl4pPr marL="1828800" lvl="3" indent="-304800">
               <a:spcBef>
                 <a:spcPts val="0"/>
               </a:spcBef>
@@ -3344,7 +3435,7 @@
               <a:buChar char="●"/>
               <a:defRPr sz="1200"/>
             </a:lvl4pPr>
-            <a:lvl5pPr indent="-304800" lvl="4" marL="2286000">
+            <a:lvl5pPr marL="2286000" lvl="4" indent="-304800">
               <a:spcBef>
                 <a:spcPts val="0"/>
               </a:spcBef>
@@ -3355,7 +3446,7 @@
               <a:buChar char="○"/>
               <a:defRPr sz="1200"/>
             </a:lvl5pPr>
-            <a:lvl6pPr indent="-304800" lvl="5" marL="2743200">
+            <a:lvl6pPr marL="2743200" lvl="5" indent="-304800">
               <a:spcBef>
                 <a:spcPts val="0"/>
               </a:spcBef>
@@ -3366,7 +3457,7 @@
               <a:buChar char="■"/>
               <a:defRPr sz="1200"/>
             </a:lvl6pPr>
-            <a:lvl7pPr indent="-304800" lvl="6" marL="3200400">
+            <a:lvl7pPr marL="3200400" lvl="6" indent="-304800">
               <a:spcBef>
                 <a:spcPts val="0"/>
               </a:spcBef>
@@ -3377,7 +3468,7 @@
               <a:buChar char="●"/>
               <a:defRPr sz="1200"/>
             </a:lvl7pPr>
-            <a:lvl8pPr indent="-304800" lvl="7" marL="3657600">
+            <a:lvl8pPr marL="3657600" lvl="7" indent="-304800">
               <a:spcBef>
                 <a:spcPts val="0"/>
               </a:spcBef>
@@ -3388,7 +3479,7 @@
               <a:buChar char="○"/>
               <a:defRPr sz="1200"/>
             </a:lvl8pPr>
-            <a:lvl9pPr indent="-304800" lvl="8" marL="4114800">
+            <a:lvl9pPr marL="4114800" lvl="8" indent="-304800">
               <a:spcBef>
                 <a:spcPts val="0"/>
               </a:spcBef>
@@ -3400,15 +3491,19 @@
               <a:defRPr sz="1200"/>
             </a:lvl9pPr>
           </a:lstStyle>
-          <a:p/>
+          <a:p>
+            <a:endParaRPr/>
+          </a:p>
         </p:txBody>
       </p:sp>
       <p:sp>
         <p:nvSpPr>
           <p:cNvPr id="30" name="Google Shape;30;p5"/>
-          <p:cNvSpPr txBox="1"/>
+          <p:cNvSpPr txBox="1">
+            <a:spLocks noGrp="1"/>
+          </p:cNvSpPr>
           <p:nvPr>
-            <p:ph idx="12" type="sldNum"/>
+            <p:ph type="sldNum" idx="12"/>
           </p:nvPr>
         </p:nvSpPr>
         <p:spPr>
@@ -3421,7 +3516,7 @@
           </a:prstGeom>
         </p:spPr>
         <p:txBody>
-          <a:bodyPr anchorCtr="0" anchor="ctr" bIns="91425" lIns="91425" spcFirstLastPara="1" rIns="91425" wrap="square" tIns="91425">
+          <a:bodyPr spcFirstLastPara="1" wrap="square" lIns="91425" tIns="91425" rIns="91425" bIns="91425" anchor="ctr" anchorCtr="0">
             <a:normAutofit/>
           </a:bodyPr>
           <a:lstStyle>
@@ -3463,7 +3558,7 @@
             </a:lvl9pPr>
           </a:lstStyle>
           <a:p>
-            <a:pPr indent="0" lvl="0" marL="0" rtl="0" algn="r">
+            <a:pPr marL="0" lvl="0" indent="0" algn="r" rtl="0">
               <a:spcBef>
                 <a:spcPts val="0"/>
               </a:spcBef>
@@ -3489,11 +3584,11 @@
 </file>
 
 <file path=ppt/slideLayouts/slideLayout5.xml><?xml version="1.0" encoding="utf-8"?>
-<p:sldLayout xmlns:a="http://schemas.openxmlformats.org/drawingml/2006/main" xmlns:r="http://schemas.openxmlformats.org/officeDocument/2006/relationships" xmlns:mc="http://schemas.openxmlformats.org/markup-compatibility/2006" xmlns:mv="urn:schemas-microsoft-com:mac:vml" xmlns:p="http://schemas.openxmlformats.org/presentationml/2006/main" xmlns:c="http://schemas.openxmlformats.org/drawingml/2006/chart" xmlns:dgm="http://schemas.openxmlformats.org/drawingml/2006/diagram" xmlns:o="urn:schemas-microsoft-com:office:office" xmlns:v="urn:schemas-microsoft-com:vml" xmlns:pvml="urn:schemas-microsoft-com:office:powerpoint" xmlns:com="http://schemas.openxmlformats.org/drawingml/2006/compatibility" xmlns:p14="http://schemas.microsoft.com/office/powerpoint/2010/main" xmlns:p15="http://schemas.microsoft.com/office/powerpoint/2012/main" xmlns:ahyp="http://schemas.microsoft.com/office/drawing/2018/hyperlinkcolor" matchingName="Title only" type="titleOnly">
+<p:sldLayout xmlns:a="http://schemas.openxmlformats.org/drawingml/2006/main" xmlns:r="http://schemas.openxmlformats.org/officeDocument/2006/relationships" xmlns:p="http://schemas.openxmlformats.org/presentationml/2006/main" matchingName="Title only" type="titleOnly">
   <p:cSld name="TITLE_ONLY">
     <p:spTree>
       <p:nvGrpSpPr>
-        <p:cNvPr id="31" name="Shape 31"/>
+        <p:cNvPr id="1" name="Shape 31"/>
         <p:cNvGrpSpPr/>
         <p:nvPr/>
       </p:nvGrpSpPr>
@@ -3508,7 +3603,9 @@
       <p:sp>
         <p:nvSpPr>
           <p:cNvPr id="32" name="Google Shape;32;p6"/>
-          <p:cNvSpPr txBox="1"/>
+          <p:cNvSpPr txBox="1">
+            <a:spLocks noGrp="1"/>
+          </p:cNvSpPr>
           <p:nvPr>
             <p:ph type="title"/>
           </p:nvPr>
@@ -3523,7 +3620,7 @@
           </a:prstGeom>
         </p:spPr>
         <p:txBody>
-          <a:bodyPr anchorCtr="0" anchor="b" bIns="91425" lIns="91425" spcFirstLastPara="1" rIns="91425" wrap="square" tIns="91425">
+          <a:bodyPr spcFirstLastPara="1" wrap="square" lIns="91425" tIns="91425" rIns="91425" bIns="91425" anchor="b" anchorCtr="0">
             <a:normAutofit/>
           </a:bodyPr>
           <a:lstStyle>
@@ -3627,15 +3724,19 @@
               <a:defRPr/>
             </a:lvl9pPr>
           </a:lstStyle>
-          <a:p/>
+          <a:p>
+            <a:endParaRPr/>
+          </a:p>
         </p:txBody>
       </p:sp>
       <p:sp>
         <p:nvSpPr>
           <p:cNvPr id="33" name="Google Shape;33;p6"/>
-          <p:cNvSpPr txBox="1"/>
+          <p:cNvSpPr txBox="1">
+            <a:spLocks noGrp="1"/>
+          </p:cNvSpPr>
           <p:nvPr>
-            <p:ph idx="12" type="sldNum"/>
+            <p:ph type="sldNum" idx="12"/>
           </p:nvPr>
         </p:nvSpPr>
         <p:spPr>
@@ -3648,7 +3749,7 @@
           </a:prstGeom>
         </p:spPr>
         <p:txBody>
-          <a:bodyPr anchorCtr="0" anchor="ctr" bIns="91425" lIns="91425" spcFirstLastPara="1" rIns="91425" wrap="square" tIns="91425">
+          <a:bodyPr spcFirstLastPara="1" wrap="square" lIns="91425" tIns="91425" rIns="91425" bIns="91425" anchor="ctr" anchorCtr="0">
             <a:normAutofit/>
           </a:bodyPr>
           <a:lstStyle>
@@ -3690,7 +3791,7 @@
             </a:lvl9pPr>
           </a:lstStyle>
           <a:p>
-            <a:pPr indent="0" lvl="0" marL="0" rtl="0" algn="r">
+            <a:pPr marL="0" lvl="0" indent="0" algn="r" rtl="0">
               <a:spcBef>
                 <a:spcPts val="0"/>
               </a:spcBef>
@@ -3716,11 +3817,11 @@
 </file>
 
 <file path=ppt/slideLayouts/slideLayout6.xml><?xml version="1.0" encoding="utf-8"?>
-<p:sldLayout xmlns:a="http://schemas.openxmlformats.org/drawingml/2006/main" xmlns:r="http://schemas.openxmlformats.org/officeDocument/2006/relationships" xmlns:mc="http://schemas.openxmlformats.org/markup-compatibility/2006" xmlns:mv="urn:schemas-microsoft-com:mac:vml" xmlns:p="http://schemas.openxmlformats.org/presentationml/2006/main" xmlns:c="http://schemas.openxmlformats.org/drawingml/2006/chart" xmlns:dgm="http://schemas.openxmlformats.org/drawingml/2006/diagram" xmlns:o="urn:schemas-microsoft-com:office:office" xmlns:v="urn:schemas-microsoft-com:vml" xmlns:pvml="urn:schemas-microsoft-com:office:powerpoint" xmlns:com="http://schemas.openxmlformats.org/drawingml/2006/compatibility" xmlns:p14="http://schemas.microsoft.com/office/powerpoint/2010/main" xmlns:p15="http://schemas.microsoft.com/office/powerpoint/2012/main" xmlns:ahyp="http://schemas.microsoft.com/office/drawing/2018/hyperlinkcolor" matchingName="One column text">
+<p:sldLayout xmlns:a="http://schemas.openxmlformats.org/drawingml/2006/main" xmlns:r="http://schemas.openxmlformats.org/officeDocument/2006/relationships" xmlns:p="http://schemas.openxmlformats.org/presentationml/2006/main" matchingName="One column text">
   <p:cSld name="ONE_COLUMN_TEXT">
     <p:spTree>
       <p:nvGrpSpPr>
-        <p:cNvPr id="34" name="Shape 34"/>
+        <p:cNvPr id="1" name="Shape 34"/>
         <p:cNvGrpSpPr/>
         <p:nvPr/>
       </p:nvGrpSpPr>
@@ -3747,21 +3848,23 @@
             <a:avLst/>
           </a:prstGeom>
           <a:noFill/>
-          <a:ln cap="flat" cmpd="sng" w="38100">
+          <a:ln w="38100" cap="flat" cmpd="sng">
             <a:solidFill>
               <a:schemeClr val="accent4"/>
             </a:solidFill>
             <a:prstDash val="solid"/>
             <a:round/>
-            <a:headEnd len="sm" w="sm" type="none"/>
-            <a:tailEnd len="sm" w="sm" type="none"/>
+            <a:headEnd type="none" w="sm" len="sm"/>
+            <a:tailEnd type="none" w="sm" len="sm"/>
           </a:ln>
         </p:spPr>
       </p:cxnSp>
       <p:sp>
         <p:nvSpPr>
           <p:cNvPr id="36" name="Google Shape;36;p7"/>
-          <p:cNvSpPr txBox="1"/>
+          <p:cNvSpPr txBox="1">
+            <a:spLocks noGrp="1"/>
+          </p:cNvSpPr>
           <p:nvPr>
             <p:ph type="title"/>
           </p:nvPr>
@@ -3776,7 +3879,7 @@
           </a:prstGeom>
         </p:spPr>
         <p:txBody>
-          <a:bodyPr anchorCtr="0" anchor="b" bIns="91425" lIns="91425" spcFirstLastPara="1" rIns="91425" wrap="square" tIns="91425">
+          <a:bodyPr spcFirstLastPara="1" wrap="square" lIns="91425" tIns="91425" rIns="91425" bIns="91425" anchor="b" anchorCtr="0">
             <a:normAutofit/>
           </a:bodyPr>
           <a:lstStyle>
@@ -3880,15 +3983,19 @@
               <a:defRPr sz="2400"/>
             </a:lvl9pPr>
           </a:lstStyle>
-          <a:p/>
+          <a:p>
+            <a:endParaRPr/>
+          </a:p>
         </p:txBody>
       </p:sp>
       <p:sp>
         <p:nvSpPr>
           <p:cNvPr id="37" name="Google Shape;37;p7"/>
-          <p:cNvSpPr txBox="1"/>
+          <p:cNvSpPr txBox="1">
+            <a:spLocks noGrp="1"/>
+          </p:cNvSpPr>
           <p:nvPr>
-            <p:ph idx="1" type="body"/>
+            <p:ph type="body" idx="1"/>
           </p:nvPr>
         </p:nvSpPr>
         <p:spPr>
@@ -3901,11 +4008,11 @@
           </a:prstGeom>
         </p:spPr>
         <p:txBody>
-          <a:bodyPr anchorCtr="0" anchor="t" bIns="91425" lIns="91425" spcFirstLastPara="1" rIns="91425" wrap="square" tIns="91425">
+          <a:bodyPr spcFirstLastPara="1" wrap="square" lIns="91425" tIns="91425" rIns="91425" bIns="91425" anchor="t" anchorCtr="0">
             <a:normAutofit/>
           </a:bodyPr>
           <a:lstStyle>
-            <a:lvl1pPr indent="-304800" lvl="0" marL="457200">
+            <a:lvl1pPr marL="457200" lvl="0" indent="-304800">
               <a:spcBef>
                 <a:spcPts val="0"/>
               </a:spcBef>
@@ -3916,7 +4023,7 @@
               <a:buChar char="●"/>
               <a:defRPr sz="1200"/>
             </a:lvl1pPr>
-            <a:lvl2pPr indent="-304800" lvl="1" marL="914400">
+            <a:lvl2pPr marL="914400" lvl="1" indent="-304800">
               <a:spcBef>
                 <a:spcPts val="0"/>
               </a:spcBef>
@@ -3927,7 +4034,7 @@
               <a:buChar char="○"/>
               <a:defRPr sz="1200"/>
             </a:lvl2pPr>
-            <a:lvl3pPr indent="-304800" lvl="2" marL="1371600">
+            <a:lvl3pPr marL="1371600" lvl="2" indent="-304800">
               <a:spcBef>
                 <a:spcPts val="0"/>
               </a:spcBef>
@@ -3938,7 +4045,7 @@
               <a:buChar char="■"/>
               <a:defRPr sz="1200"/>
             </a:lvl3pPr>
-            <a:lvl4pPr indent="-304800" lvl="3" marL="1828800">
+            <a:lvl4pPr marL="1828800" lvl="3" indent="-304800">
               <a:spcBef>
                 <a:spcPts val="0"/>
               </a:spcBef>
@@ -3949,7 +4056,7 @@
               <a:buChar char="●"/>
               <a:defRPr sz="1200"/>
             </a:lvl4pPr>
-            <a:lvl5pPr indent="-304800" lvl="4" marL="2286000">
+            <a:lvl5pPr marL="2286000" lvl="4" indent="-304800">
               <a:spcBef>
                 <a:spcPts val="0"/>
               </a:spcBef>
@@ -3960,7 +4067,7 @@
               <a:buChar char="○"/>
               <a:defRPr sz="1200"/>
             </a:lvl5pPr>
-            <a:lvl6pPr indent="-304800" lvl="5" marL="2743200">
+            <a:lvl6pPr marL="2743200" lvl="5" indent="-304800">
               <a:spcBef>
                 <a:spcPts val="0"/>
               </a:spcBef>
@@ -3971,7 +4078,7 @@
               <a:buChar char="■"/>
               <a:defRPr sz="1200"/>
             </a:lvl6pPr>
-            <a:lvl7pPr indent="-304800" lvl="6" marL="3200400">
+            <a:lvl7pPr marL="3200400" lvl="6" indent="-304800">
               <a:spcBef>
                 <a:spcPts val="0"/>
               </a:spcBef>
@@ -3982,7 +4089,7 @@
               <a:buChar char="●"/>
               <a:defRPr sz="1200"/>
             </a:lvl7pPr>
-            <a:lvl8pPr indent="-304800" lvl="7" marL="3657600">
+            <a:lvl8pPr marL="3657600" lvl="7" indent="-304800">
               <a:spcBef>
                 <a:spcPts val="0"/>
               </a:spcBef>
@@ -3993,7 +4100,7 @@
               <a:buChar char="○"/>
               <a:defRPr sz="1200"/>
             </a:lvl8pPr>
-            <a:lvl9pPr indent="-304800" lvl="8" marL="4114800">
+            <a:lvl9pPr marL="4114800" lvl="8" indent="-304800">
               <a:spcBef>
                 <a:spcPts val="0"/>
               </a:spcBef>
@@ -4005,15 +4112,19 @@
               <a:defRPr sz="1200"/>
             </a:lvl9pPr>
           </a:lstStyle>
-          <a:p/>
+          <a:p>
+            <a:endParaRPr/>
+          </a:p>
         </p:txBody>
       </p:sp>
       <p:sp>
         <p:nvSpPr>
           <p:cNvPr id="38" name="Google Shape;38;p7"/>
-          <p:cNvSpPr txBox="1"/>
+          <p:cNvSpPr txBox="1">
+            <a:spLocks noGrp="1"/>
+          </p:cNvSpPr>
           <p:nvPr>
-            <p:ph idx="12" type="sldNum"/>
+            <p:ph type="sldNum" idx="12"/>
           </p:nvPr>
         </p:nvSpPr>
         <p:spPr>
@@ -4026,7 +4137,7 @@
           </a:prstGeom>
         </p:spPr>
         <p:txBody>
-          <a:bodyPr anchorCtr="0" anchor="ctr" bIns="91425" lIns="91425" spcFirstLastPara="1" rIns="91425" wrap="square" tIns="91425">
+          <a:bodyPr spcFirstLastPara="1" wrap="square" lIns="91425" tIns="91425" rIns="91425" bIns="91425" anchor="ctr" anchorCtr="0">
             <a:normAutofit/>
           </a:bodyPr>
           <a:lstStyle>
@@ -4068,7 +4179,7 @@
             </a:lvl9pPr>
           </a:lstStyle>
           <a:p>
-            <a:pPr indent="0" lvl="0" marL="0" rtl="0" algn="r">
+            <a:pPr marL="0" lvl="0" indent="0" algn="r" rtl="0">
               <a:spcBef>
                 <a:spcPts val="0"/>
               </a:spcBef>
@@ -4094,11 +4205,11 @@
 </file>
 
 <file path=ppt/slideLayouts/slideLayout7.xml><?xml version="1.0" encoding="utf-8"?>
-<p:sldLayout xmlns:a="http://schemas.openxmlformats.org/drawingml/2006/main" xmlns:r="http://schemas.openxmlformats.org/officeDocument/2006/relationships" xmlns:mc="http://schemas.openxmlformats.org/markup-compatibility/2006" xmlns:mv="urn:schemas-microsoft-com:mac:vml" xmlns:p="http://schemas.openxmlformats.org/presentationml/2006/main" xmlns:c="http://schemas.openxmlformats.org/drawingml/2006/chart" xmlns:dgm="http://schemas.openxmlformats.org/drawingml/2006/diagram" xmlns:o="urn:schemas-microsoft-com:office:office" xmlns:v="urn:schemas-microsoft-com:vml" xmlns:pvml="urn:schemas-microsoft-com:office:powerpoint" xmlns:com="http://schemas.openxmlformats.org/drawingml/2006/compatibility" xmlns:p14="http://schemas.microsoft.com/office/powerpoint/2010/main" xmlns:p15="http://schemas.microsoft.com/office/powerpoint/2012/main" xmlns:ahyp="http://schemas.microsoft.com/office/drawing/2018/hyperlinkcolor" matchingName="Main point">
+<p:sldLayout xmlns:a="http://schemas.openxmlformats.org/drawingml/2006/main" xmlns:r="http://schemas.openxmlformats.org/officeDocument/2006/relationships" xmlns:p="http://schemas.openxmlformats.org/presentationml/2006/main" matchingName="Main point">
   <p:cSld name="MAIN_POINT">
     <p:spTree>
       <p:nvGrpSpPr>
-        <p:cNvPr id="39" name="Shape 39"/>
+        <p:cNvPr id="1" name="Shape 39"/>
         <p:cNvGrpSpPr/>
         <p:nvPr/>
       </p:nvGrpSpPr>
@@ -4113,7 +4224,9 @@
       <p:sp>
         <p:nvSpPr>
           <p:cNvPr id="40" name="Google Shape;40;p8"/>
-          <p:cNvSpPr txBox="1"/>
+          <p:cNvSpPr txBox="1">
+            <a:spLocks noGrp="1"/>
+          </p:cNvSpPr>
           <p:nvPr>
             <p:ph type="title"/>
           </p:nvPr>
@@ -4128,7 +4241,7 @@
           </a:prstGeom>
         </p:spPr>
         <p:txBody>
-          <a:bodyPr anchorCtr="0" anchor="ctr" bIns="91425" lIns="91425" spcFirstLastPara="1" rIns="91425" wrap="square" tIns="91425">
+          <a:bodyPr spcFirstLastPara="1" wrap="square" lIns="91425" tIns="91425" rIns="91425" bIns="91425" anchor="ctr" anchorCtr="0">
             <a:normAutofit/>
           </a:bodyPr>
           <a:lstStyle>
@@ -4232,15 +4345,19 @@
               <a:defRPr sz="4800"/>
             </a:lvl9pPr>
           </a:lstStyle>
-          <a:p/>
+          <a:p>
+            <a:endParaRPr/>
+          </a:p>
         </p:txBody>
       </p:sp>
       <p:sp>
         <p:nvSpPr>
           <p:cNvPr id="41" name="Google Shape;41;p8"/>
-          <p:cNvSpPr txBox="1"/>
+          <p:cNvSpPr txBox="1">
+            <a:spLocks noGrp="1"/>
+          </p:cNvSpPr>
           <p:nvPr>
-            <p:ph idx="12" type="sldNum"/>
+            <p:ph type="sldNum" idx="12"/>
           </p:nvPr>
         </p:nvSpPr>
         <p:spPr>
@@ -4253,7 +4370,7 @@
           </a:prstGeom>
         </p:spPr>
         <p:txBody>
-          <a:bodyPr anchorCtr="0" anchor="ctr" bIns="91425" lIns="91425" spcFirstLastPara="1" rIns="91425" wrap="square" tIns="91425">
+          <a:bodyPr spcFirstLastPara="1" wrap="square" lIns="91425" tIns="91425" rIns="91425" bIns="91425" anchor="ctr" anchorCtr="0">
             <a:normAutofit/>
           </a:bodyPr>
           <a:lstStyle>
@@ -4295,7 +4412,7 @@
             </a:lvl9pPr>
           </a:lstStyle>
           <a:p>
-            <a:pPr indent="0" lvl="0" marL="0" rtl="0" algn="r">
+            <a:pPr marL="0" lvl="0" indent="0" algn="r" rtl="0">
               <a:spcBef>
                 <a:spcPts val="0"/>
               </a:spcBef>
@@ -4321,11 +4438,11 @@
 </file>
 
 <file path=ppt/slideLayouts/slideLayout8.xml><?xml version="1.0" encoding="utf-8"?>
-<p:sldLayout xmlns:a="http://schemas.openxmlformats.org/drawingml/2006/main" xmlns:r="http://schemas.openxmlformats.org/officeDocument/2006/relationships" xmlns:mc="http://schemas.openxmlformats.org/markup-compatibility/2006" xmlns:mv="urn:schemas-microsoft-com:mac:vml" xmlns:p="http://schemas.openxmlformats.org/presentationml/2006/main" xmlns:c="http://schemas.openxmlformats.org/drawingml/2006/chart" xmlns:dgm="http://schemas.openxmlformats.org/drawingml/2006/diagram" xmlns:o="urn:schemas-microsoft-com:office:office" xmlns:v="urn:schemas-microsoft-com:vml" xmlns:pvml="urn:schemas-microsoft-com:office:powerpoint" xmlns:com="http://schemas.openxmlformats.org/drawingml/2006/compatibility" xmlns:p14="http://schemas.microsoft.com/office/powerpoint/2010/main" xmlns:p15="http://schemas.microsoft.com/office/powerpoint/2012/main" xmlns:ahyp="http://schemas.microsoft.com/office/drawing/2018/hyperlinkcolor" matchingName="Section title and description">
+<p:sldLayout xmlns:a="http://schemas.openxmlformats.org/drawingml/2006/main" xmlns:r="http://schemas.openxmlformats.org/officeDocument/2006/relationships" xmlns:p="http://schemas.openxmlformats.org/presentationml/2006/main" matchingName="Section title and description">
   <p:cSld name="SECTION_TITLE_AND_DESCRIPTION">
     <p:spTree>
       <p:nvGrpSpPr>
-        <p:cNvPr id="42" name="Shape 42"/>
+        <p:cNvPr id="1" name="Shape 42"/>
         <p:cNvGrpSpPr/>
         <p:nvPr/>
       </p:nvGrpSpPr>
@@ -4359,12 +4476,12 @@
           </a:ln>
         </p:spPr>
         <p:txBody>
-          <a:bodyPr anchorCtr="0" anchor="ctr" bIns="91425" lIns="91425" spcFirstLastPara="1" rIns="91425" wrap="square" tIns="91425">
+          <a:bodyPr spcFirstLastPara="1" wrap="square" lIns="91425" tIns="91425" rIns="91425" bIns="91425" anchor="ctr" anchorCtr="0">
             <a:noAutofit/>
           </a:bodyPr>
           <a:lstStyle/>
           <a:p>
-            <a:pPr indent="0" lvl="0" marL="0" rtl="0" algn="l">
+            <a:pPr marL="0" lvl="0" indent="0" algn="l" rtl="0">
               <a:spcBef>
                 <a:spcPts val="0"/>
               </a:spcBef>
@@ -4373,9 +4490,6 @@
               </a:spcAft>
               <a:buNone/>
             </a:pPr>
-            <a:r>
-              <a:t/>
-            </a:r>
             <a:endParaRPr/>
           </a:p>
         </p:txBody>
@@ -4395,21 +4509,23 @@
             <a:avLst/>
           </a:prstGeom>
           <a:noFill/>
-          <a:ln cap="flat" cmpd="sng" w="38100">
+          <a:ln w="38100" cap="flat" cmpd="sng">
             <a:solidFill>
               <a:schemeClr val="accent5"/>
             </a:solidFill>
             <a:prstDash val="solid"/>
             <a:round/>
-            <a:headEnd len="sm" w="sm" type="none"/>
-            <a:tailEnd len="sm" w="sm" type="none"/>
+            <a:headEnd type="none" w="sm" len="sm"/>
+            <a:tailEnd type="none" w="sm" len="sm"/>
           </a:ln>
         </p:spPr>
       </p:cxnSp>
       <p:sp>
         <p:nvSpPr>
           <p:cNvPr id="45" name="Google Shape;45;p9"/>
-          <p:cNvSpPr txBox="1"/>
+          <p:cNvSpPr txBox="1">
+            <a:spLocks noGrp="1"/>
+          </p:cNvSpPr>
           <p:nvPr>
             <p:ph type="title"/>
           </p:nvPr>
@@ -4424,7 +4540,7 @@
           </a:prstGeom>
         </p:spPr>
         <p:txBody>
-          <a:bodyPr anchorCtr="0" anchor="b" bIns="91425" lIns="91425" spcFirstLastPara="1" rIns="91425" wrap="square" tIns="91425">
+          <a:bodyPr spcFirstLastPara="1" wrap="square" lIns="91425" tIns="91425" rIns="91425" bIns="91425" anchor="b" anchorCtr="0">
             <a:normAutofit/>
           </a:bodyPr>
           <a:lstStyle>
@@ -4528,15 +4644,19 @@
               <a:defRPr sz="3800"/>
             </a:lvl9pPr>
           </a:lstStyle>
-          <a:p/>
+          <a:p>
+            <a:endParaRPr/>
+          </a:p>
         </p:txBody>
       </p:sp>
       <p:sp>
         <p:nvSpPr>
           <p:cNvPr id="46" name="Google Shape;46;p9"/>
-          <p:cNvSpPr txBox="1"/>
+          <p:cNvSpPr txBox="1">
+            <a:spLocks noGrp="1"/>
+          </p:cNvSpPr>
           <p:nvPr>
-            <p:ph idx="1" type="subTitle"/>
+            <p:ph type="subTitle" idx="1"/>
           </p:nvPr>
         </p:nvSpPr>
         <p:spPr>
@@ -4549,7 +4669,7 @@
           </a:prstGeom>
         </p:spPr>
         <p:txBody>
-          <a:bodyPr anchorCtr="0" anchor="t" bIns="91425" lIns="91425" spcFirstLastPara="1" rIns="91425" wrap="square" tIns="91425">
+          <a:bodyPr spcFirstLastPara="1" wrap="square" lIns="91425" tIns="91425" rIns="91425" bIns="91425" anchor="t" anchorCtr="0">
             <a:normAutofit/>
           </a:bodyPr>
           <a:lstStyle>
@@ -4743,15 +4863,19 @@
               </a:defRPr>
             </a:lvl9pPr>
           </a:lstStyle>
-          <a:p/>
+          <a:p>
+            <a:endParaRPr/>
+          </a:p>
         </p:txBody>
       </p:sp>
       <p:sp>
         <p:nvSpPr>
           <p:cNvPr id="47" name="Google Shape;47;p9"/>
-          <p:cNvSpPr txBox="1"/>
+          <p:cNvSpPr txBox="1">
+            <a:spLocks noGrp="1"/>
+          </p:cNvSpPr>
           <p:nvPr>
-            <p:ph idx="2" type="body"/>
+            <p:ph type="body" idx="2"/>
           </p:nvPr>
         </p:nvSpPr>
         <p:spPr>
@@ -4764,11 +4888,11 @@
           </a:prstGeom>
         </p:spPr>
         <p:txBody>
-          <a:bodyPr anchorCtr="0" anchor="ctr" bIns="91425" lIns="91425" spcFirstLastPara="1" rIns="91425" wrap="square" tIns="91425">
+          <a:bodyPr spcFirstLastPara="1" wrap="square" lIns="91425" tIns="91425" rIns="91425" bIns="91425" anchor="ctr" anchorCtr="0">
             <a:normAutofit/>
           </a:bodyPr>
           <a:lstStyle>
-            <a:lvl1pPr indent="-342900" lvl="0" marL="457200">
+            <a:lvl1pPr marL="457200" lvl="0" indent="-342900">
               <a:spcBef>
                 <a:spcPts val="0"/>
               </a:spcBef>
@@ -4779,7 +4903,7 @@
               <a:buChar char="●"/>
               <a:defRPr/>
             </a:lvl1pPr>
-            <a:lvl2pPr indent="-317500" lvl="1" marL="914400">
+            <a:lvl2pPr marL="914400" lvl="1" indent="-317500">
               <a:spcBef>
                 <a:spcPts val="0"/>
               </a:spcBef>
@@ -4790,7 +4914,7 @@
               <a:buChar char="○"/>
               <a:defRPr/>
             </a:lvl2pPr>
-            <a:lvl3pPr indent="-317500" lvl="2" marL="1371600">
+            <a:lvl3pPr marL="1371600" lvl="2" indent="-317500">
               <a:spcBef>
                 <a:spcPts val="0"/>
               </a:spcBef>
@@ -4801,7 +4925,7 @@
               <a:buChar char="■"/>
               <a:defRPr/>
             </a:lvl3pPr>
-            <a:lvl4pPr indent="-317500" lvl="3" marL="1828800">
+            <a:lvl4pPr marL="1828800" lvl="3" indent="-317500">
               <a:spcBef>
                 <a:spcPts val="0"/>
               </a:spcBef>
@@ -4812,7 +4936,7 @@
               <a:buChar char="●"/>
               <a:defRPr/>
             </a:lvl4pPr>
-            <a:lvl5pPr indent="-317500" lvl="4" marL="2286000">
+            <a:lvl5pPr marL="2286000" lvl="4" indent="-317500">
               <a:spcBef>
                 <a:spcPts val="0"/>
               </a:spcBef>
@@ -4823,7 +4947,7 @@
               <a:buChar char="○"/>
               <a:defRPr/>
             </a:lvl5pPr>
-            <a:lvl6pPr indent="-317500" lvl="5" marL="2743200">
+            <a:lvl6pPr marL="2743200" lvl="5" indent="-317500">
               <a:spcBef>
                 <a:spcPts val="0"/>
               </a:spcBef>
@@ -4834,7 +4958,7 @@
               <a:buChar char="■"/>
               <a:defRPr/>
             </a:lvl6pPr>
-            <a:lvl7pPr indent="-317500" lvl="6" marL="3200400">
+            <a:lvl7pPr marL="3200400" lvl="6" indent="-317500">
               <a:spcBef>
                 <a:spcPts val="0"/>
               </a:spcBef>
@@ -4845,7 +4969,7 @@
               <a:buChar char="●"/>
               <a:defRPr/>
             </a:lvl7pPr>
-            <a:lvl8pPr indent="-317500" lvl="7" marL="3657600">
+            <a:lvl8pPr marL="3657600" lvl="7" indent="-317500">
               <a:spcBef>
                 <a:spcPts val="0"/>
               </a:spcBef>
@@ -4856,7 +4980,7 @@
               <a:buChar char="○"/>
               <a:defRPr/>
             </a:lvl8pPr>
-            <a:lvl9pPr indent="-317500" lvl="8" marL="4114800">
+            <a:lvl9pPr marL="4114800" lvl="8" indent="-317500">
               <a:spcBef>
                 <a:spcPts val="0"/>
               </a:spcBef>
@@ -4868,15 +4992,19 @@
               <a:defRPr/>
             </a:lvl9pPr>
           </a:lstStyle>
-          <a:p/>
+          <a:p>
+            <a:endParaRPr/>
+          </a:p>
         </p:txBody>
       </p:sp>
       <p:sp>
         <p:nvSpPr>
           <p:cNvPr id="48" name="Google Shape;48;p9"/>
-          <p:cNvSpPr txBox="1"/>
+          <p:cNvSpPr txBox="1">
+            <a:spLocks noGrp="1"/>
+          </p:cNvSpPr>
           <p:nvPr>
-            <p:ph idx="12" type="sldNum"/>
+            <p:ph type="sldNum" idx="12"/>
           </p:nvPr>
         </p:nvSpPr>
         <p:spPr>
@@ -4889,7 +5017,7 @@
           </a:prstGeom>
         </p:spPr>
         <p:txBody>
-          <a:bodyPr anchorCtr="0" anchor="ctr" bIns="91425" lIns="91425" spcFirstLastPara="1" rIns="91425" wrap="square" tIns="91425">
+          <a:bodyPr spcFirstLastPara="1" wrap="square" lIns="91425" tIns="91425" rIns="91425" bIns="91425" anchor="ctr" anchorCtr="0">
             <a:normAutofit/>
           </a:bodyPr>
           <a:lstStyle>
@@ -4931,7 +5059,7 @@
             </a:lvl9pPr>
           </a:lstStyle>
           <a:p>
-            <a:pPr indent="0" lvl="0" marL="0" rtl="0" algn="r">
+            <a:pPr marL="0" lvl="0" indent="0" algn="r" rtl="0">
               <a:spcBef>
                 <a:spcPts val="0"/>
               </a:spcBef>
@@ -4957,11 +5085,11 @@
 </file>
 
 <file path=ppt/slideLayouts/slideLayout9.xml><?xml version="1.0" encoding="utf-8"?>
-<p:sldLayout xmlns:a="http://schemas.openxmlformats.org/drawingml/2006/main" xmlns:r="http://schemas.openxmlformats.org/officeDocument/2006/relationships" xmlns:mc="http://schemas.openxmlformats.org/markup-compatibility/2006" xmlns:mv="urn:schemas-microsoft-com:mac:vml" xmlns:p="http://schemas.openxmlformats.org/presentationml/2006/main" xmlns:c="http://schemas.openxmlformats.org/drawingml/2006/chart" xmlns:dgm="http://schemas.openxmlformats.org/drawingml/2006/diagram" xmlns:o="urn:schemas-microsoft-com:office:office" xmlns:v="urn:schemas-microsoft-com:vml" xmlns:pvml="urn:schemas-microsoft-com:office:powerpoint" xmlns:com="http://schemas.openxmlformats.org/drawingml/2006/compatibility" xmlns:p14="http://schemas.microsoft.com/office/powerpoint/2010/main" xmlns:p15="http://schemas.microsoft.com/office/powerpoint/2012/main" xmlns:ahyp="http://schemas.microsoft.com/office/drawing/2018/hyperlinkcolor" matchingName="Caption">
+<p:sldLayout xmlns:a="http://schemas.openxmlformats.org/drawingml/2006/main" xmlns:r="http://schemas.openxmlformats.org/officeDocument/2006/relationships" xmlns:p="http://schemas.openxmlformats.org/presentationml/2006/main" matchingName="Caption">
   <p:cSld name="CAPTION_ONLY">
     <p:spTree>
       <p:nvGrpSpPr>
-        <p:cNvPr id="49" name="Shape 49"/>
+        <p:cNvPr id="1" name="Shape 49"/>
         <p:cNvGrpSpPr/>
         <p:nvPr/>
       </p:nvGrpSpPr>
@@ -4976,9 +5104,11 @@
       <p:sp>
         <p:nvSpPr>
           <p:cNvPr id="50" name="Google Shape;50;p10"/>
-          <p:cNvSpPr txBox="1"/>
+          <p:cNvSpPr txBox="1">
+            <a:spLocks noGrp="1"/>
+          </p:cNvSpPr>
           <p:nvPr>
-            <p:ph idx="1" type="body"/>
+            <p:ph type="body" idx="1"/>
           </p:nvPr>
         </p:nvSpPr>
         <p:spPr>
@@ -4991,11 +5121,11 @@
           </a:prstGeom>
         </p:spPr>
         <p:txBody>
-          <a:bodyPr anchorCtr="0" anchor="ctr" bIns="91425" lIns="91425" spcFirstLastPara="1" rIns="91425" wrap="square" tIns="91425">
+          <a:bodyPr spcFirstLastPara="1" wrap="square" lIns="91425" tIns="91425" rIns="91425" bIns="91425" anchor="ctr" anchorCtr="0">
             <a:normAutofit/>
           </a:bodyPr>
           <a:lstStyle>
-            <a:lvl1pPr indent="-228600" lvl="0" marL="457200">
+            <a:lvl1pPr marL="457200" lvl="0" indent="-228600">
               <a:lnSpc>
                 <a:spcPct val="100000"/>
               </a:lnSpc>
@@ -5016,15 +5146,19 @@
               </a:defRPr>
             </a:lvl1pPr>
           </a:lstStyle>
-          <a:p/>
+          <a:p>
+            <a:endParaRPr/>
+          </a:p>
         </p:txBody>
       </p:sp>
       <p:sp>
         <p:nvSpPr>
           <p:cNvPr id="51" name="Google Shape;51;p10"/>
-          <p:cNvSpPr txBox="1"/>
+          <p:cNvSpPr txBox="1">
+            <a:spLocks noGrp="1"/>
+          </p:cNvSpPr>
           <p:nvPr>
-            <p:ph idx="12" type="sldNum"/>
+            <p:ph type="sldNum" idx="12"/>
           </p:nvPr>
         </p:nvSpPr>
         <p:spPr>
@@ -5037,7 +5171,7 @@
           </a:prstGeom>
         </p:spPr>
         <p:txBody>
-          <a:bodyPr anchorCtr="0" anchor="ctr" bIns="91425" lIns="91425" spcFirstLastPara="1" rIns="91425" wrap="square" tIns="91425">
+          <a:bodyPr spcFirstLastPara="1" wrap="square" lIns="91425" tIns="91425" rIns="91425" bIns="91425" anchor="ctr" anchorCtr="0">
             <a:normAutofit/>
           </a:bodyPr>
           <a:lstStyle>
@@ -5079,7 +5213,7 @@
             </a:lvl9pPr>
           </a:lstStyle>
           <a:p>
-            <a:pPr indent="0" lvl="0" marL="0" rtl="0" algn="r">
+            <a:pPr marL="0" lvl="0" indent="0" algn="r" rtl="0">
               <a:spcBef>
                 <a:spcPts val="0"/>
               </a:spcBef>
@@ -5105,18 +5239,19 @@
 </file>
 
 <file path=ppt/slideMasters/slideMaster1.xml><?xml version="1.0" encoding="utf-8"?>
-<p:sldMaster xmlns:a="http://schemas.openxmlformats.org/drawingml/2006/main" xmlns:r="http://schemas.openxmlformats.org/officeDocument/2006/relationships" xmlns:mc="http://schemas.openxmlformats.org/markup-compatibility/2006" xmlns:mv="urn:schemas-microsoft-com:mac:vml" xmlns:p="http://schemas.openxmlformats.org/presentationml/2006/main" xmlns:c="http://schemas.openxmlformats.org/drawingml/2006/chart" xmlns:dgm="http://schemas.openxmlformats.org/drawingml/2006/diagram" xmlns:o="urn:schemas-microsoft-com:office:office" xmlns:v="urn:schemas-microsoft-com:vml" xmlns:pvml="urn:schemas-microsoft-com:office:powerpoint" xmlns:com="http://schemas.openxmlformats.org/drawingml/2006/compatibility" xmlns:p14="http://schemas.microsoft.com/office/powerpoint/2010/main" xmlns:p15="http://schemas.microsoft.com/office/powerpoint/2012/main" xmlns:ahyp="http://schemas.microsoft.com/office/drawing/2018/hyperlinkcolor">
+<p:sldMaster xmlns:a="http://schemas.openxmlformats.org/drawingml/2006/main" xmlns:r="http://schemas.openxmlformats.org/officeDocument/2006/relationships" xmlns:p="http://schemas.openxmlformats.org/presentationml/2006/main">
   <p:cSld name="marina">
     <p:bg>
       <p:bgPr>
         <a:solidFill>
           <a:schemeClr val="lt1"/>
         </a:solidFill>
+        <a:effectLst/>
       </p:bgPr>
     </p:bg>
     <p:spTree>
       <p:nvGrpSpPr>
-        <p:cNvPr id="5" name="Shape 5"/>
+        <p:cNvPr id="1" name="Shape 5"/>
         <p:cNvGrpSpPr/>
         <p:nvPr/>
       </p:nvGrpSpPr>
@@ -5131,7 +5266,9 @@
       <p:sp>
         <p:nvSpPr>
           <p:cNvPr id="6" name="Google Shape;6;p1"/>
-          <p:cNvSpPr txBox="1"/>
+          <p:cNvSpPr txBox="1">
+            <a:spLocks noGrp="1"/>
+          </p:cNvSpPr>
           <p:nvPr>
             <p:ph type="title"/>
           </p:nvPr>
@@ -5150,7 +5287,7 @@
           </a:ln>
         </p:spPr>
         <p:txBody>
-          <a:bodyPr anchorCtr="0" anchor="b" bIns="91425" lIns="91425" spcFirstLastPara="1" rIns="91425" wrap="square" tIns="91425">
+          <a:bodyPr spcFirstLastPara="1" wrap="square" lIns="91425" tIns="91425" rIns="91425" bIns="91425" anchor="b" anchorCtr="0">
             <a:normAutofit/>
           </a:bodyPr>
           <a:lstStyle>
@@ -5362,15 +5499,19 @@
               </a:defRPr>
             </a:lvl9pPr>
           </a:lstStyle>
-          <a:p/>
+          <a:p>
+            <a:endParaRPr/>
+          </a:p>
         </p:txBody>
       </p:sp>
       <p:sp>
         <p:nvSpPr>
           <p:cNvPr id="7" name="Google Shape;7;p1"/>
-          <p:cNvSpPr txBox="1"/>
+          <p:cNvSpPr txBox="1">
+            <a:spLocks noGrp="1"/>
+          </p:cNvSpPr>
           <p:nvPr>
-            <p:ph idx="1" type="body"/>
+            <p:ph type="body" idx="1"/>
           </p:nvPr>
         </p:nvSpPr>
         <p:spPr>
@@ -5387,11 +5528,11 @@
           </a:ln>
         </p:spPr>
         <p:txBody>
-          <a:bodyPr anchorCtr="0" anchor="t" bIns="91425" lIns="91425" spcFirstLastPara="1" rIns="91425" wrap="square" tIns="91425">
+          <a:bodyPr spcFirstLastPara="1" wrap="square" lIns="91425" tIns="91425" rIns="91425" bIns="91425" anchor="t" anchorCtr="0">
             <a:normAutofit/>
           </a:bodyPr>
           <a:lstStyle>
-            <a:lvl1pPr indent="-342900" lvl="0" marL="457200">
+            <a:lvl1pPr marL="457200" lvl="0" indent="-342900">
               <a:lnSpc>
                 <a:spcPct val="115000"/>
               </a:lnSpc>
@@ -5417,7 +5558,7 @@
                 <a:sym typeface="Roboto"/>
               </a:defRPr>
             </a:lvl1pPr>
-            <a:lvl2pPr indent="-317500" lvl="1" marL="914400">
+            <a:lvl2pPr marL="914400" lvl="1" indent="-317500">
               <a:lnSpc>
                 <a:spcPct val="115000"/>
               </a:lnSpc>
@@ -5443,7 +5584,7 @@
                 <a:sym typeface="Roboto"/>
               </a:defRPr>
             </a:lvl2pPr>
-            <a:lvl3pPr indent="-317500" lvl="2" marL="1371600">
+            <a:lvl3pPr marL="1371600" lvl="2" indent="-317500">
               <a:lnSpc>
                 <a:spcPct val="115000"/>
               </a:lnSpc>
@@ -5469,7 +5610,7 @@
                 <a:sym typeface="Roboto"/>
               </a:defRPr>
             </a:lvl3pPr>
-            <a:lvl4pPr indent="-317500" lvl="3" marL="1828800">
+            <a:lvl4pPr marL="1828800" lvl="3" indent="-317500">
               <a:lnSpc>
                 <a:spcPct val="115000"/>
               </a:lnSpc>
@@ -5495,7 +5636,7 @@
                 <a:sym typeface="Roboto"/>
               </a:defRPr>
             </a:lvl4pPr>
-            <a:lvl5pPr indent="-317500" lvl="4" marL="2286000">
+            <a:lvl5pPr marL="2286000" lvl="4" indent="-317500">
               <a:lnSpc>
                 <a:spcPct val="115000"/>
               </a:lnSpc>
@@ -5521,7 +5662,7 @@
                 <a:sym typeface="Roboto"/>
               </a:defRPr>
             </a:lvl5pPr>
-            <a:lvl6pPr indent="-317500" lvl="5" marL="2743200">
+            <a:lvl6pPr marL="2743200" lvl="5" indent="-317500">
               <a:lnSpc>
                 <a:spcPct val="115000"/>
               </a:lnSpc>
@@ -5547,7 +5688,7 @@
                 <a:sym typeface="Roboto"/>
               </a:defRPr>
             </a:lvl6pPr>
-            <a:lvl7pPr indent="-317500" lvl="6" marL="3200400">
+            <a:lvl7pPr marL="3200400" lvl="6" indent="-317500">
               <a:lnSpc>
                 <a:spcPct val="115000"/>
               </a:lnSpc>
@@ -5573,7 +5714,7 @@
                 <a:sym typeface="Roboto"/>
               </a:defRPr>
             </a:lvl7pPr>
-            <a:lvl8pPr indent="-317500" lvl="7" marL="3657600">
+            <a:lvl8pPr marL="3657600" lvl="7" indent="-317500">
               <a:lnSpc>
                 <a:spcPct val="115000"/>
               </a:lnSpc>
@@ -5599,7 +5740,7 @@
                 <a:sym typeface="Roboto"/>
               </a:defRPr>
             </a:lvl8pPr>
-            <a:lvl9pPr indent="-317500" lvl="8" marL="4114800">
+            <a:lvl9pPr marL="4114800" lvl="8" indent="-317500">
               <a:lnSpc>
                 <a:spcPct val="115000"/>
               </a:lnSpc>
@@ -5626,15 +5767,19 @@
               </a:defRPr>
             </a:lvl9pPr>
           </a:lstStyle>
-          <a:p/>
+          <a:p>
+            <a:endParaRPr/>
+          </a:p>
         </p:txBody>
       </p:sp>
       <p:sp>
         <p:nvSpPr>
           <p:cNvPr id="8" name="Google Shape;8;p1"/>
-          <p:cNvSpPr txBox="1"/>
+          <p:cNvSpPr txBox="1">
+            <a:spLocks noGrp="1"/>
+          </p:cNvSpPr>
           <p:nvPr>
-            <p:ph idx="12" type="sldNum"/>
+            <p:ph type="sldNum" idx="12"/>
           </p:nvPr>
         </p:nvSpPr>
         <p:spPr>
@@ -5651,7 +5796,7 @@
           </a:ln>
         </p:spPr>
         <p:txBody>
-          <a:bodyPr anchorCtr="0" anchor="ctr" bIns="91425" lIns="91425" spcFirstLastPara="1" rIns="91425" wrap="square" tIns="91425">
+          <a:bodyPr spcFirstLastPara="1" wrap="square" lIns="91425" tIns="91425" rIns="91425" bIns="91425" anchor="ctr" anchorCtr="0">
             <a:normAutofit/>
           </a:bodyPr>
           <a:lstStyle>
@@ -5765,7 +5910,7 @@
             </a:lvl9pPr>
           </a:lstStyle>
           <a:p>
-            <a:pPr indent="0" lvl="0" marL="0" rtl="0" algn="r">
+            <a:pPr marL="0" lvl="0" indent="0" algn="r" rtl="0">
               <a:spcBef>
                 <a:spcPts val="0"/>
               </a:spcBef>
@@ -5784,7 +5929,7 @@
       </p:sp>
     </p:spTree>
   </p:cSld>
-  <p:clrMap accent1="accent1" accent2="accent2" accent3="accent3" accent4="accent4" accent5="accent5" accent6="accent6" bg1="lt1" bg2="dk2" tx1="dk1" tx2="lt2" folHlink="folHlink" hlink="hlink"/>
+  <p:clrMap bg1="lt1" tx1="dk1" bg2="dk2" tx2="lt2" accent1="accent1" accent2="accent2" accent3="accent3" accent4="accent4" accent5="accent5" accent6="accent6" hlink="hlink" folHlink="folHlink"/>
   <p:sldLayoutIdLst>
     <p:sldLayoutId id="2147483648" r:id="rId1"/>
     <p:sldLayoutId id="2147483649" r:id="rId2"/>
@@ -5798,10 +5943,10 @@
     <p:sldLayoutId id="2147483657" r:id="rId10"/>
     <p:sldLayoutId id="2147483658" r:id="rId11"/>
   </p:sldLayoutIdLst>
-  <p:hf dt="0" ftr="0" hdr="0" sldNum="0"/>
+  <p:hf sldNum="0" hdr="0" ftr="0" dt="0"/>
   <p:txStyles>
     <p:titleStyle>
-      <a:defPPr lvl="0" marR="0" rtl="0" algn="l">
+      <a:defPPr marR="0" lvl="0" algn="l" rtl="0">
         <a:lnSpc>
           <a:spcPct val="100000"/>
         </a:lnSpc>
@@ -5812,7 +5957,7 @@
           <a:spcPts val="0"/>
         </a:spcAft>
       </a:defPPr>
-      <a:lvl1pPr lvl="0" marR="0" rtl="0" algn="l">
+      <a:lvl1pPr marR="0" lvl="0" algn="l" rtl="0">
         <a:lnSpc>
           <a:spcPct val="100000"/>
         </a:lnSpc>
@@ -5826,7 +5971,7 @@
           <a:srgbClr val="000000"/>
         </a:buClr>
         <a:buFont typeface="Arial"/>
-        <a:defRPr b="0" i="0" sz="1400" u="none" cap="none" strike="noStrike">
+        <a:defRPr sz="1400" b="0" i="0" u="none" strike="noStrike" cap="none">
           <a:solidFill>
             <a:srgbClr val="000000"/>
           </a:solidFill>
@@ -5836,7 +5981,7 @@
           <a:sym typeface="Arial"/>
         </a:defRPr>
       </a:lvl1pPr>
-      <a:lvl2pPr lvl="1" marR="0" rtl="0" algn="l">
+      <a:lvl2pPr marR="0" lvl="1" algn="l" rtl="0">
         <a:lnSpc>
           <a:spcPct val="100000"/>
         </a:lnSpc>
@@ -5850,7 +5995,7 @@
           <a:srgbClr val="000000"/>
         </a:buClr>
         <a:buFont typeface="Arial"/>
-        <a:defRPr b="0" i="0" sz="1400" u="none" cap="none" strike="noStrike">
+        <a:defRPr sz="1400" b="0" i="0" u="none" strike="noStrike" cap="none">
           <a:solidFill>
             <a:srgbClr val="000000"/>
           </a:solidFill>
@@ -5860,7 +6005,7 @@
           <a:sym typeface="Arial"/>
         </a:defRPr>
       </a:lvl2pPr>
-      <a:lvl3pPr lvl="2" marR="0" rtl="0" algn="l">
+      <a:lvl3pPr marR="0" lvl="2" algn="l" rtl="0">
         <a:lnSpc>
           <a:spcPct val="100000"/>
         </a:lnSpc>
@@ -5874,7 +6019,7 @@
           <a:srgbClr val="000000"/>
         </a:buClr>
         <a:buFont typeface="Arial"/>
-        <a:defRPr b="0" i="0" sz="1400" u="none" cap="none" strike="noStrike">
+        <a:defRPr sz="1400" b="0" i="0" u="none" strike="noStrike" cap="none">
           <a:solidFill>
             <a:srgbClr val="000000"/>
           </a:solidFill>
@@ -5884,7 +6029,7 @@
           <a:sym typeface="Arial"/>
         </a:defRPr>
       </a:lvl3pPr>
-      <a:lvl4pPr lvl="3" marR="0" rtl="0" algn="l">
+      <a:lvl4pPr marR="0" lvl="3" algn="l" rtl="0">
         <a:lnSpc>
           <a:spcPct val="100000"/>
         </a:lnSpc>
@@ -5898,7 +6043,7 @@
           <a:srgbClr val="000000"/>
         </a:buClr>
         <a:buFont typeface="Arial"/>
-        <a:defRPr b="0" i="0" sz="1400" u="none" cap="none" strike="noStrike">
+        <a:defRPr sz="1400" b="0" i="0" u="none" strike="noStrike" cap="none">
           <a:solidFill>
             <a:srgbClr val="000000"/>
           </a:solidFill>
@@ -5908,7 +6053,7 @@
           <a:sym typeface="Arial"/>
         </a:defRPr>
       </a:lvl4pPr>
-      <a:lvl5pPr lvl="4" marR="0" rtl="0" algn="l">
+      <a:lvl5pPr marR="0" lvl="4" algn="l" rtl="0">
         <a:lnSpc>
           <a:spcPct val="100000"/>
         </a:lnSpc>
@@ -5922,7 +6067,7 @@
           <a:srgbClr val="000000"/>
         </a:buClr>
         <a:buFont typeface="Arial"/>
-        <a:defRPr b="0" i="0" sz="1400" u="none" cap="none" strike="noStrike">
+        <a:defRPr sz="1400" b="0" i="0" u="none" strike="noStrike" cap="none">
           <a:solidFill>
             <a:srgbClr val="000000"/>
           </a:solidFill>
@@ -5932,7 +6077,7 @@
           <a:sym typeface="Arial"/>
         </a:defRPr>
       </a:lvl5pPr>
-      <a:lvl6pPr lvl="5" marR="0" rtl="0" algn="l">
+      <a:lvl6pPr marR="0" lvl="5" algn="l" rtl="0">
         <a:lnSpc>
           <a:spcPct val="100000"/>
         </a:lnSpc>
@@ -5946,7 +6091,7 @@
           <a:srgbClr val="000000"/>
         </a:buClr>
         <a:buFont typeface="Arial"/>
-        <a:defRPr b="0" i="0" sz="1400" u="none" cap="none" strike="noStrike">
+        <a:defRPr sz="1400" b="0" i="0" u="none" strike="noStrike" cap="none">
           <a:solidFill>
             <a:srgbClr val="000000"/>
           </a:solidFill>
@@ -5956,7 +6101,7 @@
           <a:sym typeface="Arial"/>
         </a:defRPr>
       </a:lvl6pPr>
-      <a:lvl7pPr lvl="6" marR="0" rtl="0" algn="l">
+      <a:lvl7pPr marR="0" lvl="6" algn="l" rtl="0">
         <a:lnSpc>
           <a:spcPct val="100000"/>
         </a:lnSpc>
@@ -5970,7 +6115,7 @@
           <a:srgbClr val="000000"/>
         </a:buClr>
         <a:buFont typeface="Arial"/>
-        <a:defRPr b="0" i="0" sz="1400" u="none" cap="none" strike="noStrike">
+        <a:defRPr sz="1400" b="0" i="0" u="none" strike="noStrike" cap="none">
           <a:solidFill>
             <a:srgbClr val="000000"/>
           </a:solidFill>
@@ -5980,7 +6125,7 @@
           <a:sym typeface="Arial"/>
         </a:defRPr>
       </a:lvl7pPr>
-      <a:lvl8pPr lvl="7" marR="0" rtl="0" algn="l">
+      <a:lvl8pPr marR="0" lvl="7" algn="l" rtl="0">
         <a:lnSpc>
           <a:spcPct val="100000"/>
         </a:lnSpc>
@@ -5994,7 +6139,7 @@
           <a:srgbClr val="000000"/>
         </a:buClr>
         <a:buFont typeface="Arial"/>
-        <a:defRPr b="0" i="0" sz="1400" u="none" cap="none" strike="noStrike">
+        <a:defRPr sz="1400" b="0" i="0" u="none" strike="noStrike" cap="none">
           <a:solidFill>
             <a:srgbClr val="000000"/>
           </a:solidFill>
@@ -6004,7 +6149,7 @@
           <a:sym typeface="Arial"/>
         </a:defRPr>
       </a:lvl8pPr>
-      <a:lvl9pPr lvl="8" marR="0" rtl="0" algn="l">
+      <a:lvl9pPr marR="0" lvl="8" algn="l" rtl="0">
         <a:lnSpc>
           <a:spcPct val="100000"/>
         </a:lnSpc>
@@ -6018,7 +6163,7 @@
           <a:srgbClr val="000000"/>
         </a:buClr>
         <a:buFont typeface="Arial"/>
-        <a:defRPr b="0" i="0" sz="1400" u="none" cap="none" strike="noStrike">
+        <a:defRPr sz="1400" b="0" i="0" u="none" strike="noStrike" cap="none">
           <a:solidFill>
             <a:srgbClr val="000000"/>
           </a:solidFill>
@@ -6030,7 +6175,7 @@
       </a:lvl9pPr>
     </p:titleStyle>
     <p:bodyStyle>
-      <a:defPPr lvl="0" marR="0" rtl="0" algn="l">
+      <a:defPPr marR="0" lvl="0" algn="l" rtl="0">
         <a:lnSpc>
           <a:spcPct val="100000"/>
         </a:lnSpc>
@@ -6041,7 +6186,7 @@
           <a:spcPts val="0"/>
         </a:spcAft>
       </a:defPPr>
-      <a:lvl1pPr lvl="0" marR="0" rtl="0" algn="l">
+      <a:lvl1pPr marR="0" lvl="0" algn="l" rtl="0">
         <a:lnSpc>
           <a:spcPct val="100000"/>
         </a:lnSpc>
@@ -6055,7 +6200,7 @@
           <a:srgbClr val="000000"/>
         </a:buClr>
         <a:buFont typeface="Arial"/>
-        <a:defRPr b="0" i="0" sz="1400" u="none" cap="none" strike="noStrike">
+        <a:defRPr sz="1400" b="0" i="0" u="none" strike="noStrike" cap="none">
           <a:solidFill>
             <a:srgbClr val="000000"/>
           </a:solidFill>
@@ -6065,7 +6210,7 @@
           <a:sym typeface="Arial"/>
         </a:defRPr>
       </a:lvl1pPr>
-      <a:lvl2pPr lvl="1" marR="0" rtl="0" algn="l">
+      <a:lvl2pPr marR="0" lvl="1" algn="l" rtl="0">
         <a:lnSpc>
           <a:spcPct val="100000"/>
         </a:lnSpc>
@@ -6079,7 +6224,7 @@
           <a:srgbClr val="000000"/>
         </a:buClr>
         <a:buFont typeface="Arial"/>
-        <a:defRPr b="0" i="0" sz="1400" u="none" cap="none" strike="noStrike">
+        <a:defRPr sz="1400" b="0" i="0" u="none" strike="noStrike" cap="none">
           <a:solidFill>
             <a:srgbClr val="000000"/>
           </a:solidFill>
@@ -6089,7 +6234,7 @@
           <a:sym typeface="Arial"/>
         </a:defRPr>
       </a:lvl2pPr>
-      <a:lvl3pPr lvl="2" marR="0" rtl="0" algn="l">
+      <a:lvl3pPr marR="0" lvl="2" algn="l" rtl="0">
         <a:lnSpc>
           <a:spcPct val="100000"/>
         </a:lnSpc>
@@ -6103,7 +6248,7 @@
           <a:srgbClr val="000000"/>
         </a:buClr>
         <a:buFont typeface="Arial"/>
-        <a:defRPr b="0" i="0" sz="1400" u="none" cap="none" strike="noStrike">
+        <a:defRPr sz="1400" b="0" i="0" u="none" strike="noStrike" cap="none">
           <a:solidFill>
             <a:srgbClr val="000000"/>
           </a:solidFill>
@@ -6113,7 +6258,7 @@
           <a:sym typeface="Arial"/>
         </a:defRPr>
       </a:lvl3pPr>
-      <a:lvl4pPr lvl="3" marR="0" rtl="0" algn="l">
+      <a:lvl4pPr marR="0" lvl="3" algn="l" rtl="0">
         <a:lnSpc>
           <a:spcPct val="100000"/>
         </a:lnSpc>
@@ -6127,7 +6272,7 @@
           <a:srgbClr val="000000"/>
         </a:buClr>
         <a:buFont typeface="Arial"/>
-        <a:defRPr b="0" i="0" sz="1400" u="none" cap="none" strike="noStrike">
+        <a:defRPr sz="1400" b="0" i="0" u="none" strike="noStrike" cap="none">
           <a:solidFill>
             <a:srgbClr val="000000"/>
           </a:solidFill>
@@ -6137,7 +6282,7 @@
           <a:sym typeface="Arial"/>
         </a:defRPr>
       </a:lvl4pPr>
-      <a:lvl5pPr lvl="4" marR="0" rtl="0" algn="l">
+      <a:lvl5pPr marR="0" lvl="4" algn="l" rtl="0">
         <a:lnSpc>
           <a:spcPct val="100000"/>
         </a:lnSpc>
@@ -6151,7 +6296,7 @@
           <a:srgbClr val="000000"/>
         </a:buClr>
         <a:buFont typeface="Arial"/>
-        <a:defRPr b="0" i="0" sz="1400" u="none" cap="none" strike="noStrike">
+        <a:defRPr sz="1400" b="0" i="0" u="none" strike="noStrike" cap="none">
           <a:solidFill>
             <a:srgbClr val="000000"/>
           </a:solidFill>
@@ -6161,7 +6306,7 @@
           <a:sym typeface="Arial"/>
         </a:defRPr>
       </a:lvl5pPr>
-      <a:lvl6pPr lvl="5" marR="0" rtl="0" algn="l">
+      <a:lvl6pPr marR="0" lvl="5" algn="l" rtl="0">
         <a:lnSpc>
           <a:spcPct val="100000"/>
         </a:lnSpc>
@@ -6175,7 +6320,7 @@
           <a:srgbClr val="000000"/>
         </a:buClr>
         <a:buFont typeface="Arial"/>
-        <a:defRPr b="0" i="0" sz="1400" u="none" cap="none" strike="noStrike">
+        <a:defRPr sz="1400" b="0" i="0" u="none" strike="noStrike" cap="none">
           <a:solidFill>
             <a:srgbClr val="000000"/>
           </a:solidFill>
@@ -6185,7 +6330,7 @@
           <a:sym typeface="Arial"/>
         </a:defRPr>
       </a:lvl6pPr>
-      <a:lvl7pPr lvl="6" marR="0" rtl="0" algn="l">
+      <a:lvl7pPr marR="0" lvl="6" algn="l" rtl="0">
         <a:lnSpc>
           <a:spcPct val="100000"/>
         </a:lnSpc>
@@ -6199,7 +6344,7 @@
           <a:srgbClr val="000000"/>
         </a:buClr>
         <a:buFont typeface="Arial"/>
-        <a:defRPr b="0" i="0" sz="1400" u="none" cap="none" strike="noStrike">
+        <a:defRPr sz="1400" b="0" i="0" u="none" strike="noStrike" cap="none">
           <a:solidFill>
             <a:srgbClr val="000000"/>
           </a:solidFill>
@@ -6209,7 +6354,7 @@
           <a:sym typeface="Arial"/>
         </a:defRPr>
       </a:lvl7pPr>
-      <a:lvl8pPr lvl="7" marR="0" rtl="0" algn="l">
+      <a:lvl8pPr marR="0" lvl="7" algn="l" rtl="0">
         <a:lnSpc>
           <a:spcPct val="100000"/>
         </a:lnSpc>
@@ -6223,7 +6368,7 @@
           <a:srgbClr val="000000"/>
         </a:buClr>
         <a:buFont typeface="Arial"/>
-        <a:defRPr b="0" i="0" sz="1400" u="none" cap="none" strike="noStrike">
+        <a:defRPr sz="1400" b="0" i="0" u="none" strike="noStrike" cap="none">
           <a:solidFill>
             <a:srgbClr val="000000"/>
           </a:solidFill>
@@ -6233,7 +6378,7 @@
           <a:sym typeface="Arial"/>
         </a:defRPr>
       </a:lvl8pPr>
-      <a:lvl9pPr lvl="8" marR="0" rtl="0" algn="l">
+      <a:lvl9pPr marR="0" lvl="8" algn="l" rtl="0">
         <a:lnSpc>
           <a:spcPct val="100000"/>
         </a:lnSpc>
@@ -6247,7 +6392,7 @@
           <a:srgbClr val="000000"/>
         </a:buClr>
         <a:buFont typeface="Arial"/>
-        <a:defRPr b="0" i="0" sz="1400" u="none" cap="none" strike="noStrike">
+        <a:defRPr sz="1400" b="0" i="0" u="none" strike="noStrike" cap="none">
           <a:solidFill>
             <a:srgbClr val="000000"/>
           </a:solidFill>
@@ -6259,7 +6404,7 @@
       </a:lvl9pPr>
     </p:bodyStyle>
     <p:otherStyle>
-      <a:defPPr lvl="0" marR="0" rtl="0" algn="l">
+      <a:defPPr marR="0" lvl="0" algn="l" rtl="0">
         <a:lnSpc>
           <a:spcPct val="100000"/>
         </a:lnSpc>
@@ -6270,7 +6415,7 @@
           <a:spcPts val="0"/>
         </a:spcAft>
       </a:defPPr>
-      <a:lvl1pPr lvl="0" marR="0" rtl="0" algn="l">
+      <a:lvl1pPr marR="0" lvl="0" algn="l" rtl="0">
         <a:lnSpc>
           <a:spcPct val="100000"/>
         </a:lnSpc>
@@ -6284,7 +6429,7 @@
           <a:srgbClr val="000000"/>
         </a:buClr>
         <a:buFont typeface="Arial"/>
-        <a:defRPr b="0" i="0" sz="1400" u="none" cap="none" strike="noStrike">
+        <a:defRPr sz="1400" b="0" i="0" u="none" strike="noStrike" cap="none">
           <a:solidFill>
             <a:srgbClr val="000000"/>
           </a:solidFill>
@@ -6294,7 +6439,7 @@
           <a:sym typeface="Arial"/>
         </a:defRPr>
       </a:lvl1pPr>
-      <a:lvl2pPr lvl="1" marR="0" rtl="0" algn="l">
+      <a:lvl2pPr marR="0" lvl="1" algn="l" rtl="0">
         <a:lnSpc>
           <a:spcPct val="100000"/>
         </a:lnSpc>
@@ -6308,7 +6453,7 @@
           <a:srgbClr val="000000"/>
         </a:buClr>
         <a:buFont typeface="Arial"/>
-        <a:defRPr b="0" i="0" sz="1400" u="none" cap="none" strike="noStrike">
+        <a:defRPr sz="1400" b="0" i="0" u="none" strike="noStrike" cap="none">
           <a:solidFill>
             <a:srgbClr val="000000"/>
           </a:solidFill>
@@ -6318,7 +6463,7 @@
           <a:sym typeface="Arial"/>
         </a:defRPr>
       </a:lvl2pPr>
-      <a:lvl3pPr lvl="2" marR="0" rtl="0" algn="l">
+      <a:lvl3pPr marR="0" lvl="2" algn="l" rtl="0">
         <a:lnSpc>
           <a:spcPct val="100000"/>
         </a:lnSpc>
@@ -6332,7 +6477,7 @@
           <a:srgbClr val="000000"/>
         </a:buClr>
         <a:buFont typeface="Arial"/>
-        <a:defRPr b="0" i="0" sz="1400" u="none" cap="none" strike="noStrike">
+        <a:defRPr sz="1400" b="0" i="0" u="none" strike="noStrike" cap="none">
           <a:solidFill>
             <a:srgbClr val="000000"/>
           </a:solidFill>
@@ -6342,7 +6487,7 @@
           <a:sym typeface="Arial"/>
         </a:defRPr>
       </a:lvl3pPr>
-      <a:lvl4pPr lvl="3" marR="0" rtl="0" algn="l">
+      <a:lvl4pPr marR="0" lvl="3" algn="l" rtl="0">
         <a:lnSpc>
           <a:spcPct val="100000"/>
         </a:lnSpc>
@@ -6356,7 +6501,7 @@
           <a:srgbClr val="000000"/>
         </a:buClr>
         <a:buFont typeface="Arial"/>
-        <a:defRPr b="0" i="0" sz="1400" u="none" cap="none" strike="noStrike">
+        <a:defRPr sz="1400" b="0" i="0" u="none" strike="noStrike" cap="none">
           <a:solidFill>
             <a:srgbClr val="000000"/>
           </a:solidFill>
@@ -6366,7 +6511,7 @@
           <a:sym typeface="Arial"/>
         </a:defRPr>
       </a:lvl4pPr>
-      <a:lvl5pPr lvl="4" marR="0" rtl="0" algn="l">
+      <a:lvl5pPr marR="0" lvl="4" algn="l" rtl="0">
         <a:lnSpc>
           <a:spcPct val="100000"/>
         </a:lnSpc>
@@ -6380,7 +6525,7 @@
           <a:srgbClr val="000000"/>
         </a:buClr>
         <a:buFont typeface="Arial"/>
-        <a:defRPr b="0" i="0" sz="1400" u="none" cap="none" strike="noStrike">
+        <a:defRPr sz="1400" b="0" i="0" u="none" strike="noStrike" cap="none">
           <a:solidFill>
             <a:srgbClr val="000000"/>
           </a:solidFill>
@@ -6390,7 +6535,7 @@
           <a:sym typeface="Arial"/>
         </a:defRPr>
       </a:lvl5pPr>
-      <a:lvl6pPr lvl="5" marR="0" rtl="0" algn="l">
+      <a:lvl6pPr marR="0" lvl="5" algn="l" rtl="0">
         <a:lnSpc>
           <a:spcPct val="100000"/>
         </a:lnSpc>
@@ -6404,7 +6549,7 @@
           <a:srgbClr val="000000"/>
         </a:buClr>
         <a:buFont typeface="Arial"/>
-        <a:defRPr b="0" i="0" sz="1400" u="none" cap="none" strike="noStrike">
+        <a:defRPr sz="1400" b="0" i="0" u="none" strike="noStrike" cap="none">
           <a:solidFill>
             <a:srgbClr val="000000"/>
           </a:solidFill>
@@ -6414,7 +6559,7 @@
           <a:sym typeface="Arial"/>
         </a:defRPr>
       </a:lvl6pPr>
-      <a:lvl7pPr lvl="6" marR="0" rtl="0" algn="l">
+      <a:lvl7pPr marR="0" lvl="6" algn="l" rtl="0">
         <a:lnSpc>
           <a:spcPct val="100000"/>
         </a:lnSpc>
@@ -6428,7 +6573,7 @@
           <a:srgbClr val="000000"/>
         </a:buClr>
         <a:buFont typeface="Arial"/>
-        <a:defRPr b="0" i="0" sz="1400" u="none" cap="none" strike="noStrike">
+        <a:defRPr sz="1400" b="0" i="0" u="none" strike="noStrike" cap="none">
           <a:solidFill>
             <a:srgbClr val="000000"/>
           </a:solidFill>
@@ -6438,7 +6583,7 @@
           <a:sym typeface="Arial"/>
         </a:defRPr>
       </a:lvl7pPr>
-      <a:lvl8pPr lvl="7" marR="0" rtl="0" algn="l">
+      <a:lvl8pPr marR="0" lvl="7" algn="l" rtl="0">
         <a:lnSpc>
           <a:spcPct val="100000"/>
         </a:lnSpc>
@@ -6452,7 +6597,7 @@
           <a:srgbClr val="000000"/>
         </a:buClr>
         <a:buFont typeface="Arial"/>
-        <a:defRPr b="0" i="0" sz="1400" u="none" cap="none" strike="noStrike">
+        <a:defRPr sz="1400" b="0" i="0" u="none" strike="noStrike" cap="none">
           <a:solidFill>
             <a:srgbClr val="000000"/>
           </a:solidFill>
@@ -6462,7 +6607,7 @@
           <a:sym typeface="Arial"/>
         </a:defRPr>
       </a:lvl8pPr>
-      <a:lvl9pPr lvl="8" marR="0" rtl="0" algn="l">
+      <a:lvl9pPr marR="0" lvl="8" algn="l" rtl="0">
         <a:lnSpc>
           <a:spcPct val="100000"/>
         </a:lnSpc>
@@ -6476,7 +6621,7 @@
           <a:srgbClr val="000000"/>
         </a:buClr>
         <a:buFont typeface="Arial"/>
-        <a:defRPr b="0" i="0" sz="1400" u="none" cap="none" strike="noStrike">
+        <a:defRPr sz="1400" b="0" i="0" u="none" strike="noStrike" cap="none">
           <a:solidFill>
             <a:srgbClr val="000000"/>
           </a:solidFill>
@@ -6492,11 +6637,11 @@
 </file>
 
 <file path=ppt/slides/slide1.xml><?xml version="1.0" encoding="utf-8"?>
-<p:sld xmlns:a="http://schemas.openxmlformats.org/drawingml/2006/main" xmlns:r="http://schemas.openxmlformats.org/officeDocument/2006/relationships" xmlns:mc="http://schemas.openxmlformats.org/markup-compatibility/2006" xmlns:mv="urn:schemas-microsoft-com:mac:vml" xmlns:p="http://schemas.openxmlformats.org/presentationml/2006/main" xmlns:c="http://schemas.openxmlformats.org/drawingml/2006/chart" xmlns:dgm="http://schemas.openxmlformats.org/drawingml/2006/diagram" xmlns:o="urn:schemas-microsoft-com:office:office" xmlns:v="urn:schemas-microsoft-com:vml" xmlns:pvml="urn:schemas-microsoft-com:office:powerpoint" xmlns:com="http://schemas.openxmlformats.org/drawingml/2006/compatibility" xmlns:p14="http://schemas.microsoft.com/office/powerpoint/2010/main" xmlns:p15="http://schemas.microsoft.com/office/powerpoint/2012/main" xmlns:ahyp="http://schemas.microsoft.com/office/drawing/2018/hyperlinkcolor">
+<p:sld xmlns:a="http://schemas.openxmlformats.org/drawingml/2006/main" xmlns:r="http://schemas.openxmlformats.org/officeDocument/2006/relationships" xmlns:p="http://schemas.openxmlformats.org/presentationml/2006/main">
   <p:cSld>
     <p:spTree>
       <p:nvGrpSpPr>
-        <p:cNvPr id="62" name="Shape 62"/>
+        <p:cNvPr id="1" name="Shape 62"/>
         <p:cNvGrpSpPr/>
         <p:nvPr/>
       </p:nvGrpSpPr>
@@ -6511,7 +6656,9 @@
       <p:sp>
         <p:nvSpPr>
           <p:cNvPr id="63" name="Google Shape;63;p13"/>
-          <p:cNvSpPr txBox="1"/>
+          <p:cNvSpPr txBox="1">
+            <a:spLocks noGrp="1"/>
+          </p:cNvSpPr>
           <p:nvPr>
             <p:ph type="ctrTitle"/>
           </p:nvPr>
@@ -6526,12 +6673,12 @@
           </a:prstGeom>
         </p:spPr>
         <p:txBody>
-          <a:bodyPr anchorCtr="0" anchor="b" bIns="91425" lIns="91425" spcFirstLastPara="1" rIns="91425" wrap="square" tIns="91425">
+          <a:bodyPr spcFirstLastPara="1" wrap="square" lIns="91425" tIns="91425" rIns="91425" bIns="91425" anchor="b" anchorCtr="0">
             <a:normAutofit/>
           </a:bodyPr>
           <a:lstStyle/>
           <a:p>
-            <a:pPr indent="0" lvl="0" marL="0" rtl="0" algn="ctr">
+            <a:pPr marL="0" lvl="0" indent="0" algn="ctr" rtl="0">
               <a:spcBef>
                 <a:spcPts val="0"/>
               </a:spcBef>
@@ -6547,7 +6694,7 @@
             <a:endParaRPr/>
           </a:p>
           <a:p>
-            <a:pPr indent="-381000" lvl="0" marL="457200" rtl="0" algn="ctr">
+            <a:pPr marL="457200" lvl="0" indent="-381000" algn="ctr" rtl="0">
               <a:spcBef>
                 <a:spcPts val="0"/>
               </a:spcBef>
@@ -6564,7 +6711,7 @@
             <a:endParaRPr sz="2400"/>
           </a:p>
           <a:p>
-            <a:pPr indent="0" lvl="0" marL="0" rtl="0" algn="l">
+            <a:pPr marL="0" lvl="0" indent="0" algn="l" rtl="0">
               <a:spcBef>
                 <a:spcPts val="0"/>
               </a:spcBef>
@@ -6573,9 +6720,6 @@
               </a:spcAft>
               <a:buNone/>
             </a:pPr>
-            <a:r>
-              <a:t/>
-            </a:r>
             <a:endParaRPr sz="2400"/>
           </a:p>
         </p:txBody>
@@ -6600,12 +6744,12 @@
           </a:ln>
         </p:spPr>
         <p:txBody>
-          <a:bodyPr anchorCtr="0" anchor="t" bIns="91425" lIns="91425" spcFirstLastPara="1" rIns="91425" wrap="square" tIns="91425">
+          <a:bodyPr spcFirstLastPara="1" wrap="square" lIns="91425" tIns="91425" rIns="91425" bIns="91425" anchor="t" anchorCtr="0">
             <a:spAutoFit/>
           </a:bodyPr>
           <a:lstStyle/>
           <a:p>
-            <a:pPr indent="0" lvl="0" marL="914400" rtl="0" algn="ctr">
+            <a:pPr marL="914400" lvl="0" indent="0" algn="ctr" rtl="0">
               <a:spcBef>
                 <a:spcPts val="0"/>
               </a:spcBef>
@@ -6637,7 +6781,7 @@
             </a:endParaRPr>
           </a:p>
           <a:p>
-            <a:pPr indent="0" lvl="0" marL="914400" rtl="0" algn="ctr">
+            <a:pPr marL="914400" lvl="0" indent="0" algn="ctr" rtl="0">
               <a:spcBef>
                 <a:spcPts val="0"/>
               </a:spcBef>
@@ -6676,11 +6820,11 @@
 </file>
 
 <file path=ppt/slides/slide2.xml><?xml version="1.0" encoding="utf-8"?>
-<p:sld xmlns:a="http://schemas.openxmlformats.org/drawingml/2006/main" xmlns:r="http://schemas.openxmlformats.org/officeDocument/2006/relationships" xmlns:mc="http://schemas.openxmlformats.org/markup-compatibility/2006" xmlns:mv="urn:schemas-microsoft-com:mac:vml" xmlns:p="http://schemas.openxmlformats.org/presentationml/2006/main" xmlns:c="http://schemas.openxmlformats.org/drawingml/2006/chart" xmlns:dgm="http://schemas.openxmlformats.org/drawingml/2006/diagram" xmlns:o="urn:schemas-microsoft-com:office:office" xmlns:v="urn:schemas-microsoft-com:vml" xmlns:pvml="urn:schemas-microsoft-com:office:powerpoint" xmlns:com="http://schemas.openxmlformats.org/drawingml/2006/compatibility" xmlns:p14="http://schemas.microsoft.com/office/powerpoint/2010/main" xmlns:p15="http://schemas.microsoft.com/office/powerpoint/2012/main" xmlns:ahyp="http://schemas.microsoft.com/office/drawing/2018/hyperlinkcolor">
+<p:sld xmlns:a="http://schemas.openxmlformats.org/drawingml/2006/main" xmlns:r="http://schemas.openxmlformats.org/officeDocument/2006/relationships" xmlns:p="http://schemas.openxmlformats.org/presentationml/2006/main">
   <p:cSld>
     <p:spTree>
       <p:nvGrpSpPr>
-        <p:cNvPr id="68" name="Shape 68"/>
+        <p:cNvPr id="1" name="Shape 68"/>
         <p:cNvGrpSpPr/>
         <p:nvPr/>
       </p:nvGrpSpPr>
@@ -6695,7 +6839,9 @@
       <p:sp>
         <p:nvSpPr>
           <p:cNvPr id="69" name="Google Shape;69;p14"/>
-          <p:cNvSpPr txBox="1"/>
+          <p:cNvSpPr txBox="1">
+            <a:spLocks noGrp="1"/>
+          </p:cNvSpPr>
           <p:nvPr>
             <p:ph type="title"/>
           </p:nvPr>
@@ -6710,12 +6856,12 @@
           </a:prstGeom>
         </p:spPr>
         <p:txBody>
-          <a:bodyPr anchorCtr="0" anchor="b" bIns="91425" lIns="91425" spcFirstLastPara="1" rIns="91425" wrap="square" tIns="91425">
+          <a:bodyPr spcFirstLastPara="1" wrap="square" lIns="91425" tIns="91425" rIns="91425" bIns="91425" anchor="b" anchorCtr="0">
             <a:normAutofit/>
           </a:bodyPr>
           <a:lstStyle/>
           <a:p>
-            <a:pPr indent="0" lvl="0" marL="0" rtl="0" algn="l">
+            <a:pPr marL="0" lvl="0" indent="0" algn="l" rtl="0">
               <a:spcBef>
                 <a:spcPts val="0"/>
               </a:spcBef>
@@ -6735,9 +6881,11 @@
       <p:sp>
         <p:nvSpPr>
           <p:cNvPr id="70" name="Google Shape;70;p14"/>
-          <p:cNvSpPr txBox="1"/>
+          <p:cNvSpPr txBox="1">
+            <a:spLocks noGrp="1"/>
+          </p:cNvSpPr>
           <p:nvPr>
-            <p:ph idx="1" type="body"/>
+            <p:ph type="body" idx="1"/>
           </p:nvPr>
         </p:nvSpPr>
         <p:spPr>
@@ -6750,12 +6898,12 @@
           </a:prstGeom>
         </p:spPr>
         <p:txBody>
-          <a:bodyPr anchorCtr="0" anchor="t" bIns="91425" lIns="91425" spcFirstLastPara="1" rIns="91425" wrap="square" tIns="91425">
+          <a:bodyPr spcFirstLastPara="1" wrap="square" lIns="91425" tIns="91425" rIns="91425" bIns="91425" anchor="t" anchorCtr="0">
             <a:normAutofit/>
           </a:bodyPr>
           <a:lstStyle/>
           <a:p>
-            <a:pPr indent="0" lvl="0" marL="0" rtl="0" algn="l">
+            <a:pPr marL="0" lvl="0" indent="0" algn="l" rtl="0">
               <a:spcBef>
                 <a:spcPts val="0"/>
               </a:spcBef>
@@ -6771,7 +6919,7 @@
             <a:endParaRPr/>
           </a:p>
           <a:p>
-            <a:pPr indent="0" lvl="0" marL="0" rtl="0" algn="l">
+            <a:pPr marL="0" lvl="0" indent="0" algn="l" rtl="0">
               <a:spcBef>
                 <a:spcPts val="1200"/>
               </a:spcBef>
@@ -6780,13 +6928,10 @@
               </a:spcAft>
               <a:buNone/>
             </a:pPr>
-            <a:r>
-              <a:t/>
-            </a:r>
             <a:endParaRPr/>
           </a:p>
           <a:p>
-            <a:pPr indent="-355600" lvl="0" marL="457200" rtl="0" algn="l">
+            <a:pPr marL="457200" lvl="0" indent="-355600" algn="l" rtl="0">
               <a:spcBef>
                 <a:spcPts val="1200"/>
               </a:spcBef>
@@ -6797,10 +6942,10 @@
               <a:buChar char="-"/>
             </a:pPr>
             <a:r>
-              <a:rPr b="1" lang="en" sz="2000"/>
+              <a:rPr lang="en" sz="2000" b="1"/>
               <a:t>Based on age, how likely are you to survive Covid-19?</a:t>
             </a:r>
-            <a:endParaRPr b="1" sz="2000"/>
+            <a:endParaRPr sz="2000" b="1"/>
           </a:p>
         </p:txBody>
       </p:sp>
@@ -6813,11 +6958,11 @@
 </file>
 
 <file path=ppt/slides/slide3.xml><?xml version="1.0" encoding="utf-8"?>
-<p:sld xmlns:a="http://schemas.openxmlformats.org/drawingml/2006/main" xmlns:r="http://schemas.openxmlformats.org/officeDocument/2006/relationships" xmlns:mc="http://schemas.openxmlformats.org/markup-compatibility/2006" xmlns:mv="urn:schemas-microsoft-com:mac:vml" xmlns:p="http://schemas.openxmlformats.org/presentationml/2006/main" xmlns:c="http://schemas.openxmlformats.org/drawingml/2006/chart" xmlns:dgm="http://schemas.openxmlformats.org/drawingml/2006/diagram" xmlns:o="urn:schemas-microsoft-com:office:office" xmlns:v="urn:schemas-microsoft-com:vml" xmlns:pvml="urn:schemas-microsoft-com:office:powerpoint" xmlns:com="http://schemas.openxmlformats.org/drawingml/2006/compatibility" xmlns:p14="http://schemas.microsoft.com/office/powerpoint/2010/main" xmlns:p15="http://schemas.microsoft.com/office/powerpoint/2012/main" xmlns:ahyp="http://schemas.microsoft.com/office/drawing/2018/hyperlinkcolor">
+<p:sld xmlns:a="http://schemas.openxmlformats.org/drawingml/2006/main" xmlns:r="http://schemas.openxmlformats.org/officeDocument/2006/relationships" xmlns:p="http://schemas.openxmlformats.org/presentationml/2006/main">
   <p:cSld>
     <p:spTree>
       <p:nvGrpSpPr>
-        <p:cNvPr id="74" name="Shape 74"/>
+        <p:cNvPr id="1" name="Shape 74"/>
         <p:cNvGrpSpPr/>
         <p:nvPr/>
       </p:nvGrpSpPr>
@@ -6832,7 +6977,9 @@
       <p:sp>
         <p:nvSpPr>
           <p:cNvPr id="75" name="Google Shape;75;p15"/>
-          <p:cNvSpPr txBox="1"/>
+          <p:cNvSpPr txBox="1">
+            <a:spLocks noGrp="1"/>
+          </p:cNvSpPr>
           <p:nvPr>
             <p:ph type="title"/>
           </p:nvPr>
@@ -6847,12 +6994,12 @@
           </a:prstGeom>
         </p:spPr>
         <p:txBody>
-          <a:bodyPr anchorCtr="0" anchor="b" bIns="91425" lIns="91425" spcFirstLastPara="1" rIns="91425" wrap="square" tIns="91425">
+          <a:bodyPr spcFirstLastPara="1" wrap="square" lIns="91425" tIns="91425" rIns="91425" bIns="91425" anchor="b" anchorCtr="0">
             <a:normAutofit/>
           </a:bodyPr>
           <a:lstStyle/>
           <a:p>
-            <a:pPr indent="0" lvl="0" marL="0" rtl="0" algn="l">
+            <a:pPr marL="0" lvl="0" indent="0" algn="l" rtl="0">
               <a:spcBef>
                 <a:spcPts val="0"/>
               </a:spcBef>
@@ -6906,11 +7053,11 @@
 </file>
 
 <file path=ppt/slides/slide4.xml><?xml version="1.0" encoding="utf-8"?>
-<p:sld xmlns:a="http://schemas.openxmlformats.org/drawingml/2006/main" xmlns:r="http://schemas.openxmlformats.org/officeDocument/2006/relationships" xmlns:mc="http://schemas.openxmlformats.org/markup-compatibility/2006" xmlns:mv="urn:schemas-microsoft-com:mac:vml" xmlns:p="http://schemas.openxmlformats.org/presentationml/2006/main" xmlns:c="http://schemas.openxmlformats.org/drawingml/2006/chart" xmlns:dgm="http://schemas.openxmlformats.org/drawingml/2006/diagram" xmlns:o="urn:schemas-microsoft-com:office:office" xmlns:v="urn:schemas-microsoft-com:vml" xmlns:pvml="urn:schemas-microsoft-com:office:powerpoint" xmlns:com="http://schemas.openxmlformats.org/drawingml/2006/compatibility" xmlns:p14="http://schemas.microsoft.com/office/powerpoint/2010/main" xmlns:p15="http://schemas.microsoft.com/office/powerpoint/2012/main" xmlns:ahyp="http://schemas.microsoft.com/office/drawing/2018/hyperlinkcolor">
+<p:sld xmlns:a="http://schemas.openxmlformats.org/drawingml/2006/main" xmlns:r="http://schemas.openxmlformats.org/officeDocument/2006/relationships" xmlns:p="http://schemas.openxmlformats.org/presentationml/2006/main">
   <p:cSld>
     <p:spTree>
       <p:nvGrpSpPr>
-        <p:cNvPr id="80" name="Shape 80"/>
+        <p:cNvPr id="1" name="Shape 80"/>
         <p:cNvGrpSpPr/>
         <p:nvPr/>
       </p:nvGrpSpPr>
@@ -6925,7 +7072,9 @@
       <p:sp>
         <p:nvSpPr>
           <p:cNvPr id="81" name="Google Shape;81;p16"/>
-          <p:cNvSpPr txBox="1"/>
+          <p:cNvSpPr txBox="1">
+            <a:spLocks noGrp="1"/>
+          </p:cNvSpPr>
           <p:nvPr>
             <p:ph type="title"/>
           </p:nvPr>
@@ -6940,12 +7089,12 @@
           </a:prstGeom>
         </p:spPr>
         <p:txBody>
-          <a:bodyPr anchorCtr="0" anchor="b" bIns="91425" lIns="91425" spcFirstLastPara="1" rIns="91425" wrap="square" tIns="91425">
+          <a:bodyPr spcFirstLastPara="1" wrap="square" lIns="91425" tIns="91425" rIns="91425" bIns="91425" anchor="b" anchorCtr="0">
             <a:normAutofit/>
           </a:bodyPr>
           <a:lstStyle/>
           <a:p>
-            <a:pPr indent="0" lvl="0" marL="0" rtl="0" algn="l">
+            <a:pPr marL="0" lvl="0" indent="0" algn="l" rtl="0">
               <a:spcBef>
                 <a:spcPts val="0"/>
               </a:spcBef>
@@ -6965,14 +7114,16 @@
       <p:sp>
         <p:nvSpPr>
           <p:cNvPr id="82" name="Google Shape;82;p16"/>
-          <p:cNvSpPr txBox="1"/>
+          <p:cNvSpPr txBox="1">
+            <a:spLocks noGrp="1"/>
+          </p:cNvSpPr>
           <p:nvPr>
-            <p:ph idx="1" type="body"/>
+            <p:ph type="body" idx="1"/>
           </p:nvPr>
         </p:nvSpPr>
         <p:spPr>
           <a:xfrm>
-            <a:off x="387900" y="1489824"/>
+            <a:off x="387900" y="1317808"/>
             <a:ext cx="8368200" cy="3078900"/>
           </a:xfrm>
           <a:prstGeom prst="rect">
@@ -6980,12 +7131,12 @@
           </a:prstGeom>
         </p:spPr>
         <p:txBody>
-          <a:bodyPr anchorCtr="0" anchor="t" bIns="91425" lIns="91425" spcFirstLastPara="1" rIns="91425" wrap="square" tIns="91425">
+          <a:bodyPr spcFirstLastPara="1" wrap="square" lIns="91425" tIns="91425" rIns="91425" bIns="91425" anchor="t" anchorCtr="0">
             <a:noAutofit/>
           </a:bodyPr>
           <a:lstStyle/>
           <a:p>
-            <a:pPr indent="0" lvl="0" marL="0" rtl="0" algn="l">
+            <a:pPr marL="0" lvl="0" indent="0" algn="l" rtl="0">
               <a:lnSpc>
                 <a:spcPct val="80000"/>
               </a:lnSpc>
@@ -6999,7 +7150,7 @@
               <a:buNone/>
             </a:pPr>
             <a:r>
-              <a:rPr lang="en" sz="1390">
+              <a:rPr lang="en" sz="1390" dirty="0">
                 <a:latin typeface="Roboto Slab"/>
                 <a:ea typeface="Roboto Slab"/>
                 <a:cs typeface="Roboto Slab"/>
@@ -7007,7 +7158,7 @@
               </a:rPr>
               <a:t>The group have been discussing together which technologies will be used for each step of the project. </a:t>
             </a:r>
-            <a:endParaRPr sz="1390">
+            <a:endParaRPr sz="1390" dirty="0">
               <a:latin typeface="Roboto Slab"/>
               <a:ea typeface="Roboto Slab"/>
               <a:cs typeface="Roboto Slab"/>
@@ -7015,7 +7166,7 @@
             </a:endParaRPr>
           </a:p>
           <a:p>
-            <a:pPr indent="0" lvl="0" marL="0" rtl="0" algn="l">
+            <a:pPr marL="0" lvl="0" indent="0" algn="l" rtl="0">
               <a:lnSpc>
                 <a:spcPct val="80000"/>
               </a:lnSpc>
@@ -7028,10 +7179,7 @@
               <a:buSzPts val="770"/>
               <a:buNone/>
             </a:pPr>
-            <a:r>
-              <a:t/>
-            </a:r>
-            <a:endParaRPr sz="1390">
+            <a:endParaRPr sz="1390" dirty="0">
               <a:latin typeface="Roboto Slab"/>
               <a:ea typeface="Roboto Slab"/>
               <a:cs typeface="Roboto Slab"/>
@@ -7039,7 +7187,7 @@
             </a:endParaRPr>
           </a:p>
           <a:p>
-            <a:pPr indent="0" lvl="0" marL="914400" rtl="0" algn="l">
+            <a:pPr marL="914400" lvl="0" indent="0" algn="l" rtl="0">
               <a:lnSpc>
                 <a:spcPct val="80000"/>
               </a:lnSpc>
@@ -7052,10 +7200,7 @@
               <a:buSzPts val="770"/>
               <a:buNone/>
             </a:pPr>
-            <a:r>
-              <a:t/>
-            </a:r>
-            <a:endParaRPr sz="1390">
+            <a:endParaRPr sz="1390" dirty="0">
               <a:latin typeface="Roboto Slab"/>
               <a:ea typeface="Roboto Slab"/>
               <a:cs typeface="Roboto Slab"/>
@@ -7063,7 +7208,7 @@
             </a:endParaRPr>
           </a:p>
           <a:p>
-            <a:pPr indent="-316865" lvl="0" marL="457200" rtl="0" algn="l">
+            <a:pPr marL="457200" lvl="0" indent="-316865" algn="l" rtl="0">
               <a:lnSpc>
                 <a:spcPct val="80000"/>
               </a:lnSpc>
@@ -7078,15 +7223,24 @@
               <a:buChar char="-"/>
             </a:pPr>
             <a:r>
-              <a:rPr lang="en" sz="1390">
+              <a:rPr lang="en" sz="1390" dirty="0" err="1">
                 <a:latin typeface="Roboto Slab"/>
                 <a:ea typeface="Roboto Slab"/>
                 <a:cs typeface="Roboto Slab"/>
                 <a:sym typeface="Roboto Slab"/>
               </a:rPr>
-              <a:t>Zarneisha suggested the Covid-19 topic, and the group decided to get the data from CDC website;</a:t>
+              <a:t>Zarneisha</a:t>
             </a:r>
-            <a:endParaRPr sz="1390">
+            <a:r>
+              <a:rPr lang="en" sz="1390" dirty="0">
+                <a:latin typeface="Roboto Slab"/>
+                <a:ea typeface="Roboto Slab"/>
+                <a:cs typeface="Roboto Slab"/>
+                <a:sym typeface="Roboto Slab"/>
+              </a:rPr>
+              <a:t> suggested the Covid-19 topic, and the group decided to get the data from CDC website;</a:t>
+            </a:r>
+            <a:endParaRPr sz="1390" dirty="0">
               <a:latin typeface="Roboto Slab"/>
               <a:ea typeface="Roboto Slab"/>
               <a:cs typeface="Roboto Slab"/>
@@ -7094,7 +7248,7 @@
             </a:endParaRPr>
           </a:p>
           <a:p>
-            <a:pPr indent="0" lvl="0" marL="0" rtl="0" algn="l">
+            <a:pPr marL="0" lvl="0" indent="0" algn="l" rtl="0">
               <a:lnSpc>
                 <a:spcPct val="80000"/>
               </a:lnSpc>
@@ -7107,10 +7261,7 @@
               <a:buSzPts val="770"/>
               <a:buNone/>
             </a:pPr>
-            <a:r>
-              <a:t/>
-            </a:r>
-            <a:endParaRPr sz="1390">
+            <a:endParaRPr sz="1390" dirty="0">
               <a:latin typeface="Roboto Slab"/>
               <a:ea typeface="Roboto Slab"/>
               <a:cs typeface="Roboto Slab"/>
@@ -7118,7 +7269,7 @@
             </a:endParaRPr>
           </a:p>
           <a:p>
-            <a:pPr indent="-316865" lvl="0" marL="457200" rtl="0" algn="l">
+            <a:pPr marL="457200" lvl="0" indent="-316865" algn="l" rtl="0">
               <a:lnSpc>
                 <a:spcPct val="80000"/>
               </a:lnSpc>
@@ -7133,7 +7284,7 @@
               <a:buChar char="-"/>
             </a:pPr>
             <a:r>
-              <a:rPr lang="en" sz="1390">
+              <a:rPr lang="en" sz="1390" dirty="0">
                 <a:latin typeface="Roboto Slab"/>
                 <a:ea typeface="Roboto Slab"/>
                 <a:cs typeface="Roboto Slab"/>
@@ -7141,7 +7292,7 @@
               </a:rPr>
               <a:t>Luis cleaned the data which started with xx columns and more than 26 million rows down to two columns and xx rows.</a:t>
             </a:r>
-            <a:endParaRPr sz="1390">
+            <a:endParaRPr sz="1390" dirty="0">
               <a:latin typeface="Roboto Slab"/>
               <a:ea typeface="Roboto Slab"/>
               <a:cs typeface="Roboto Slab"/>
@@ -7149,7 +7300,7 @@
             </a:endParaRPr>
           </a:p>
           <a:p>
-            <a:pPr indent="0" lvl="0" marL="0" rtl="0" algn="l">
+            <a:pPr marL="0" lvl="0" indent="0" algn="l" rtl="0">
               <a:lnSpc>
                 <a:spcPct val="80000"/>
               </a:lnSpc>
@@ -7162,10 +7313,7 @@
               <a:buSzPts val="770"/>
               <a:buNone/>
             </a:pPr>
-            <a:r>
-              <a:t/>
-            </a:r>
-            <a:endParaRPr sz="1390">
+            <a:endParaRPr sz="1390" dirty="0">
               <a:latin typeface="Roboto Slab"/>
               <a:ea typeface="Roboto Slab"/>
               <a:cs typeface="Roboto Slab"/>
@@ -7173,7 +7321,7 @@
             </a:endParaRPr>
           </a:p>
           <a:p>
-            <a:pPr indent="-316865" lvl="0" marL="457200" rtl="0" algn="l">
+            <a:pPr marL="457200" lvl="0" indent="-316865" algn="l" rtl="0">
               <a:lnSpc>
                 <a:spcPct val="80000"/>
               </a:lnSpc>
@@ -7188,15 +7336,33 @@
               <a:buChar char="-"/>
             </a:pPr>
             <a:r>
-              <a:rPr lang="en" sz="1390">
+              <a:rPr lang="en" sz="1390" dirty="0">
                 <a:latin typeface="Roboto Slab"/>
                 <a:ea typeface="Roboto Slab"/>
                 <a:cs typeface="Roboto Slab"/>
                 <a:sym typeface="Roboto Slab"/>
               </a:rPr>
-              <a:t>David created the Github Repository, and started writing on the Readme file.</a:t>
+              <a:t>David created the </a:t>
             </a:r>
-            <a:endParaRPr sz="1390">
+            <a:r>
+              <a:rPr lang="en" sz="1390" dirty="0" err="1">
+                <a:latin typeface="Roboto Slab"/>
+                <a:ea typeface="Roboto Slab"/>
+                <a:cs typeface="Roboto Slab"/>
+                <a:sym typeface="Roboto Slab"/>
+              </a:rPr>
+              <a:t>Github</a:t>
+            </a:r>
+            <a:r>
+              <a:rPr lang="en" sz="1390" dirty="0">
+                <a:latin typeface="Roboto Slab"/>
+                <a:ea typeface="Roboto Slab"/>
+                <a:cs typeface="Roboto Slab"/>
+                <a:sym typeface="Roboto Slab"/>
+              </a:rPr>
+              <a:t> Repository, and started writing on the Readme file.</a:t>
+            </a:r>
+            <a:endParaRPr sz="1390" dirty="0">
               <a:latin typeface="Roboto Slab"/>
               <a:ea typeface="Roboto Slab"/>
               <a:cs typeface="Roboto Slab"/>
@@ -7204,7 +7370,7 @@
             </a:endParaRPr>
           </a:p>
           <a:p>
-            <a:pPr indent="0" lvl="0" marL="1371600" rtl="0" algn="l">
+            <a:pPr marL="1371600" lvl="0" indent="0" algn="l" rtl="0">
               <a:lnSpc>
                 <a:spcPct val="80000"/>
               </a:lnSpc>
@@ -7217,10 +7383,7 @@
               <a:buSzPts val="770"/>
               <a:buNone/>
             </a:pPr>
-            <a:r>
-              <a:t/>
-            </a:r>
-            <a:endParaRPr sz="1390">
+            <a:endParaRPr sz="1390" dirty="0">
               <a:latin typeface="Roboto Slab"/>
               <a:ea typeface="Roboto Slab"/>
               <a:cs typeface="Roboto Slab"/>
@@ -7228,7 +7391,7 @@
             </a:endParaRPr>
           </a:p>
           <a:p>
-            <a:pPr indent="-316865" lvl="0" marL="457200" rtl="0" algn="l">
+            <a:pPr marL="457200" lvl="0" indent="-316865" algn="l" rtl="0">
               <a:lnSpc>
                 <a:spcPct val="80000"/>
               </a:lnSpc>
@@ -7243,7 +7406,7 @@
               <a:buChar char="-"/>
             </a:pPr>
             <a:r>
-              <a:rPr lang="en" sz="1390">
+              <a:rPr lang="en" sz="1390" dirty="0">
                 <a:latin typeface="Roboto Slab"/>
                 <a:ea typeface="Roboto Slab"/>
                 <a:cs typeface="Roboto Slab"/>
@@ -7251,7 +7414,7 @@
               </a:rPr>
               <a:t>Maurice  added more to the Readme file;</a:t>
             </a:r>
-            <a:endParaRPr sz="1390">
+            <a:endParaRPr sz="1390" dirty="0">
               <a:latin typeface="Roboto Slab"/>
               <a:ea typeface="Roboto Slab"/>
               <a:cs typeface="Roboto Slab"/>
@@ -7259,7 +7422,7 @@
             </a:endParaRPr>
           </a:p>
           <a:p>
-            <a:pPr indent="0" lvl="0" marL="1371600" rtl="0" algn="l">
+            <a:pPr marL="1371600" lvl="0" indent="0" algn="l" rtl="0">
               <a:lnSpc>
                 <a:spcPct val="80000"/>
               </a:lnSpc>
@@ -7272,10 +7435,7 @@
               <a:buSzPts val="770"/>
               <a:buNone/>
             </a:pPr>
-            <a:r>
-              <a:t/>
-            </a:r>
-            <a:endParaRPr sz="1390">
+            <a:endParaRPr sz="1390" dirty="0">
               <a:latin typeface="Roboto Slab"/>
               <a:ea typeface="Roboto Slab"/>
               <a:cs typeface="Roboto Slab"/>
@@ -7283,7 +7443,7 @@
             </a:endParaRPr>
           </a:p>
           <a:p>
-            <a:pPr indent="-316865" lvl="0" marL="457200" rtl="0" algn="l">
+            <a:pPr marL="457200" lvl="0" indent="-316865" algn="l" rtl="0">
               <a:lnSpc>
                 <a:spcPct val="80000"/>
               </a:lnSpc>
@@ -7298,15 +7458,40 @@
               <a:buChar char="-"/>
             </a:pPr>
             <a:r>
-              <a:rPr lang="en" sz="1390">
+              <a:rPr lang="en" sz="1390" dirty="0" err="1">
                 <a:latin typeface="Roboto Slab"/>
                 <a:ea typeface="Roboto Slab"/>
                 <a:cs typeface="Roboto Slab"/>
                 <a:sym typeface="Roboto Slab"/>
               </a:rPr>
-              <a:t>Zarneisha created the machine learning model;</a:t>
+              <a:t>Zarneisha</a:t>
             </a:r>
-            <a:endParaRPr sz="1390">
+            <a:r>
+              <a:rPr lang="en" sz="1390" dirty="0">
+                <a:latin typeface="Roboto Slab"/>
+                <a:ea typeface="Roboto Slab"/>
+                <a:cs typeface="Roboto Slab"/>
+                <a:sym typeface="Roboto Slab"/>
+              </a:rPr>
+              <a:t> created the machine learning model;</a:t>
+            </a:r>
+          </a:p>
+          <a:p>
+            <a:pPr marL="457200" lvl="0" indent="-316865" algn="l" rtl="0">
+              <a:lnSpc>
+                <a:spcPct val="80000"/>
+              </a:lnSpc>
+              <a:spcBef>
+                <a:spcPts val="0"/>
+              </a:spcBef>
+              <a:spcAft>
+                <a:spcPts val="0"/>
+              </a:spcAft>
+              <a:buSzPts val="1390"/>
+              <a:buFont typeface="Roboto Slab"/>
+              <a:buChar char="-"/>
+            </a:pPr>
+            <a:endParaRPr lang="en" sz="1390" dirty="0">
               <a:latin typeface="Roboto Slab"/>
               <a:ea typeface="Roboto Slab"/>
               <a:cs typeface="Roboto Slab"/>
@@ -7314,7 +7499,7 @@
             </a:endParaRPr>
           </a:p>
           <a:p>
-            <a:pPr indent="0" lvl="0" marL="1371600" rtl="0" algn="l">
+            <a:pPr marL="457200" lvl="0" indent="-316865" algn="l" rtl="0">
               <a:lnSpc>
                 <a:spcPct val="80000"/>
               </a:lnSpc>
@@ -7324,13 +7509,20 @@
               <a:spcAft>
                 <a:spcPts val="0"/>
               </a:spcAft>
-              <a:buSzPts val="770"/>
-              <a:buNone/>
+              <a:buSzPts val="1390"/>
+              <a:buFont typeface="Roboto Slab"/>
+              <a:buChar char="-"/>
             </a:pPr>
             <a:r>
-              <a:t/>
+              <a:rPr lang="en" sz="1390" dirty="0">
+                <a:latin typeface="Roboto Slab"/>
+                <a:ea typeface="Roboto Slab"/>
+                <a:cs typeface="Roboto Slab"/>
+                <a:sym typeface="Roboto Slab"/>
+              </a:rPr>
+              <a:t>David has also created a machine learning model for us to compare results;</a:t>
             </a:r>
-            <a:endParaRPr sz="1390">
+            <a:endParaRPr sz="1390" dirty="0">
               <a:latin typeface="Roboto Slab"/>
               <a:ea typeface="Roboto Slab"/>
               <a:cs typeface="Roboto Slab"/>
@@ -7338,7 +7530,7 @@
             </a:endParaRPr>
           </a:p>
           <a:p>
-            <a:pPr indent="-316865" lvl="0" marL="457200" rtl="0" algn="l">
+            <a:pPr marL="1371600" lvl="0" indent="0" algn="l" rtl="0">
               <a:lnSpc>
                 <a:spcPct val="80000"/>
               </a:lnSpc>
@@ -7348,20 +7540,10 @@
               <a:spcAft>
                 <a:spcPts val="0"/>
               </a:spcAft>
-              <a:buSzPts val="1390"/>
-              <a:buFont typeface="Roboto Slab"/>
-              <a:buChar char="-"/>
+              <a:buSzPts val="770"/>
+              <a:buNone/>
             </a:pPr>
-            <a:r>
-              <a:rPr lang="en" sz="1390">
-                <a:latin typeface="Roboto Slab"/>
-                <a:ea typeface="Roboto Slab"/>
-                <a:cs typeface="Roboto Slab"/>
-                <a:sym typeface="Roboto Slab"/>
-              </a:rPr>
-              <a:t>Susana has been putting the presentation together;</a:t>
-            </a:r>
-            <a:endParaRPr sz="1390">
+            <a:endParaRPr sz="1390" dirty="0">
               <a:latin typeface="Roboto Slab"/>
               <a:ea typeface="Roboto Slab"/>
               <a:cs typeface="Roboto Slab"/>
@@ -7369,7 +7551,7 @@
             </a:endParaRPr>
           </a:p>
           <a:p>
-            <a:pPr indent="0" lvl="0" marL="1371600" rtl="0" algn="l">
+            <a:pPr marL="457200" lvl="0" indent="-316865" algn="l" rtl="0">
               <a:lnSpc>
                 <a:spcPct val="80000"/>
               </a:lnSpc>
@@ -7379,13 +7561,20 @@
               <a:spcAft>
                 <a:spcPts val="0"/>
               </a:spcAft>
-              <a:buSzPts val="770"/>
-              <a:buNone/>
+              <a:buSzPts val="1390"/>
+              <a:buFont typeface="Roboto Slab"/>
+              <a:buChar char="-"/>
             </a:pPr>
             <a:r>
-              <a:t/>
+              <a:rPr lang="en" sz="1390" dirty="0">
+                <a:latin typeface="Roboto Slab"/>
+                <a:ea typeface="Roboto Slab"/>
+                <a:cs typeface="Roboto Slab"/>
+                <a:sym typeface="Roboto Slab"/>
+              </a:rPr>
+              <a:t>Susana has been putting the presentation together, and worked with Tableau to have the data visualization.</a:t>
             </a:r>
-            <a:endParaRPr sz="1390">
+            <a:endParaRPr sz="1390" dirty="0">
               <a:latin typeface="Roboto Slab"/>
               <a:ea typeface="Roboto Slab"/>
               <a:cs typeface="Roboto Slab"/>
@@ -7393,7 +7582,7 @@
             </a:endParaRPr>
           </a:p>
           <a:p>
-            <a:pPr indent="0" lvl="0" marL="0" rtl="0" algn="l">
+            <a:pPr marL="1371600" lvl="0" indent="0" algn="l" rtl="0">
               <a:lnSpc>
                 <a:spcPct val="80000"/>
               </a:lnSpc>
@@ -7406,10 +7595,7 @@
               <a:buSzPts val="770"/>
               <a:buNone/>
             </a:pPr>
-            <a:r>
-              <a:t/>
-            </a:r>
-            <a:endParaRPr sz="1390">
+            <a:endParaRPr sz="1390" dirty="0">
               <a:latin typeface="Roboto Slab"/>
               <a:ea typeface="Roboto Slab"/>
               <a:cs typeface="Roboto Slab"/>
@@ -7417,7 +7603,7 @@
             </a:endParaRPr>
           </a:p>
           <a:p>
-            <a:pPr indent="0" lvl="0" marL="914400" rtl="0" algn="l">
+            <a:pPr marL="0" lvl="0" indent="0" algn="l" rtl="0">
               <a:lnSpc>
                 <a:spcPct val="80000"/>
               </a:lnSpc>
@@ -7430,10 +7616,7 @@
               <a:buSzPts val="770"/>
               <a:buNone/>
             </a:pPr>
-            <a:r>
-              <a:t/>
-            </a:r>
-            <a:endParaRPr sz="1110">
+            <a:endParaRPr sz="1390" dirty="0">
               <a:latin typeface="Roboto Slab"/>
               <a:ea typeface="Roboto Slab"/>
               <a:cs typeface="Roboto Slab"/>
@@ -7441,7 +7624,28 @@
             </a:endParaRPr>
           </a:p>
           <a:p>
-            <a:pPr indent="0" lvl="0" marL="0" rtl="0" algn="l">
+            <a:pPr marL="914400" lvl="0" indent="0" algn="l" rtl="0">
+              <a:lnSpc>
+                <a:spcPct val="80000"/>
+              </a:lnSpc>
+              <a:spcBef>
+                <a:spcPts val="0"/>
+              </a:spcBef>
+              <a:spcAft>
+                <a:spcPts val="0"/>
+              </a:spcAft>
+              <a:buSzPts val="770"/>
+              <a:buNone/>
+            </a:pPr>
+            <a:endParaRPr sz="1110" dirty="0">
+              <a:latin typeface="Roboto Slab"/>
+              <a:ea typeface="Roboto Slab"/>
+              <a:cs typeface="Roboto Slab"/>
+              <a:sym typeface="Roboto Slab"/>
+            </a:endParaRPr>
+          </a:p>
+          <a:p>
+            <a:pPr marL="0" lvl="0" indent="0" algn="l" rtl="0">
               <a:lnSpc>
                 <a:spcPct val="95000"/>
               </a:lnSpc>
@@ -7454,10 +7658,7 @@
               <a:buSzPts val="770"/>
               <a:buNone/>
             </a:pPr>
-            <a:r>
-              <a:t/>
-            </a:r>
-            <a:endParaRPr sz="1460"/>
+            <a:endParaRPr sz="1460" dirty="0"/>
           </a:p>
         </p:txBody>
       </p:sp>
@@ -7470,11 +7671,11 @@
 </file>
 
 <file path=ppt/slides/slide5.xml><?xml version="1.0" encoding="utf-8"?>
-<p:sld xmlns:a="http://schemas.openxmlformats.org/drawingml/2006/main" xmlns:r="http://schemas.openxmlformats.org/officeDocument/2006/relationships" xmlns:mc="http://schemas.openxmlformats.org/markup-compatibility/2006" xmlns:mv="urn:schemas-microsoft-com:mac:vml" xmlns:p="http://schemas.openxmlformats.org/presentationml/2006/main" xmlns:c="http://schemas.openxmlformats.org/drawingml/2006/chart" xmlns:dgm="http://schemas.openxmlformats.org/drawingml/2006/diagram" xmlns:o="urn:schemas-microsoft-com:office:office" xmlns:v="urn:schemas-microsoft-com:vml" xmlns:pvml="urn:schemas-microsoft-com:office:powerpoint" xmlns:com="http://schemas.openxmlformats.org/drawingml/2006/compatibility" xmlns:p14="http://schemas.microsoft.com/office/powerpoint/2010/main" xmlns:p15="http://schemas.microsoft.com/office/powerpoint/2012/main" xmlns:ahyp="http://schemas.microsoft.com/office/drawing/2018/hyperlinkcolor">
+<p:sld xmlns:a="http://schemas.openxmlformats.org/drawingml/2006/main" xmlns:r="http://schemas.openxmlformats.org/officeDocument/2006/relationships" xmlns:p="http://schemas.openxmlformats.org/presentationml/2006/main">
   <p:cSld>
     <p:spTree>
       <p:nvGrpSpPr>
-        <p:cNvPr id="86" name="Shape 86"/>
+        <p:cNvPr id="1" name="Shape 86"/>
         <p:cNvGrpSpPr/>
         <p:nvPr/>
       </p:nvGrpSpPr>
@@ -7489,7 +7690,9 @@
       <p:sp>
         <p:nvSpPr>
           <p:cNvPr id="87" name="Google Shape;87;p17"/>
-          <p:cNvSpPr txBox="1"/>
+          <p:cNvSpPr txBox="1">
+            <a:spLocks noGrp="1"/>
+          </p:cNvSpPr>
           <p:nvPr>
             <p:ph type="title"/>
           </p:nvPr>
@@ -7504,12 +7707,12 @@
           </a:prstGeom>
         </p:spPr>
         <p:txBody>
-          <a:bodyPr anchorCtr="0" anchor="b" bIns="91425" lIns="91425" spcFirstLastPara="1" rIns="91425" wrap="square" tIns="91425">
+          <a:bodyPr spcFirstLastPara="1" wrap="square" lIns="91425" tIns="91425" rIns="91425" bIns="91425" anchor="b" anchorCtr="0">
             <a:normAutofit/>
           </a:bodyPr>
           <a:lstStyle/>
           <a:p>
-            <a:pPr indent="0" lvl="0" marL="0" rtl="0" algn="l">
+            <a:pPr marL="0" lvl="0" indent="0" algn="l" rtl="0">
               <a:spcBef>
                 <a:spcPts val="0"/>
               </a:spcBef>
@@ -7574,12 +7777,12 @@
           </a:ln>
         </p:spPr>
         <p:txBody>
-          <a:bodyPr anchorCtr="0" anchor="t" bIns="91425" lIns="91425" spcFirstLastPara="1" rIns="91425" wrap="square" tIns="91425">
+          <a:bodyPr spcFirstLastPara="1" wrap="square" lIns="91425" tIns="91425" rIns="91425" bIns="91425" anchor="t" anchorCtr="0">
             <a:spAutoFit/>
           </a:bodyPr>
           <a:lstStyle/>
           <a:p>
-            <a:pPr indent="0" lvl="0" marL="0" rtl="0" algn="l">
+            <a:pPr marL="0" lvl="0" indent="0" algn="l" rtl="0">
               <a:spcBef>
                 <a:spcPts val="0"/>
               </a:spcBef>
@@ -7588,9 +7791,6 @@
               </a:spcAft>
               <a:buNone/>
             </a:pPr>
-            <a:r>
-              <a:t/>
-            </a:r>
             <a:endParaRPr>
               <a:latin typeface="Roboto"/>
               <a:ea typeface="Roboto"/>
@@ -7615,23 +7815,23 @@
             <a:avLst/>
           </a:prstGeom>
           <a:noFill/>
-          <a:ln cap="flat" cmpd="sng" w="38100">
+          <a:ln w="38100" cap="flat" cmpd="sng">
             <a:solidFill>
               <a:schemeClr val="accent1"/>
             </a:solidFill>
             <a:prstDash val="solid"/>
             <a:round/>
-            <a:headEnd len="sm" w="sm" type="none"/>
-            <a:tailEnd len="sm" w="sm" type="none"/>
+            <a:headEnd type="none" w="sm" len="sm"/>
+            <a:tailEnd type="none" w="sm" len="sm"/>
           </a:ln>
         </p:spPr>
         <p:txBody>
-          <a:bodyPr anchorCtr="0" anchor="t" bIns="91425" lIns="91425" spcFirstLastPara="1" rIns="91425" wrap="square" tIns="91425">
+          <a:bodyPr spcFirstLastPara="1" wrap="square" lIns="91425" tIns="91425" rIns="91425" bIns="91425" anchor="t" anchorCtr="0">
             <a:spAutoFit/>
           </a:bodyPr>
           <a:lstStyle/>
           <a:p>
-            <a:pPr indent="0" lvl="0" marL="0" rtl="0" algn="ctr">
+            <a:pPr marL="0" lvl="0" indent="0" algn="ctr" rtl="0">
               <a:spcBef>
                 <a:spcPts val="0"/>
               </a:spcBef>
@@ -7663,7 +7863,7 @@
             </a:endParaRPr>
           </a:p>
           <a:p>
-            <a:pPr indent="0" lvl="0" marL="0" rtl="0" algn="ctr">
+            <a:pPr marL="0" lvl="0" indent="0" algn="ctr" rtl="0">
               <a:spcBef>
                 <a:spcPts val="0"/>
               </a:spcBef>
@@ -7695,7 +7895,7 @@
             </a:endParaRPr>
           </a:p>
           <a:p>
-            <a:pPr indent="0" lvl="0" marL="0" rtl="0" algn="ctr">
+            <a:pPr marL="0" lvl="0" indent="0" algn="ctr" rtl="0">
               <a:spcBef>
                 <a:spcPts val="0"/>
               </a:spcBef>
@@ -7727,7 +7927,7 @@
             </a:endParaRPr>
           </a:p>
           <a:p>
-            <a:pPr indent="0" lvl="0" marL="0" rtl="0" algn="ctr">
+            <a:pPr marL="0" lvl="0" indent="0" algn="ctr" rtl="0">
               <a:spcBef>
                 <a:spcPts val="0"/>
               </a:spcBef>
@@ -7780,12 +7980,12 @@
           </a:ln>
         </p:spPr>
         <p:txBody>
-          <a:bodyPr anchorCtr="0" anchor="t" bIns="91425" lIns="91425" spcFirstLastPara="1" rIns="91425" wrap="square" tIns="91425">
+          <a:bodyPr spcFirstLastPara="1" wrap="square" lIns="91425" tIns="91425" rIns="91425" bIns="91425" anchor="t" anchorCtr="0">
             <a:spAutoFit/>
           </a:bodyPr>
           <a:lstStyle/>
           <a:p>
-            <a:pPr indent="0" lvl="0" marL="0" rtl="0" algn="l">
+            <a:pPr marL="0" lvl="0" indent="0" algn="l" rtl="0">
               <a:spcBef>
                 <a:spcPts val="0"/>
               </a:spcBef>
@@ -7794,9 +7994,6 @@
               </a:spcAft>
               <a:buNone/>
             </a:pPr>
-            <a:r>
-              <a:t/>
-            </a:r>
             <a:endParaRPr>
               <a:latin typeface="Roboto"/>
               <a:ea typeface="Roboto"/>
@@ -7826,12 +8023,12 @@
           </a:ln>
         </p:spPr>
         <p:txBody>
-          <a:bodyPr anchorCtr="0" anchor="t" bIns="91425" lIns="91425" spcFirstLastPara="1" rIns="91425" wrap="square" tIns="91425">
+          <a:bodyPr spcFirstLastPara="1" wrap="square" lIns="91425" tIns="91425" rIns="91425" bIns="91425" anchor="t" anchorCtr="0">
             <a:spAutoFit/>
           </a:bodyPr>
           <a:lstStyle/>
           <a:p>
-            <a:pPr indent="0" lvl="0" marL="0" rtl="0" algn="l">
+            <a:pPr marL="0" lvl="0" indent="0" algn="l" rtl="0">
               <a:spcBef>
                 <a:spcPts val="0"/>
               </a:spcBef>
@@ -7870,7 +8067,7 @@
 </file>
 
 <file path=ppt/theme/theme1.xml><?xml version="1.0" encoding="utf-8"?>
-<a:theme xmlns:a="http://schemas.openxmlformats.org/drawingml/2006/main" xmlns:r="http://schemas.openxmlformats.org/officeDocument/2006/relationships" name="Marina">
+<a:theme xmlns:a="http://schemas.openxmlformats.org/drawingml/2006/main" name="Marina">
   <a:themeElements>
     <a:clrScheme name="Marina">
       <a:dk1>
@@ -8145,11 +8342,13 @@
       </a:bgFillStyleLst>
     </a:fmtScheme>
   </a:themeElements>
+  <a:objectDefaults/>
+  <a:extraClrSchemeLst/>
 </a:theme>
 </file>
 
 <file path=ppt/theme/theme2.xml><?xml version="1.0" encoding="utf-8"?>
-<a:theme xmlns:a="http://schemas.openxmlformats.org/drawingml/2006/main" xmlns:r="http://schemas.openxmlformats.org/officeDocument/2006/relationships">
+<a:theme xmlns:a="http://schemas.openxmlformats.org/drawingml/2006/main">
   <a:themeElements>
     <a:clrScheme name="Default">
       <a:dk1>
@@ -8424,5 +8623,7 @@
       </a:bgFillStyleLst>
     </a:fmtScheme>
   </a:themeElements>
+  <a:objectDefaults/>
+  <a:extraClrSchemeLst/>
 </a:theme>
 </file>